--- a/AzDataFactoryDemo_SqlSpSink.pptx
+++ b/AzDataFactoryDemo_SqlSpSink.pptx
@@ -168,10 +168,33 @@
   <pc:docChgLst>
     <pc:chgData name="Marc Jellinek" userId="b94e775c42e2e773" providerId="LiveId" clId="{1EA7A637-13B6-4C16-A09A-92536B4596CF}"/>
     <pc:docChg chg="undo custSel addSld delSld modSld sldOrd">
-      <pc:chgData name="Marc Jellinek" userId="b94e775c42e2e773" providerId="LiveId" clId="{1EA7A637-13B6-4C16-A09A-92536B4596CF}" dt="2019-10-14T00:54:38.476" v="6882" actId="20577"/>
+      <pc:chgData name="Marc Jellinek" userId="b94e775c42e2e773" providerId="LiveId" clId="{1EA7A637-13B6-4C16-A09A-92536B4596CF}" dt="2019-10-15T02:19:31.928" v="7138" actId="20577"/>
       <pc:docMkLst>
         <pc:docMk/>
       </pc:docMkLst>
+      <pc:sldChg chg="modSp">
+        <pc:chgData name="Marc Jellinek" userId="b94e775c42e2e773" providerId="LiveId" clId="{1EA7A637-13B6-4C16-A09A-92536B4596CF}" dt="2019-10-15T02:19:31.928" v="7138" actId="20577"/>
+        <pc:sldMkLst>
+          <pc:docMk/>
+          <pc:sldMk cId="2833334754" sldId="256"/>
+        </pc:sldMkLst>
+        <pc:spChg chg="mod">
+          <ac:chgData name="Marc Jellinek" userId="b94e775c42e2e773" providerId="LiveId" clId="{1EA7A637-13B6-4C16-A09A-92536B4596CF}" dt="2019-10-15T02:19:31.928" v="7138" actId="20577"/>
+          <ac:spMkLst>
+            <pc:docMk/>
+            <pc:sldMk cId="2833334754" sldId="256"/>
+            <ac:spMk id="2" creationId="{F236C689-4B23-4412-BE7A-016B82A978DF}"/>
+          </ac:spMkLst>
+        </pc:spChg>
+        <pc:spChg chg="mod">
+          <ac:chgData name="Marc Jellinek" userId="b94e775c42e2e773" providerId="LiveId" clId="{1EA7A637-13B6-4C16-A09A-92536B4596CF}" dt="2019-10-15T01:43:29.136" v="7131" actId="20577"/>
+          <ac:spMkLst>
+            <pc:docMk/>
+            <pc:sldMk cId="2833334754" sldId="256"/>
+            <ac:spMk id="3" creationId="{7353AA0E-4275-4154-B5C7-C7FFA120C998}"/>
+          </ac:spMkLst>
+        </pc:spChg>
+      </pc:sldChg>
       <pc:sldChg chg="modSp">
         <pc:chgData name="Marc Jellinek" userId="b94e775c42e2e773" providerId="LiveId" clId="{1EA7A637-13B6-4C16-A09A-92536B4596CF}" dt="2019-10-14T00:15:37.419" v="6520" actId="20577"/>
         <pc:sldMkLst>
@@ -207,6 +230,29 @@
             <pc:docMk/>
             <pc:sldMk cId="1116775230" sldId="258"/>
             <ac:graphicFrameMk id="4" creationId="{1710C4EB-D5D2-49CA-8BEC-46EF6FEA052D}"/>
+          </ac:graphicFrameMkLst>
+        </pc:graphicFrameChg>
+      </pc:sldChg>
+      <pc:sldChg chg="addSp modSp">
+        <pc:chgData name="Marc Jellinek" userId="b94e775c42e2e773" providerId="LiveId" clId="{1EA7A637-13B6-4C16-A09A-92536B4596CF}" dt="2019-10-14T01:06:22.332" v="6968" actId="14100"/>
+        <pc:sldMkLst>
+          <pc:docMk/>
+          <pc:sldMk cId="1366597754" sldId="259"/>
+        </pc:sldMkLst>
+        <pc:spChg chg="mod">
+          <ac:chgData name="Marc Jellinek" userId="b94e775c42e2e773" providerId="LiveId" clId="{1EA7A637-13B6-4C16-A09A-92536B4596CF}" dt="2019-10-14T01:05:43.706" v="6962" actId="27636"/>
+          <ac:spMkLst>
+            <pc:docMk/>
+            <pc:sldMk cId="1366597754" sldId="259"/>
+            <ac:spMk id="3" creationId="{BC72F659-A5A8-48E9-A30C-C4269014EA56}"/>
+          </ac:spMkLst>
+        </pc:spChg>
+        <pc:graphicFrameChg chg="add mod">
+          <ac:chgData name="Marc Jellinek" userId="b94e775c42e2e773" providerId="LiveId" clId="{1EA7A637-13B6-4C16-A09A-92536B4596CF}" dt="2019-10-14T01:06:22.332" v="6968" actId="14100"/>
+          <ac:graphicFrameMkLst>
+            <pc:docMk/>
+            <pc:sldMk cId="1366597754" sldId="259"/>
+            <ac:graphicFrameMk id="4" creationId="{3BE84D3D-87D9-4F97-AFC1-D535A553BB4C}"/>
           </ac:graphicFrameMkLst>
         </pc:graphicFrameChg>
       </pc:sldChg>
@@ -465,7 +511,7 @@
         </pc:spChg>
       </pc:sldChg>
       <pc:sldChg chg="addSp delSp modSp add">
-        <pc:chgData name="Marc Jellinek" userId="b94e775c42e2e773" providerId="LiveId" clId="{1EA7A637-13B6-4C16-A09A-92536B4596CF}" dt="2019-10-14T00:45:17.985" v="6636" actId="1076"/>
+        <pc:chgData name="Marc Jellinek" userId="b94e775c42e2e773" providerId="LiveId" clId="{1EA7A637-13B6-4C16-A09A-92536B4596CF}" dt="2019-10-15T00:23:15.361" v="7016" actId="20577"/>
         <pc:sldMkLst>
           <pc:docMk/>
           <pc:sldMk cId="1201165655" sldId="270"/>
@@ -503,7 +549,7 @@
           </ac:graphicFrameMkLst>
         </pc:graphicFrameChg>
         <pc:graphicFrameChg chg="add mod modGraphic">
-          <ac:chgData name="Marc Jellinek" userId="b94e775c42e2e773" providerId="LiveId" clId="{1EA7A637-13B6-4C16-A09A-92536B4596CF}" dt="2019-10-13T21:31:41.154" v="2155" actId="6549"/>
+          <ac:chgData name="Marc Jellinek" userId="b94e775c42e2e773" providerId="LiveId" clId="{1EA7A637-13B6-4C16-A09A-92536B4596CF}" dt="2019-10-15T00:23:15.361" v="7016" actId="20577"/>
           <ac:graphicFrameMkLst>
             <pc:docMk/>
             <pc:sldMk cId="1201165655" sldId="270"/>
@@ -719,7 +765,7 @@
         </pc:graphicFrameChg>
       </pc:sldChg>
       <pc:sldChg chg="modSp add">
-        <pc:chgData name="Marc Jellinek" userId="b94e775c42e2e773" providerId="LiveId" clId="{1EA7A637-13B6-4C16-A09A-92536B4596CF}" dt="2019-10-14T00:52:47.364" v="6712" actId="20577"/>
+        <pc:chgData name="Marc Jellinek" userId="b94e775c42e2e773" providerId="LiveId" clId="{1EA7A637-13B6-4C16-A09A-92536B4596CF}" dt="2019-10-15T00:43:54.513" v="7023" actId="20577"/>
         <pc:sldMkLst>
           <pc:docMk/>
           <pc:sldMk cId="677173943" sldId="279"/>
@@ -733,7 +779,7 @@
           </ac:spMkLst>
         </pc:spChg>
         <pc:spChg chg="mod">
-          <ac:chgData name="Marc Jellinek" userId="b94e775c42e2e773" providerId="LiveId" clId="{1EA7A637-13B6-4C16-A09A-92536B4596CF}" dt="2019-10-14T00:52:47.364" v="6712" actId="20577"/>
+          <ac:chgData name="Marc Jellinek" userId="b94e775c42e2e773" providerId="LiveId" clId="{1EA7A637-13B6-4C16-A09A-92536B4596CF}" dt="2019-10-15T00:43:54.513" v="7023" actId="20577"/>
           <ac:spMkLst>
             <pc:docMk/>
             <pc:sldMk cId="677173943" sldId="279"/>
@@ -919,7 +965,7 @@
         </pc:spChg>
       </pc:sldChg>
       <pc:sldChg chg="modSp add">
-        <pc:chgData name="Marc Jellinek" userId="b94e775c42e2e773" providerId="LiveId" clId="{1EA7A637-13B6-4C16-A09A-92536B4596CF}" dt="2019-10-13T22:57:30.487" v="4884" actId="20577"/>
+        <pc:chgData name="Marc Jellinek" userId="b94e775c42e2e773" providerId="LiveId" clId="{1EA7A637-13B6-4C16-A09A-92536B4596CF}" dt="2019-10-14T23:54:16.179" v="6991" actId="20577"/>
         <pc:sldMkLst>
           <pc:docMk/>
           <pc:sldMk cId="402815990" sldId="287"/>
@@ -933,7 +979,7 @@
           </ac:spMkLst>
         </pc:spChg>
         <pc:spChg chg="mod">
-          <ac:chgData name="Marc Jellinek" userId="b94e775c42e2e773" providerId="LiveId" clId="{1EA7A637-13B6-4C16-A09A-92536B4596CF}" dt="2019-10-13T22:57:30.487" v="4884" actId="20577"/>
+          <ac:chgData name="Marc Jellinek" userId="b94e775c42e2e773" providerId="LiveId" clId="{1EA7A637-13B6-4C16-A09A-92536B4596CF}" dt="2019-10-14T23:54:16.179" v="6991" actId="20577"/>
           <ac:spMkLst>
             <pc:docMk/>
             <pc:sldMk cId="402815990" sldId="287"/>
@@ -942,7 +988,7 @@
         </pc:spChg>
       </pc:sldChg>
       <pc:sldChg chg="modSp add">
-        <pc:chgData name="Marc Jellinek" userId="b94e775c42e2e773" providerId="LiveId" clId="{1EA7A637-13B6-4C16-A09A-92536B4596CF}" dt="2019-10-13T22:57:14.487" v="4874" actId="20577"/>
+        <pc:chgData name="Marc Jellinek" userId="b94e775c42e2e773" providerId="LiveId" clId="{1EA7A637-13B6-4C16-A09A-92536B4596CF}" dt="2019-10-14T23:54:25.801" v="7013" actId="20577"/>
         <pc:sldMkLst>
           <pc:docMk/>
           <pc:sldMk cId="1526677238" sldId="288"/>
@@ -956,7 +1002,7 @@
           </ac:spMkLst>
         </pc:spChg>
         <pc:spChg chg="mod">
-          <ac:chgData name="Marc Jellinek" userId="b94e775c42e2e773" providerId="LiveId" clId="{1EA7A637-13B6-4C16-A09A-92536B4596CF}" dt="2019-10-13T22:57:14.487" v="4874" actId="20577"/>
+          <ac:chgData name="Marc Jellinek" userId="b94e775c42e2e773" providerId="LiveId" clId="{1EA7A637-13B6-4C16-A09A-92536B4596CF}" dt="2019-10-14T23:54:25.801" v="7013" actId="20577"/>
           <ac:spMkLst>
             <pc:docMk/>
             <pc:sldMk cId="1526677238" sldId="288"/>
@@ -2652,6 +2698,753 @@
 </dgm:colorsDef>
 </file>
 
+<file path=ppt/diagrams/colors3.xml><?xml version="1.0" encoding="utf-8"?>
+<dgm:colorsDef xmlns:dgm="http://schemas.openxmlformats.org/drawingml/2006/diagram" xmlns:a="http://schemas.openxmlformats.org/drawingml/2006/main" uniqueId="urn:microsoft.com/office/officeart/2005/8/colors/accent1_2">
+  <dgm:title val=""/>
+  <dgm:desc val=""/>
+  <dgm:catLst>
+    <dgm:cat type="accent1" pri="11200"/>
+  </dgm:catLst>
+  <dgm:styleLbl name="node0">
+    <dgm:fillClrLst meth="repeat">
+      <a:schemeClr val="accent1"/>
+    </dgm:fillClrLst>
+    <dgm:linClrLst meth="repeat">
+      <a:schemeClr val="lt1"/>
+    </dgm:linClrLst>
+    <dgm:effectClrLst/>
+    <dgm:txLinClrLst/>
+    <dgm:txFillClrLst/>
+    <dgm:txEffectClrLst/>
+  </dgm:styleLbl>
+  <dgm:styleLbl name="alignNode1">
+    <dgm:fillClrLst meth="repeat">
+      <a:schemeClr val="accent1"/>
+    </dgm:fillClrLst>
+    <dgm:linClrLst meth="repeat">
+      <a:schemeClr val="accent1"/>
+    </dgm:linClrLst>
+    <dgm:effectClrLst/>
+    <dgm:txLinClrLst/>
+    <dgm:txFillClrLst/>
+    <dgm:txEffectClrLst/>
+  </dgm:styleLbl>
+  <dgm:styleLbl name="node1">
+    <dgm:fillClrLst meth="repeat">
+      <a:schemeClr val="accent1"/>
+    </dgm:fillClrLst>
+    <dgm:linClrLst meth="repeat">
+      <a:schemeClr val="lt1"/>
+    </dgm:linClrLst>
+    <dgm:effectClrLst/>
+    <dgm:txLinClrLst/>
+    <dgm:txFillClrLst/>
+    <dgm:txEffectClrLst/>
+  </dgm:styleLbl>
+  <dgm:styleLbl name="lnNode1">
+    <dgm:fillClrLst meth="repeat">
+      <a:schemeClr val="accent1"/>
+    </dgm:fillClrLst>
+    <dgm:linClrLst meth="repeat">
+      <a:schemeClr val="lt1"/>
+    </dgm:linClrLst>
+    <dgm:effectClrLst/>
+    <dgm:txLinClrLst/>
+    <dgm:txFillClrLst/>
+    <dgm:txEffectClrLst/>
+  </dgm:styleLbl>
+  <dgm:styleLbl name="vennNode1">
+    <dgm:fillClrLst meth="repeat">
+      <a:schemeClr val="accent1">
+        <a:alpha val="50000"/>
+      </a:schemeClr>
+    </dgm:fillClrLst>
+    <dgm:linClrLst meth="repeat">
+      <a:schemeClr val="lt1"/>
+    </dgm:linClrLst>
+    <dgm:effectClrLst/>
+    <dgm:txLinClrLst/>
+    <dgm:txFillClrLst/>
+    <dgm:txEffectClrLst/>
+  </dgm:styleLbl>
+  <dgm:styleLbl name="node2">
+    <dgm:fillClrLst meth="repeat">
+      <a:schemeClr val="accent1"/>
+    </dgm:fillClrLst>
+    <dgm:linClrLst meth="repeat">
+      <a:schemeClr val="lt1"/>
+    </dgm:linClrLst>
+    <dgm:effectClrLst/>
+    <dgm:txLinClrLst/>
+    <dgm:txFillClrLst/>
+    <dgm:txEffectClrLst/>
+  </dgm:styleLbl>
+  <dgm:styleLbl name="node3">
+    <dgm:fillClrLst meth="repeat">
+      <a:schemeClr val="accent1"/>
+    </dgm:fillClrLst>
+    <dgm:linClrLst meth="repeat">
+      <a:schemeClr val="lt1"/>
+    </dgm:linClrLst>
+    <dgm:effectClrLst/>
+    <dgm:txLinClrLst/>
+    <dgm:txFillClrLst/>
+    <dgm:txEffectClrLst/>
+  </dgm:styleLbl>
+  <dgm:styleLbl name="node4">
+    <dgm:fillClrLst meth="repeat">
+      <a:schemeClr val="accent1"/>
+    </dgm:fillClrLst>
+    <dgm:linClrLst meth="repeat">
+      <a:schemeClr val="lt1"/>
+    </dgm:linClrLst>
+    <dgm:effectClrLst/>
+    <dgm:txLinClrLst/>
+    <dgm:txFillClrLst/>
+    <dgm:txEffectClrLst/>
+  </dgm:styleLbl>
+  <dgm:styleLbl name="fgImgPlace1">
+    <dgm:fillClrLst meth="repeat">
+      <a:schemeClr val="accent1">
+        <a:tint val="50000"/>
+      </a:schemeClr>
+    </dgm:fillClrLst>
+    <dgm:linClrLst meth="repeat">
+      <a:schemeClr val="lt1"/>
+    </dgm:linClrLst>
+    <dgm:effectClrLst/>
+    <dgm:txLinClrLst/>
+    <dgm:txFillClrLst meth="repeat">
+      <a:schemeClr val="lt1"/>
+    </dgm:txFillClrLst>
+    <dgm:txEffectClrLst/>
+  </dgm:styleLbl>
+  <dgm:styleLbl name="alignImgPlace1">
+    <dgm:fillClrLst meth="repeat">
+      <a:schemeClr val="accent1">
+        <a:tint val="50000"/>
+      </a:schemeClr>
+    </dgm:fillClrLst>
+    <dgm:linClrLst meth="repeat">
+      <a:schemeClr val="lt1"/>
+    </dgm:linClrLst>
+    <dgm:effectClrLst/>
+    <dgm:txLinClrLst/>
+    <dgm:txFillClrLst meth="repeat">
+      <a:schemeClr val="lt1"/>
+    </dgm:txFillClrLst>
+    <dgm:txEffectClrLst/>
+  </dgm:styleLbl>
+  <dgm:styleLbl name="bgImgPlace1">
+    <dgm:fillClrLst meth="repeat">
+      <a:schemeClr val="accent1">
+        <a:tint val="50000"/>
+      </a:schemeClr>
+    </dgm:fillClrLst>
+    <dgm:linClrLst meth="repeat">
+      <a:schemeClr val="lt1"/>
+    </dgm:linClrLst>
+    <dgm:effectClrLst/>
+    <dgm:txLinClrLst/>
+    <dgm:txFillClrLst meth="repeat">
+      <a:schemeClr val="lt1"/>
+    </dgm:txFillClrLst>
+    <dgm:txEffectClrLst/>
+  </dgm:styleLbl>
+  <dgm:styleLbl name="sibTrans2D1">
+    <dgm:fillClrLst meth="repeat">
+      <a:schemeClr val="accent1">
+        <a:tint val="60000"/>
+      </a:schemeClr>
+    </dgm:fillClrLst>
+    <dgm:linClrLst meth="repeat">
+      <a:schemeClr val="accent1">
+        <a:tint val="60000"/>
+      </a:schemeClr>
+    </dgm:linClrLst>
+    <dgm:effectClrLst/>
+    <dgm:txLinClrLst/>
+    <dgm:txFillClrLst/>
+    <dgm:txEffectClrLst/>
+  </dgm:styleLbl>
+  <dgm:styleLbl name="fgSibTrans2D1">
+    <dgm:fillClrLst meth="repeat">
+      <a:schemeClr val="accent1">
+        <a:tint val="60000"/>
+      </a:schemeClr>
+    </dgm:fillClrLst>
+    <dgm:linClrLst meth="repeat">
+      <a:schemeClr val="accent1">
+        <a:tint val="60000"/>
+      </a:schemeClr>
+    </dgm:linClrLst>
+    <dgm:effectClrLst/>
+    <dgm:txLinClrLst/>
+    <dgm:txFillClrLst/>
+    <dgm:txEffectClrLst/>
+  </dgm:styleLbl>
+  <dgm:styleLbl name="bgSibTrans2D1">
+    <dgm:fillClrLst meth="repeat">
+      <a:schemeClr val="accent1">
+        <a:tint val="60000"/>
+      </a:schemeClr>
+    </dgm:fillClrLst>
+    <dgm:linClrLst meth="repeat">
+      <a:schemeClr val="accent1">
+        <a:tint val="60000"/>
+      </a:schemeClr>
+    </dgm:linClrLst>
+    <dgm:effectClrLst/>
+    <dgm:txLinClrLst/>
+    <dgm:txFillClrLst/>
+    <dgm:txEffectClrLst/>
+  </dgm:styleLbl>
+  <dgm:styleLbl name="sibTrans1D1">
+    <dgm:fillClrLst meth="repeat">
+      <a:schemeClr val="accent1"/>
+    </dgm:fillClrLst>
+    <dgm:linClrLst meth="repeat">
+      <a:schemeClr val="accent1"/>
+    </dgm:linClrLst>
+    <dgm:effectClrLst/>
+    <dgm:txLinClrLst/>
+    <dgm:txFillClrLst meth="repeat">
+      <a:schemeClr val="tx1"/>
+    </dgm:txFillClrLst>
+    <dgm:txEffectClrLst/>
+  </dgm:styleLbl>
+  <dgm:styleLbl name="callout">
+    <dgm:fillClrLst meth="repeat">
+      <a:schemeClr val="accent1"/>
+    </dgm:fillClrLst>
+    <dgm:linClrLst meth="repeat">
+      <a:schemeClr val="accent1">
+        <a:tint val="50000"/>
+      </a:schemeClr>
+    </dgm:linClrLst>
+    <dgm:effectClrLst/>
+    <dgm:txLinClrLst/>
+    <dgm:txFillClrLst meth="repeat">
+      <a:schemeClr val="tx1"/>
+    </dgm:txFillClrLst>
+    <dgm:txEffectClrLst/>
+  </dgm:styleLbl>
+  <dgm:styleLbl name="asst0">
+    <dgm:fillClrLst meth="repeat">
+      <a:schemeClr val="accent1"/>
+    </dgm:fillClrLst>
+    <dgm:linClrLst meth="repeat">
+      <a:schemeClr val="lt1"/>
+    </dgm:linClrLst>
+    <dgm:effectClrLst/>
+    <dgm:txLinClrLst/>
+    <dgm:txFillClrLst/>
+    <dgm:txEffectClrLst/>
+  </dgm:styleLbl>
+  <dgm:styleLbl name="asst1">
+    <dgm:fillClrLst meth="repeat">
+      <a:schemeClr val="accent1"/>
+    </dgm:fillClrLst>
+    <dgm:linClrLst meth="repeat">
+      <a:schemeClr val="lt1"/>
+    </dgm:linClrLst>
+    <dgm:effectClrLst/>
+    <dgm:txLinClrLst/>
+    <dgm:txFillClrLst/>
+    <dgm:txEffectClrLst/>
+  </dgm:styleLbl>
+  <dgm:styleLbl name="asst2">
+    <dgm:fillClrLst meth="repeat">
+      <a:schemeClr val="accent1"/>
+    </dgm:fillClrLst>
+    <dgm:linClrLst meth="repeat">
+      <a:schemeClr val="lt1"/>
+    </dgm:linClrLst>
+    <dgm:effectClrLst/>
+    <dgm:txLinClrLst/>
+    <dgm:txFillClrLst/>
+    <dgm:txEffectClrLst/>
+  </dgm:styleLbl>
+  <dgm:styleLbl name="asst3">
+    <dgm:fillClrLst meth="repeat">
+      <a:schemeClr val="accent1"/>
+    </dgm:fillClrLst>
+    <dgm:linClrLst meth="repeat">
+      <a:schemeClr val="lt1"/>
+    </dgm:linClrLst>
+    <dgm:effectClrLst/>
+    <dgm:txLinClrLst/>
+    <dgm:txFillClrLst/>
+    <dgm:txEffectClrLst/>
+  </dgm:styleLbl>
+  <dgm:styleLbl name="asst4">
+    <dgm:fillClrLst meth="repeat">
+      <a:schemeClr val="accent1"/>
+    </dgm:fillClrLst>
+    <dgm:linClrLst meth="repeat">
+      <a:schemeClr val="lt1"/>
+    </dgm:linClrLst>
+    <dgm:effectClrLst/>
+    <dgm:txLinClrLst/>
+    <dgm:txFillClrLst/>
+    <dgm:txEffectClrLst/>
+  </dgm:styleLbl>
+  <dgm:styleLbl name="parChTrans2D1">
+    <dgm:fillClrLst meth="repeat">
+      <a:schemeClr val="accent1">
+        <a:tint val="60000"/>
+      </a:schemeClr>
+    </dgm:fillClrLst>
+    <dgm:linClrLst meth="repeat">
+      <a:schemeClr val="accent1">
+        <a:tint val="60000"/>
+      </a:schemeClr>
+    </dgm:linClrLst>
+    <dgm:effectClrLst/>
+    <dgm:txLinClrLst/>
+    <dgm:txFillClrLst meth="repeat">
+      <a:schemeClr val="lt1"/>
+    </dgm:txFillClrLst>
+    <dgm:txEffectClrLst/>
+  </dgm:styleLbl>
+  <dgm:styleLbl name="parChTrans2D2">
+    <dgm:fillClrLst meth="repeat">
+      <a:schemeClr val="accent1"/>
+    </dgm:fillClrLst>
+    <dgm:linClrLst meth="repeat">
+      <a:schemeClr val="accent1"/>
+    </dgm:linClrLst>
+    <dgm:effectClrLst/>
+    <dgm:txLinClrLst/>
+    <dgm:txFillClrLst meth="repeat">
+      <a:schemeClr val="lt1"/>
+    </dgm:txFillClrLst>
+    <dgm:txEffectClrLst/>
+  </dgm:styleLbl>
+  <dgm:styleLbl name="parChTrans2D3">
+    <dgm:fillClrLst meth="repeat">
+      <a:schemeClr val="accent1"/>
+    </dgm:fillClrLst>
+    <dgm:linClrLst meth="repeat">
+      <a:schemeClr val="accent1"/>
+    </dgm:linClrLst>
+    <dgm:effectClrLst/>
+    <dgm:txLinClrLst/>
+    <dgm:txFillClrLst meth="repeat">
+      <a:schemeClr val="lt1"/>
+    </dgm:txFillClrLst>
+    <dgm:txEffectClrLst/>
+  </dgm:styleLbl>
+  <dgm:styleLbl name="parChTrans2D4">
+    <dgm:fillClrLst meth="repeat">
+      <a:schemeClr val="accent1"/>
+    </dgm:fillClrLst>
+    <dgm:linClrLst meth="repeat">
+      <a:schemeClr val="accent1"/>
+    </dgm:linClrLst>
+    <dgm:effectClrLst/>
+    <dgm:txLinClrLst/>
+    <dgm:txFillClrLst meth="repeat">
+      <a:schemeClr val="lt1"/>
+    </dgm:txFillClrLst>
+    <dgm:txEffectClrLst/>
+  </dgm:styleLbl>
+  <dgm:styleLbl name="parChTrans1D1">
+    <dgm:fillClrLst meth="repeat">
+      <a:schemeClr val="accent1"/>
+    </dgm:fillClrLst>
+    <dgm:linClrLst meth="repeat">
+      <a:schemeClr val="accent1">
+        <a:shade val="60000"/>
+      </a:schemeClr>
+    </dgm:linClrLst>
+    <dgm:effectClrLst/>
+    <dgm:txLinClrLst/>
+    <dgm:txFillClrLst meth="repeat">
+      <a:schemeClr val="tx1"/>
+    </dgm:txFillClrLst>
+    <dgm:txEffectClrLst/>
+  </dgm:styleLbl>
+  <dgm:styleLbl name="parChTrans1D2">
+    <dgm:fillClrLst meth="repeat">
+      <a:schemeClr val="accent1"/>
+    </dgm:fillClrLst>
+    <dgm:linClrLst meth="repeat">
+      <a:schemeClr val="accent1">
+        <a:shade val="60000"/>
+      </a:schemeClr>
+    </dgm:linClrLst>
+    <dgm:effectClrLst/>
+    <dgm:txLinClrLst/>
+    <dgm:txFillClrLst meth="repeat">
+      <a:schemeClr val="tx1"/>
+    </dgm:txFillClrLst>
+    <dgm:txEffectClrLst/>
+  </dgm:styleLbl>
+  <dgm:styleLbl name="parChTrans1D3">
+    <dgm:fillClrLst meth="repeat">
+      <a:schemeClr val="accent1"/>
+    </dgm:fillClrLst>
+    <dgm:linClrLst meth="repeat">
+      <a:schemeClr val="accent1">
+        <a:shade val="80000"/>
+      </a:schemeClr>
+    </dgm:linClrLst>
+    <dgm:effectClrLst/>
+    <dgm:txLinClrLst/>
+    <dgm:txFillClrLst meth="repeat">
+      <a:schemeClr val="tx1"/>
+    </dgm:txFillClrLst>
+    <dgm:txEffectClrLst/>
+  </dgm:styleLbl>
+  <dgm:styleLbl name="parChTrans1D4">
+    <dgm:fillClrLst meth="repeat">
+      <a:schemeClr val="accent1"/>
+    </dgm:fillClrLst>
+    <dgm:linClrLst meth="repeat">
+      <a:schemeClr val="accent1">
+        <a:shade val="80000"/>
+      </a:schemeClr>
+    </dgm:linClrLst>
+    <dgm:effectClrLst/>
+    <dgm:txLinClrLst/>
+    <dgm:txFillClrLst meth="repeat">
+      <a:schemeClr val="tx1"/>
+    </dgm:txFillClrLst>
+    <dgm:txEffectClrLst/>
+  </dgm:styleLbl>
+  <dgm:styleLbl name="fgAcc1">
+    <dgm:fillClrLst meth="repeat">
+      <a:schemeClr val="lt1">
+        <a:alpha val="90000"/>
+      </a:schemeClr>
+    </dgm:fillClrLst>
+    <dgm:linClrLst meth="repeat">
+      <a:schemeClr val="accent1"/>
+    </dgm:linClrLst>
+    <dgm:effectClrLst/>
+    <dgm:txLinClrLst/>
+    <dgm:txFillClrLst meth="repeat">
+      <a:schemeClr val="dk1"/>
+    </dgm:txFillClrLst>
+    <dgm:txEffectClrLst/>
+  </dgm:styleLbl>
+  <dgm:styleLbl name="conFgAcc1">
+    <dgm:fillClrLst meth="repeat">
+      <a:schemeClr val="lt1">
+        <a:alpha val="90000"/>
+      </a:schemeClr>
+    </dgm:fillClrLst>
+    <dgm:linClrLst meth="repeat">
+      <a:schemeClr val="accent1"/>
+    </dgm:linClrLst>
+    <dgm:effectClrLst/>
+    <dgm:txLinClrLst/>
+    <dgm:txFillClrLst meth="repeat">
+      <a:schemeClr val="dk1"/>
+    </dgm:txFillClrLst>
+    <dgm:txEffectClrLst/>
+  </dgm:styleLbl>
+  <dgm:styleLbl name="alignAcc1">
+    <dgm:fillClrLst meth="repeat">
+      <a:schemeClr val="lt1">
+        <a:alpha val="90000"/>
+      </a:schemeClr>
+    </dgm:fillClrLst>
+    <dgm:linClrLst meth="repeat">
+      <a:schemeClr val="accent1"/>
+    </dgm:linClrLst>
+    <dgm:effectClrLst/>
+    <dgm:txLinClrLst/>
+    <dgm:txFillClrLst meth="repeat">
+      <a:schemeClr val="dk1"/>
+    </dgm:txFillClrLst>
+    <dgm:txEffectClrLst/>
+  </dgm:styleLbl>
+  <dgm:styleLbl name="trAlignAcc1">
+    <dgm:fillClrLst meth="repeat">
+      <a:schemeClr val="lt1">
+        <a:alpha val="40000"/>
+      </a:schemeClr>
+    </dgm:fillClrLst>
+    <dgm:linClrLst meth="repeat">
+      <a:schemeClr val="accent1"/>
+    </dgm:linClrLst>
+    <dgm:effectClrLst/>
+    <dgm:txLinClrLst/>
+    <dgm:txFillClrLst meth="repeat">
+      <a:schemeClr val="dk1"/>
+    </dgm:txFillClrLst>
+    <dgm:txEffectClrLst/>
+  </dgm:styleLbl>
+  <dgm:styleLbl name="bgAcc1">
+    <dgm:fillClrLst meth="repeat">
+      <a:schemeClr val="lt1">
+        <a:alpha val="90000"/>
+      </a:schemeClr>
+    </dgm:fillClrLst>
+    <dgm:linClrLst meth="repeat">
+      <a:schemeClr val="accent1"/>
+    </dgm:linClrLst>
+    <dgm:effectClrLst/>
+    <dgm:txLinClrLst/>
+    <dgm:txFillClrLst meth="repeat">
+      <a:schemeClr val="dk1"/>
+    </dgm:txFillClrLst>
+    <dgm:txEffectClrLst/>
+  </dgm:styleLbl>
+  <dgm:styleLbl name="solidFgAcc1">
+    <dgm:fillClrLst meth="repeat">
+      <a:schemeClr val="lt1"/>
+    </dgm:fillClrLst>
+    <dgm:linClrLst meth="repeat">
+      <a:schemeClr val="accent1"/>
+    </dgm:linClrLst>
+    <dgm:effectClrLst/>
+    <dgm:txLinClrLst/>
+    <dgm:txFillClrLst meth="repeat">
+      <a:schemeClr val="dk1"/>
+    </dgm:txFillClrLst>
+    <dgm:txEffectClrLst/>
+  </dgm:styleLbl>
+  <dgm:styleLbl name="solidAlignAcc1">
+    <dgm:fillClrLst meth="repeat">
+      <a:schemeClr val="lt1"/>
+    </dgm:fillClrLst>
+    <dgm:linClrLst meth="repeat">
+      <a:schemeClr val="accent1"/>
+    </dgm:linClrLst>
+    <dgm:effectClrLst/>
+    <dgm:txLinClrLst/>
+    <dgm:txFillClrLst meth="repeat">
+      <a:schemeClr val="dk1"/>
+    </dgm:txFillClrLst>
+    <dgm:txEffectClrLst/>
+  </dgm:styleLbl>
+  <dgm:styleLbl name="solidBgAcc1">
+    <dgm:fillClrLst meth="repeat">
+      <a:schemeClr val="lt1"/>
+    </dgm:fillClrLst>
+    <dgm:linClrLst meth="repeat">
+      <a:schemeClr val="accent1"/>
+    </dgm:linClrLst>
+    <dgm:effectClrLst/>
+    <dgm:txLinClrLst/>
+    <dgm:txFillClrLst meth="repeat">
+      <a:schemeClr val="dk1"/>
+    </dgm:txFillClrLst>
+    <dgm:txEffectClrLst/>
+  </dgm:styleLbl>
+  <dgm:styleLbl name="fgAccFollowNode1">
+    <dgm:fillClrLst meth="repeat">
+      <a:schemeClr val="accent1">
+        <a:alpha val="90000"/>
+        <a:tint val="40000"/>
+      </a:schemeClr>
+    </dgm:fillClrLst>
+    <dgm:linClrLst meth="repeat">
+      <a:schemeClr val="accent1">
+        <a:alpha val="90000"/>
+        <a:tint val="40000"/>
+      </a:schemeClr>
+    </dgm:linClrLst>
+    <dgm:effectClrLst/>
+    <dgm:txLinClrLst/>
+    <dgm:txFillClrLst meth="repeat">
+      <a:schemeClr val="dk1"/>
+    </dgm:txFillClrLst>
+    <dgm:txEffectClrLst/>
+  </dgm:styleLbl>
+  <dgm:styleLbl name="alignAccFollowNode1">
+    <dgm:fillClrLst meth="repeat">
+      <a:schemeClr val="accent1">
+        <a:alpha val="90000"/>
+        <a:tint val="40000"/>
+      </a:schemeClr>
+    </dgm:fillClrLst>
+    <dgm:linClrLst meth="repeat">
+      <a:schemeClr val="accent1">
+        <a:alpha val="90000"/>
+        <a:tint val="40000"/>
+      </a:schemeClr>
+    </dgm:linClrLst>
+    <dgm:effectClrLst/>
+    <dgm:txLinClrLst/>
+    <dgm:txFillClrLst meth="repeat">
+      <a:schemeClr val="dk1"/>
+    </dgm:txFillClrLst>
+    <dgm:txEffectClrLst/>
+  </dgm:styleLbl>
+  <dgm:styleLbl name="bgAccFollowNode1">
+    <dgm:fillClrLst meth="repeat">
+      <a:schemeClr val="accent1">
+        <a:alpha val="90000"/>
+        <a:tint val="40000"/>
+      </a:schemeClr>
+    </dgm:fillClrLst>
+    <dgm:linClrLst meth="repeat">
+      <a:schemeClr val="accent1">
+        <a:alpha val="90000"/>
+        <a:tint val="40000"/>
+      </a:schemeClr>
+    </dgm:linClrLst>
+    <dgm:effectClrLst/>
+    <dgm:txLinClrLst/>
+    <dgm:txFillClrLst meth="repeat">
+      <a:schemeClr val="dk1"/>
+    </dgm:txFillClrLst>
+    <dgm:txEffectClrLst/>
+  </dgm:styleLbl>
+  <dgm:styleLbl name="fgAcc0">
+    <dgm:fillClrLst meth="repeat">
+      <a:schemeClr val="lt1">
+        <a:alpha val="90000"/>
+      </a:schemeClr>
+    </dgm:fillClrLst>
+    <dgm:linClrLst meth="repeat">
+      <a:schemeClr val="accent1"/>
+    </dgm:linClrLst>
+    <dgm:effectClrLst/>
+    <dgm:txLinClrLst/>
+    <dgm:txFillClrLst meth="repeat">
+      <a:schemeClr val="dk1"/>
+    </dgm:txFillClrLst>
+    <dgm:txEffectClrLst/>
+  </dgm:styleLbl>
+  <dgm:styleLbl name="fgAcc2">
+    <dgm:fillClrLst meth="repeat">
+      <a:schemeClr val="lt1">
+        <a:alpha val="90000"/>
+      </a:schemeClr>
+    </dgm:fillClrLst>
+    <dgm:linClrLst meth="repeat">
+      <a:schemeClr val="accent1"/>
+    </dgm:linClrLst>
+    <dgm:effectClrLst/>
+    <dgm:txLinClrLst/>
+    <dgm:txFillClrLst meth="repeat">
+      <a:schemeClr val="dk1"/>
+    </dgm:txFillClrLst>
+    <dgm:txEffectClrLst/>
+  </dgm:styleLbl>
+  <dgm:styleLbl name="fgAcc3">
+    <dgm:fillClrLst meth="repeat">
+      <a:schemeClr val="lt1">
+        <a:alpha val="90000"/>
+      </a:schemeClr>
+    </dgm:fillClrLst>
+    <dgm:linClrLst meth="repeat">
+      <a:schemeClr val="accent1"/>
+    </dgm:linClrLst>
+    <dgm:effectClrLst/>
+    <dgm:txLinClrLst/>
+    <dgm:txFillClrLst meth="repeat">
+      <a:schemeClr val="dk1"/>
+    </dgm:txFillClrLst>
+    <dgm:txEffectClrLst/>
+  </dgm:styleLbl>
+  <dgm:styleLbl name="fgAcc4">
+    <dgm:fillClrLst meth="repeat">
+      <a:schemeClr val="lt1">
+        <a:alpha val="90000"/>
+      </a:schemeClr>
+    </dgm:fillClrLst>
+    <dgm:linClrLst meth="repeat">
+      <a:schemeClr val="accent1"/>
+    </dgm:linClrLst>
+    <dgm:effectClrLst/>
+    <dgm:txLinClrLst/>
+    <dgm:txFillClrLst meth="repeat">
+      <a:schemeClr val="dk1"/>
+    </dgm:txFillClrLst>
+    <dgm:txEffectClrLst/>
+  </dgm:styleLbl>
+  <dgm:styleLbl name="bgShp">
+    <dgm:fillClrLst meth="repeat">
+      <a:schemeClr val="accent1">
+        <a:tint val="40000"/>
+      </a:schemeClr>
+    </dgm:fillClrLst>
+    <dgm:linClrLst meth="repeat">
+      <a:schemeClr val="accent1"/>
+    </dgm:linClrLst>
+    <dgm:effectClrLst/>
+    <dgm:txLinClrLst/>
+    <dgm:txFillClrLst meth="repeat">
+      <a:schemeClr val="dk1"/>
+    </dgm:txFillClrLst>
+    <dgm:txEffectClrLst/>
+  </dgm:styleLbl>
+  <dgm:styleLbl name="dkBgShp">
+    <dgm:fillClrLst meth="repeat">
+      <a:schemeClr val="accent1">
+        <a:shade val="80000"/>
+      </a:schemeClr>
+    </dgm:fillClrLst>
+    <dgm:linClrLst meth="repeat">
+      <a:schemeClr val="accent1"/>
+    </dgm:linClrLst>
+    <dgm:effectClrLst/>
+    <dgm:txLinClrLst/>
+    <dgm:txFillClrLst meth="repeat">
+      <a:schemeClr val="lt1"/>
+    </dgm:txFillClrLst>
+    <dgm:txEffectClrLst/>
+  </dgm:styleLbl>
+  <dgm:styleLbl name="trBgShp">
+    <dgm:fillClrLst meth="repeat">
+      <a:schemeClr val="accent1">
+        <a:tint val="50000"/>
+        <a:alpha val="40000"/>
+      </a:schemeClr>
+    </dgm:fillClrLst>
+    <dgm:linClrLst meth="repeat">
+      <a:schemeClr val="accent1"/>
+    </dgm:linClrLst>
+    <dgm:effectClrLst/>
+    <dgm:txLinClrLst/>
+    <dgm:txFillClrLst meth="repeat">
+      <a:schemeClr val="lt1"/>
+    </dgm:txFillClrLst>
+    <dgm:txEffectClrLst/>
+  </dgm:styleLbl>
+  <dgm:styleLbl name="fgShp">
+    <dgm:fillClrLst meth="repeat">
+      <a:schemeClr val="accent1">
+        <a:tint val="60000"/>
+      </a:schemeClr>
+    </dgm:fillClrLst>
+    <dgm:linClrLst meth="repeat">
+      <a:schemeClr val="lt1"/>
+    </dgm:linClrLst>
+    <dgm:effectClrLst/>
+    <dgm:txLinClrLst/>
+    <dgm:txFillClrLst meth="repeat">
+      <a:schemeClr val="dk1"/>
+    </dgm:txFillClrLst>
+    <dgm:txEffectClrLst/>
+  </dgm:styleLbl>
+  <dgm:styleLbl name="revTx">
+    <dgm:fillClrLst meth="repeat">
+      <a:schemeClr val="lt1">
+        <a:alpha val="0"/>
+      </a:schemeClr>
+    </dgm:fillClrLst>
+    <dgm:linClrLst meth="repeat">
+      <a:schemeClr val="dk1">
+        <a:alpha val="0"/>
+      </a:schemeClr>
+    </dgm:linClrLst>
+    <dgm:effectClrLst/>
+    <dgm:txLinClrLst/>
+    <dgm:txFillClrLst meth="repeat">
+      <a:schemeClr val="tx1"/>
+    </dgm:txFillClrLst>
+    <dgm:txEffectClrLst/>
+  </dgm:styleLbl>
+</dgm:colorsDef>
+</file>
+
 <file path=ppt/diagrams/data1.xml><?xml version="1.0" encoding="utf-8"?>
 <dgm:dataModel xmlns:dgm="http://schemas.openxmlformats.org/drawingml/2006/diagram" xmlns:a="http://schemas.openxmlformats.org/drawingml/2006/main">
   <dgm:ptLst>
@@ -3376,6 +4169,480 @@
 </file>
 
 <file path=ppt/diagrams/data2.xml><?xml version="1.0" encoding="utf-8"?>
+<dgm:dataModel xmlns:dgm="http://schemas.openxmlformats.org/drawingml/2006/diagram" xmlns:a="http://schemas.openxmlformats.org/drawingml/2006/main">
+  <dgm:ptLst>
+    <dgm:pt modelId="{C11DBB7E-0079-4899-95FD-5909281E4F6C}" type="doc">
+      <dgm:prSet loTypeId="urn:microsoft.com/office/officeart/2009/3/layout/HorizontalOrganizationChart" loCatId="hierarchy" qsTypeId="urn:microsoft.com/office/officeart/2005/8/quickstyle/simple1" qsCatId="simple" csTypeId="urn:microsoft.com/office/officeart/2005/8/colors/accent1_2" csCatId="accent1" phldr="1"/>
+      <dgm:spPr/>
+      <dgm:t>
+        <a:bodyPr/>
+        <a:lstStyle/>
+        <a:p>
+          <a:endParaRPr lang="en-US"/>
+        </a:p>
+      </dgm:t>
+    </dgm:pt>
+    <dgm:pt modelId="{A768C853-21B8-400C-8991-0650BA278A1D}">
+      <dgm:prSet phldrT="[Text]"/>
+      <dgm:spPr/>
+      <dgm:t>
+        <a:bodyPr/>
+        <a:lstStyle/>
+        <a:p>
+          <a:r>
+            <a:rPr lang="en-US" dirty="0"/>
+            <a:t>Resource </a:t>
+          </a:r>
+        </a:p>
+        <a:p>
+          <a:r>
+            <a:rPr lang="en-US" dirty="0"/>
+            <a:t>Group</a:t>
+          </a:r>
+        </a:p>
+      </dgm:t>
+    </dgm:pt>
+    <dgm:pt modelId="{3392CAB7-99B1-469F-B771-7BAD5502264C}" type="parTrans" cxnId="{5BD1FE45-2951-4700-A0BC-8410C23FCCEF}">
+      <dgm:prSet/>
+      <dgm:spPr/>
+      <dgm:t>
+        <a:bodyPr/>
+        <a:lstStyle/>
+        <a:p>
+          <a:endParaRPr lang="en-US"/>
+        </a:p>
+      </dgm:t>
+    </dgm:pt>
+    <dgm:pt modelId="{504C8362-892E-468E-B35F-6EC6C5D47EAC}" type="sibTrans" cxnId="{5BD1FE45-2951-4700-A0BC-8410C23FCCEF}">
+      <dgm:prSet/>
+      <dgm:spPr/>
+      <dgm:t>
+        <a:bodyPr/>
+        <a:lstStyle/>
+        <a:p>
+          <a:endParaRPr lang="en-US"/>
+        </a:p>
+      </dgm:t>
+    </dgm:pt>
+    <dgm:pt modelId="{F6D970B7-89A8-4323-B40E-827D95103C70}">
+      <dgm:prSet phldrT="[Text]"/>
+      <dgm:spPr/>
+      <dgm:t>
+        <a:bodyPr/>
+        <a:lstStyle/>
+        <a:p>
+          <a:r>
+            <a:rPr lang="en-US" dirty="0"/>
+            <a:t>Source </a:t>
+          </a:r>
+        </a:p>
+        <a:p>
+          <a:r>
+            <a:rPr lang="en-US" dirty="0"/>
+            <a:t>Database</a:t>
+          </a:r>
+        </a:p>
+      </dgm:t>
+    </dgm:pt>
+    <dgm:pt modelId="{69AD2F08-ED15-4514-AFE5-C86746139DF7}" type="parTrans" cxnId="{1BDA650B-7EE6-4B64-8082-B125CE2EB57E}">
+      <dgm:prSet/>
+      <dgm:spPr/>
+      <dgm:t>
+        <a:bodyPr/>
+        <a:lstStyle/>
+        <a:p>
+          <a:endParaRPr lang="en-US"/>
+        </a:p>
+      </dgm:t>
+    </dgm:pt>
+    <dgm:pt modelId="{A348EEDB-2690-41B5-B347-EC82FA8514C8}" type="sibTrans" cxnId="{1BDA650B-7EE6-4B64-8082-B125CE2EB57E}">
+      <dgm:prSet/>
+      <dgm:spPr/>
+      <dgm:t>
+        <a:bodyPr/>
+        <a:lstStyle/>
+        <a:p>
+          <a:endParaRPr lang="en-US"/>
+        </a:p>
+      </dgm:t>
+    </dgm:pt>
+    <dgm:pt modelId="{629779F5-5991-4CEE-8331-867787B06D04}">
+      <dgm:prSet phldrT="[Text]"/>
+      <dgm:spPr/>
+      <dgm:t>
+        <a:bodyPr/>
+        <a:lstStyle/>
+        <a:p>
+          <a:r>
+            <a:rPr lang="en-US" dirty="0"/>
+            <a:t>Data </a:t>
+          </a:r>
+        </a:p>
+        <a:p>
+          <a:r>
+            <a:rPr lang="en-US" dirty="0"/>
+            <a:t>Factory</a:t>
+          </a:r>
+        </a:p>
+      </dgm:t>
+    </dgm:pt>
+    <dgm:pt modelId="{822E2945-9506-4FF6-90EA-0C0D907FBF10}" type="parTrans" cxnId="{F8D93C01-087A-4EB4-863F-13B3ED75DAE1}">
+      <dgm:prSet/>
+      <dgm:spPr/>
+      <dgm:t>
+        <a:bodyPr/>
+        <a:lstStyle/>
+        <a:p>
+          <a:endParaRPr lang="en-US"/>
+        </a:p>
+      </dgm:t>
+    </dgm:pt>
+    <dgm:pt modelId="{124DDBFC-3879-4646-8D43-9CD27B13522A}" type="sibTrans" cxnId="{F8D93C01-087A-4EB4-863F-13B3ED75DAE1}">
+      <dgm:prSet/>
+      <dgm:spPr/>
+      <dgm:t>
+        <a:bodyPr/>
+        <a:lstStyle/>
+        <a:p>
+          <a:endParaRPr lang="en-US"/>
+        </a:p>
+      </dgm:t>
+    </dgm:pt>
+    <dgm:pt modelId="{E39A4C13-A6FC-4EA3-ACC8-25D43B9AA34B}">
+      <dgm:prSet phldrT="[Text]"/>
+      <dgm:spPr/>
+      <dgm:t>
+        <a:bodyPr/>
+        <a:lstStyle/>
+        <a:p>
+          <a:r>
+            <a:rPr lang="en-US" dirty="0"/>
+            <a:t>Target </a:t>
+          </a:r>
+        </a:p>
+        <a:p>
+          <a:r>
+            <a:rPr lang="en-US" dirty="0"/>
+            <a:t>Database</a:t>
+          </a:r>
+        </a:p>
+      </dgm:t>
+    </dgm:pt>
+    <dgm:pt modelId="{E63ED82B-4185-436B-AEBB-DBDDED9A9365}" type="parTrans" cxnId="{AD482A81-5E0E-4EF7-AA22-A05CAE3D0EDB}">
+      <dgm:prSet/>
+      <dgm:spPr/>
+      <dgm:t>
+        <a:bodyPr/>
+        <a:lstStyle/>
+        <a:p>
+          <a:endParaRPr lang="en-US"/>
+        </a:p>
+      </dgm:t>
+    </dgm:pt>
+    <dgm:pt modelId="{CF316429-18A5-4A21-80C5-C743377709F0}" type="sibTrans" cxnId="{AD482A81-5E0E-4EF7-AA22-A05CAE3D0EDB}">
+      <dgm:prSet/>
+      <dgm:spPr/>
+      <dgm:t>
+        <a:bodyPr/>
+        <a:lstStyle/>
+        <a:p>
+          <a:endParaRPr lang="en-US"/>
+        </a:p>
+      </dgm:t>
+    </dgm:pt>
+    <dgm:pt modelId="{604FD5BE-9F15-491F-8B97-B2E20FCBF798}">
+      <dgm:prSet phldrT="[Text]"/>
+      <dgm:spPr/>
+      <dgm:t>
+        <a:bodyPr/>
+        <a:lstStyle/>
+        <a:p>
+          <a:r>
+            <a:rPr lang="en-US" dirty="0"/>
+            <a:t>Pipeline</a:t>
+          </a:r>
+        </a:p>
+      </dgm:t>
+    </dgm:pt>
+    <dgm:pt modelId="{1451AA3E-710F-403F-8553-D337E3EEB665}" type="parTrans" cxnId="{15196E16-D616-4DB7-AD81-52183C0D2102}">
+      <dgm:prSet/>
+      <dgm:spPr/>
+      <dgm:t>
+        <a:bodyPr/>
+        <a:lstStyle/>
+        <a:p>
+          <a:endParaRPr lang="en-US"/>
+        </a:p>
+      </dgm:t>
+    </dgm:pt>
+    <dgm:pt modelId="{26EB7BFF-99A6-49D1-B478-666EDD0ADD8C}" type="sibTrans" cxnId="{15196E16-D616-4DB7-AD81-52183C0D2102}">
+      <dgm:prSet/>
+      <dgm:spPr/>
+      <dgm:t>
+        <a:bodyPr/>
+        <a:lstStyle/>
+        <a:p>
+          <a:endParaRPr lang="en-US"/>
+        </a:p>
+      </dgm:t>
+    </dgm:pt>
+    <dgm:pt modelId="{B0FC1AA3-162F-4AED-9946-653D28AF5C14}" type="pres">
+      <dgm:prSet presAssocID="{C11DBB7E-0079-4899-95FD-5909281E4F6C}" presName="hierChild1" presStyleCnt="0">
+        <dgm:presLayoutVars>
+          <dgm:orgChart val="1"/>
+          <dgm:chPref val="1"/>
+          <dgm:dir/>
+          <dgm:animOne val="branch"/>
+          <dgm:animLvl val="lvl"/>
+          <dgm:resizeHandles/>
+        </dgm:presLayoutVars>
+      </dgm:prSet>
+      <dgm:spPr/>
+    </dgm:pt>
+    <dgm:pt modelId="{13AC7328-98E2-47AE-9C70-9B458360A8DE}" type="pres">
+      <dgm:prSet presAssocID="{A768C853-21B8-400C-8991-0650BA278A1D}" presName="hierRoot1" presStyleCnt="0">
+        <dgm:presLayoutVars>
+          <dgm:hierBranch val="init"/>
+        </dgm:presLayoutVars>
+      </dgm:prSet>
+      <dgm:spPr/>
+    </dgm:pt>
+    <dgm:pt modelId="{55DC576C-FAD2-4661-92D1-5D6AC12A7A48}" type="pres">
+      <dgm:prSet presAssocID="{A768C853-21B8-400C-8991-0650BA278A1D}" presName="rootComposite1" presStyleCnt="0"/>
+      <dgm:spPr/>
+    </dgm:pt>
+    <dgm:pt modelId="{54740917-F8A2-4F16-B0FC-AF50B42CCBC0}" type="pres">
+      <dgm:prSet presAssocID="{A768C853-21B8-400C-8991-0650BA278A1D}" presName="rootText1" presStyleLbl="node0" presStyleIdx="0" presStyleCnt="1">
+        <dgm:presLayoutVars>
+          <dgm:chPref val="3"/>
+        </dgm:presLayoutVars>
+      </dgm:prSet>
+      <dgm:spPr/>
+    </dgm:pt>
+    <dgm:pt modelId="{022BFB8E-1A28-44CD-9AAD-D24E57562E43}" type="pres">
+      <dgm:prSet presAssocID="{A768C853-21B8-400C-8991-0650BA278A1D}" presName="rootConnector1" presStyleLbl="node1" presStyleIdx="0" presStyleCnt="0"/>
+      <dgm:spPr/>
+    </dgm:pt>
+    <dgm:pt modelId="{D4EC6848-4242-428B-A776-01D311710E91}" type="pres">
+      <dgm:prSet presAssocID="{A768C853-21B8-400C-8991-0650BA278A1D}" presName="hierChild2" presStyleCnt="0"/>
+      <dgm:spPr/>
+    </dgm:pt>
+    <dgm:pt modelId="{EBBE1E3B-F9B0-44F5-A0A8-4117FC445DE2}" type="pres">
+      <dgm:prSet presAssocID="{E63ED82B-4185-436B-AEBB-DBDDED9A9365}" presName="Name64" presStyleLbl="parChTrans1D2" presStyleIdx="0" presStyleCnt="3"/>
+      <dgm:spPr/>
+    </dgm:pt>
+    <dgm:pt modelId="{8FA0DE5F-FF7B-4D55-AD0B-E76AF573D018}" type="pres">
+      <dgm:prSet presAssocID="{E39A4C13-A6FC-4EA3-ACC8-25D43B9AA34B}" presName="hierRoot2" presStyleCnt="0">
+        <dgm:presLayoutVars>
+          <dgm:hierBranch val="init"/>
+        </dgm:presLayoutVars>
+      </dgm:prSet>
+      <dgm:spPr/>
+    </dgm:pt>
+    <dgm:pt modelId="{1CB002A8-708E-492D-91A4-61587F5C03CA}" type="pres">
+      <dgm:prSet presAssocID="{E39A4C13-A6FC-4EA3-ACC8-25D43B9AA34B}" presName="rootComposite" presStyleCnt="0"/>
+      <dgm:spPr/>
+    </dgm:pt>
+    <dgm:pt modelId="{DEE1F79C-2055-47D0-A0EC-02D2E44C2B8E}" type="pres">
+      <dgm:prSet presAssocID="{E39A4C13-A6FC-4EA3-ACC8-25D43B9AA34B}" presName="rootText" presStyleLbl="node2" presStyleIdx="0" presStyleCnt="3">
+        <dgm:presLayoutVars>
+          <dgm:chPref val="3"/>
+        </dgm:presLayoutVars>
+      </dgm:prSet>
+      <dgm:spPr/>
+    </dgm:pt>
+    <dgm:pt modelId="{323AD881-19AE-4835-9324-C241FB13FD1D}" type="pres">
+      <dgm:prSet presAssocID="{E39A4C13-A6FC-4EA3-ACC8-25D43B9AA34B}" presName="rootConnector" presStyleLbl="node2" presStyleIdx="0" presStyleCnt="3"/>
+      <dgm:spPr/>
+    </dgm:pt>
+    <dgm:pt modelId="{5D3F7202-55E5-4A7B-93BE-C6723769E538}" type="pres">
+      <dgm:prSet presAssocID="{E39A4C13-A6FC-4EA3-ACC8-25D43B9AA34B}" presName="hierChild4" presStyleCnt="0"/>
+      <dgm:spPr/>
+    </dgm:pt>
+    <dgm:pt modelId="{21FC7A63-DF82-48EA-A75C-C3D7980BD840}" type="pres">
+      <dgm:prSet presAssocID="{E39A4C13-A6FC-4EA3-ACC8-25D43B9AA34B}" presName="hierChild5" presStyleCnt="0"/>
+      <dgm:spPr/>
+    </dgm:pt>
+    <dgm:pt modelId="{20E84821-898A-43E5-885F-6E4D5BF557EF}" type="pres">
+      <dgm:prSet presAssocID="{69AD2F08-ED15-4514-AFE5-C86746139DF7}" presName="Name64" presStyleLbl="parChTrans1D2" presStyleIdx="1" presStyleCnt="3"/>
+      <dgm:spPr/>
+    </dgm:pt>
+    <dgm:pt modelId="{B6334A19-82A4-42AE-A74C-AC37D776C904}" type="pres">
+      <dgm:prSet presAssocID="{F6D970B7-89A8-4323-B40E-827D95103C70}" presName="hierRoot2" presStyleCnt="0">
+        <dgm:presLayoutVars>
+          <dgm:hierBranch val="init"/>
+        </dgm:presLayoutVars>
+      </dgm:prSet>
+      <dgm:spPr/>
+    </dgm:pt>
+    <dgm:pt modelId="{2052B658-2C00-47E4-BA4D-C858CC8880E1}" type="pres">
+      <dgm:prSet presAssocID="{F6D970B7-89A8-4323-B40E-827D95103C70}" presName="rootComposite" presStyleCnt="0"/>
+      <dgm:spPr/>
+    </dgm:pt>
+    <dgm:pt modelId="{2763255F-0BD4-4E1C-98E0-6D4D222EBBCE}" type="pres">
+      <dgm:prSet presAssocID="{F6D970B7-89A8-4323-B40E-827D95103C70}" presName="rootText" presStyleLbl="node2" presStyleIdx="1" presStyleCnt="3">
+        <dgm:presLayoutVars>
+          <dgm:chPref val="3"/>
+        </dgm:presLayoutVars>
+      </dgm:prSet>
+      <dgm:spPr/>
+    </dgm:pt>
+    <dgm:pt modelId="{FCA885E4-A298-45C6-8E56-1624240BFD6F}" type="pres">
+      <dgm:prSet presAssocID="{F6D970B7-89A8-4323-B40E-827D95103C70}" presName="rootConnector" presStyleLbl="node2" presStyleIdx="1" presStyleCnt="3"/>
+      <dgm:spPr/>
+    </dgm:pt>
+    <dgm:pt modelId="{2DCC8B0A-A5C9-435F-A347-ABD9B7B60724}" type="pres">
+      <dgm:prSet presAssocID="{F6D970B7-89A8-4323-B40E-827D95103C70}" presName="hierChild4" presStyleCnt="0"/>
+      <dgm:spPr/>
+    </dgm:pt>
+    <dgm:pt modelId="{98B083D3-A613-49DF-BBE5-1D4A9470EDA9}" type="pres">
+      <dgm:prSet presAssocID="{F6D970B7-89A8-4323-B40E-827D95103C70}" presName="hierChild5" presStyleCnt="0"/>
+      <dgm:spPr/>
+    </dgm:pt>
+    <dgm:pt modelId="{9B4785D1-A25E-41D0-A01A-B4B61E91C329}" type="pres">
+      <dgm:prSet presAssocID="{822E2945-9506-4FF6-90EA-0C0D907FBF10}" presName="Name64" presStyleLbl="parChTrans1D2" presStyleIdx="2" presStyleCnt="3"/>
+      <dgm:spPr/>
+    </dgm:pt>
+    <dgm:pt modelId="{90575340-CF17-443C-9E8C-5EB8F0246A8E}" type="pres">
+      <dgm:prSet presAssocID="{629779F5-5991-4CEE-8331-867787B06D04}" presName="hierRoot2" presStyleCnt="0">
+        <dgm:presLayoutVars>
+          <dgm:hierBranch val="init"/>
+        </dgm:presLayoutVars>
+      </dgm:prSet>
+      <dgm:spPr/>
+    </dgm:pt>
+    <dgm:pt modelId="{A6502DBB-8043-462E-9BC9-B1F5EDC954C7}" type="pres">
+      <dgm:prSet presAssocID="{629779F5-5991-4CEE-8331-867787B06D04}" presName="rootComposite" presStyleCnt="0"/>
+      <dgm:spPr/>
+    </dgm:pt>
+    <dgm:pt modelId="{886EF146-1258-416F-9A82-6C730DC47079}" type="pres">
+      <dgm:prSet presAssocID="{629779F5-5991-4CEE-8331-867787B06D04}" presName="rootText" presStyleLbl="node2" presStyleIdx="2" presStyleCnt="3">
+        <dgm:presLayoutVars>
+          <dgm:chPref val="3"/>
+        </dgm:presLayoutVars>
+      </dgm:prSet>
+      <dgm:spPr/>
+    </dgm:pt>
+    <dgm:pt modelId="{6C989D02-BEC5-4FBF-8D46-51B288F9AC71}" type="pres">
+      <dgm:prSet presAssocID="{629779F5-5991-4CEE-8331-867787B06D04}" presName="rootConnector" presStyleLbl="node2" presStyleIdx="2" presStyleCnt="3"/>
+      <dgm:spPr/>
+    </dgm:pt>
+    <dgm:pt modelId="{1C497811-4D29-4CE4-85DE-2D44E49DCC11}" type="pres">
+      <dgm:prSet presAssocID="{629779F5-5991-4CEE-8331-867787B06D04}" presName="hierChild4" presStyleCnt="0"/>
+      <dgm:spPr/>
+    </dgm:pt>
+    <dgm:pt modelId="{79AA8734-9A8A-4285-A85C-2A569AE9F4BD}" type="pres">
+      <dgm:prSet presAssocID="{1451AA3E-710F-403F-8553-D337E3EEB665}" presName="Name64" presStyleLbl="parChTrans1D3" presStyleIdx="0" presStyleCnt="1"/>
+      <dgm:spPr/>
+    </dgm:pt>
+    <dgm:pt modelId="{88BC650C-19C8-4BE0-A829-C153A6B8AC9D}" type="pres">
+      <dgm:prSet presAssocID="{604FD5BE-9F15-491F-8B97-B2E20FCBF798}" presName="hierRoot2" presStyleCnt="0">
+        <dgm:presLayoutVars>
+          <dgm:hierBranch val="init"/>
+        </dgm:presLayoutVars>
+      </dgm:prSet>
+      <dgm:spPr/>
+    </dgm:pt>
+    <dgm:pt modelId="{B118C286-2B53-46F4-B16D-E2F1C33C6FB2}" type="pres">
+      <dgm:prSet presAssocID="{604FD5BE-9F15-491F-8B97-B2E20FCBF798}" presName="rootComposite" presStyleCnt="0"/>
+      <dgm:spPr/>
+    </dgm:pt>
+    <dgm:pt modelId="{D37FCA27-98AE-4D5E-9A03-C791D343A649}" type="pres">
+      <dgm:prSet presAssocID="{604FD5BE-9F15-491F-8B97-B2E20FCBF798}" presName="rootText" presStyleLbl="node3" presStyleIdx="0" presStyleCnt="1">
+        <dgm:presLayoutVars>
+          <dgm:chPref val="3"/>
+        </dgm:presLayoutVars>
+      </dgm:prSet>
+      <dgm:spPr/>
+    </dgm:pt>
+    <dgm:pt modelId="{156A05F7-5EF7-4332-8CA6-70D352DA5B7D}" type="pres">
+      <dgm:prSet presAssocID="{604FD5BE-9F15-491F-8B97-B2E20FCBF798}" presName="rootConnector" presStyleLbl="node3" presStyleIdx="0" presStyleCnt="1"/>
+      <dgm:spPr/>
+    </dgm:pt>
+    <dgm:pt modelId="{097EEA6A-0754-46DA-BD3E-0878F483EFAA}" type="pres">
+      <dgm:prSet presAssocID="{604FD5BE-9F15-491F-8B97-B2E20FCBF798}" presName="hierChild4" presStyleCnt="0"/>
+      <dgm:spPr/>
+    </dgm:pt>
+    <dgm:pt modelId="{1B513912-1B23-4D0A-A912-1D5A0A9A3EC7}" type="pres">
+      <dgm:prSet presAssocID="{604FD5BE-9F15-491F-8B97-B2E20FCBF798}" presName="hierChild5" presStyleCnt="0"/>
+      <dgm:spPr/>
+    </dgm:pt>
+    <dgm:pt modelId="{1A84DFBA-782D-4ED1-BC6E-D13A1B23A339}" type="pres">
+      <dgm:prSet presAssocID="{629779F5-5991-4CEE-8331-867787B06D04}" presName="hierChild5" presStyleCnt="0"/>
+      <dgm:spPr/>
+    </dgm:pt>
+    <dgm:pt modelId="{D2B68D2F-952E-429E-8D48-C53F9C7767EA}" type="pres">
+      <dgm:prSet presAssocID="{A768C853-21B8-400C-8991-0650BA278A1D}" presName="hierChild3" presStyleCnt="0"/>
+      <dgm:spPr/>
+    </dgm:pt>
+  </dgm:ptLst>
+  <dgm:cxnLst>
+    <dgm:cxn modelId="{F8D93C01-087A-4EB4-863F-13B3ED75DAE1}" srcId="{A768C853-21B8-400C-8991-0650BA278A1D}" destId="{629779F5-5991-4CEE-8331-867787B06D04}" srcOrd="2" destOrd="0" parTransId="{822E2945-9506-4FF6-90EA-0C0D907FBF10}" sibTransId="{124DDBFC-3879-4646-8D43-9CD27B13522A}"/>
+    <dgm:cxn modelId="{2B9A6C01-46C8-450E-A773-7C8643406A63}" type="presOf" srcId="{C11DBB7E-0079-4899-95FD-5909281E4F6C}" destId="{B0FC1AA3-162F-4AED-9946-653D28AF5C14}" srcOrd="0" destOrd="0" presId="urn:microsoft.com/office/officeart/2009/3/layout/HorizontalOrganizationChart"/>
+    <dgm:cxn modelId="{1BDA650B-7EE6-4B64-8082-B125CE2EB57E}" srcId="{A768C853-21B8-400C-8991-0650BA278A1D}" destId="{F6D970B7-89A8-4323-B40E-827D95103C70}" srcOrd="1" destOrd="0" parTransId="{69AD2F08-ED15-4514-AFE5-C86746139DF7}" sibTransId="{A348EEDB-2690-41B5-B347-EC82FA8514C8}"/>
+    <dgm:cxn modelId="{09C2D70E-0756-41F2-830A-9BD7694C853D}" type="presOf" srcId="{1451AA3E-710F-403F-8553-D337E3EEB665}" destId="{79AA8734-9A8A-4285-A85C-2A569AE9F4BD}" srcOrd="0" destOrd="0" presId="urn:microsoft.com/office/officeart/2009/3/layout/HorizontalOrganizationChart"/>
+    <dgm:cxn modelId="{15196E16-D616-4DB7-AD81-52183C0D2102}" srcId="{629779F5-5991-4CEE-8331-867787B06D04}" destId="{604FD5BE-9F15-491F-8B97-B2E20FCBF798}" srcOrd="0" destOrd="0" parTransId="{1451AA3E-710F-403F-8553-D337E3EEB665}" sibTransId="{26EB7BFF-99A6-49D1-B478-666EDD0ADD8C}"/>
+    <dgm:cxn modelId="{07938F19-41C2-4025-9E56-7545BEBE1395}" type="presOf" srcId="{E63ED82B-4185-436B-AEBB-DBDDED9A9365}" destId="{EBBE1E3B-F9B0-44F5-A0A8-4117FC445DE2}" srcOrd="0" destOrd="0" presId="urn:microsoft.com/office/officeart/2009/3/layout/HorizontalOrganizationChart"/>
+    <dgm:cxn modelId="{CA454027-58CD-4111-A46D-964B1F8ECA7B}" type="presOf" srcId="{E39A4C13-A6FC-4EA3-ACC8-25D43B9AA34B}" destId="{DEE1F79C-2055-47D0-A0EC-02D2E44C2B8E}" srcOrd="0" destOrd="0" presId="urn:microsoft.com/office/officeart/2009/3/layout/HorizontalOrganizationChart"/>
+    <dgm:cxn modelId="{A692A037-8FC4-40E3-B56A-2BF300343A60}" type="presOf" srcId="{F6D970B7-89A8-4323-B40E-827D95103C70}" destId="{2763255F-0BD4-4E1C-98E0-6D4D222EBBCE}" srcOrd="0" destOrd="0" presId="urn:microsoft.com/office/officeart/2009/3/layout/HorizontalOrganizationChart"/>
+    <dgm:cxn modelId="{B70BBB5C-632F-4F7D-8F46-439610531D67}" type="presOf" srcId="{69AD2F08-ED15-4514-AFE5-C86746139DF7}" destId="{20E84821-898A-43E5-885F-6E4D5BF557EF}" srcOrd="0" destOrd="0" presId="urn:microsoft.com/office/officeart/2009/3/layout/HorizontalOrganizationChart"/>
+    <dgm:cxn modelId="{5BD1FE45-2951-4700-A0BC-8410C23FCCEF}" srcId="{C11DBB7E-0079-4899-95FD-5909281E4F6C}" destId="{A768C853-21B8-400C-8991-0650BA278A1D}" srcOrd="0" destOrd="0" parTransId="{3392CAB7-99B1-469F-B771-7BAD5502264C}" sibTransId="{504C8362-892E-468E-B35F-6EC6C5D47EAC}"/>
+    <dgm:cxn modelId="{B2CDD74B-FE95-4B98-9ABA-197845686C6F}" type="presOf" srcId="{604FD5BE-9F15-491F-8B97-B2E20FCBF798}" destId="{D37FCA27-98AE-4D5E-9A03-C791D343A649}" srcOrd="0" destOrd="0" presId="urn:microsoft.com/office/officeart/2009/3/layout/HorizontalOrganizationChart"/>
+    <dgm:cxn modelId="{E2B3484D-F3B3-4D21-ABE4-B5E0143A1207}" type="presOf" srcId="{A768C853-21B8-400C-8991-0650BA278A1D}" destId="{022BFB8E-1A28-44CD-9AAD-D24E57562E43}" srcOrd="1" destOrd="0" presId="urn:microsoft.com/office/officeart/2009/3/layout/HorizontalOrganizationChart"/>
+    <dgm:cxn modelId="{5820AA51-C60E-45EB-ACF1-86D36DC8A7DF}" type="presOf" srcId="{822E2945-9506-4FF6-90EA-0C0D907FBF10}" destId="{9B4785D1-A25E-41D0-A01A-B4B61E91C329}" srcOrd="0" destOrd="0" presId="urn:microsoft.com/office/officeart/2009/3/layout/HorizontalOrganizationChart"/>
+    <dgm:cxn modelId="{5AF04B77-5A25-495F-A27E-116308A23C59}" type="presOf" srcId="{629779F5-5991-4CEE-8331-867787B06D04}" destId="{886EF146-1258-416F-9A82-6C730DC47079}" srcOrd="0" destOrd="0" presId="urn:microsoft.com/office/officeart/2009/3/layout/HorizontalOrganizationChart"/>
+    <dgm:cxn modelId="{B026B680-00A9-46C8-8760-E297EA791181}" type="presOf" srcId="{F6D970B7-89A8-4323-B40E-827D95103C70}" destId="{FCA885E4-A298-45C6-8E56-1624240BFD6F}" srcOrd="1" destOrd="0" presId="urn:microsoft.com/office/officeart/2009/3/layout/HorizontalOrganizationChart"/>
+    <dgm:cxn modelId="{AD482A81-5E0E-4EF7-AA22-A05CAE3D0EDB}" srcId="{A768C853-21B8-400C-8991-0650BA278A1D}" destId="{E39A4C13-A6FC-4EA3-ACC8-25D43B9AA34B}" srcOrd="0" destOrd="0" parTransId="{E63ED82B-4185-436B-AEBB-DBDDED9A9365}" sibTransId="{CF316429-18A5-4A21-80C5-C743377709F0}"/>
+    <dgm:cxn modelId="{AA9EAAB3-3898-480D-8521-E3839531F6E1}" type="presOf" srcId="{604FD5BE-9F15-491F-8B97-B2E20FCBF798}" destId="{156A05F7-5EF7-4332-8CA6-70D352DA5B7D}" srcOrd="1" destOrd="0" presId="urn:microsoft.com/office/officeart/2009/3/layout/HorizontalOrganizationChart"/>
+    <dgm:cxn modelId="{0136B9CA-66F9-494D-9958-C3C6564D238D}" type="presOf" srcId="{629779F5-5991-4CEE-8331-867787B06D04}" destId="{6C989D02-BEC5-4FBF-8D46-51B288F9AC71}" srcOrd="1" destOrd="0" presId="urn:microsoft.com/office/officeart/2009/3/layout/HorizontalOrganizationChart"/>
+    <dgm:cxn modelId="{F17E9EDF-E8D8-4E93-8B98-861966722149}" type="presOf" srcId="{A768C853-21B8-400C-8991-0650BA278A1D}" destId="{54740917-F8A2-4F16-B0FC-AF50B42CCBC0}" srcOrd="0" destOrd="0" presId="urn:microsoft.com/office/officeart/2009/3/layout/HorizontalOrganizationChart"/>
+    <dgm:cxn modelId="{D739BEE7-6E0C-474E-8698-65F88D30184F}" type="presOf" srcId="{E39A4C13-A6FC-4EA3-ACC8-25D43B9AA34B}" destId="{323AD881-19AE-4835-9324-C241FB13FD1D}" srcOrd="1" destOrd="0" presId="urn:microsoft.com/office/officeart/2009/3/layout/HorizontalOrganizationChart"/>
+    <dgm:cxn modelId="{BC16D1E2-CE97-412C-BB18-8281428C86A5}" type="presParOf" srcId="{B0FC1AA3-162F-4AED-9946-653D28AF5C14}" destId="{13AC7328-98E2-47AE-9C70-9B458360A8DE}" srcOrd="0" destOrd="0" presId="urn:microsoft.com/office/officeart/2009/3/layout/HorizontalOrganizationChart"/>
+    <dgm:cxn modelId="{7CC68186-1209-4B15-9C53-D50A47AD06BC}" type="presParOf" srcId="{13AC7328-98E2-47AE-9C70-9B458360A8DE}" destId="{55DC576C-FAD2-4661-92D1-5D6AC12A7A48}" srcOrd="0" destOrd="0" presId="urn:microsoft.com/office/officeart/2009/3/layout/HorizontalOrganizationChart"/>
+    <dgm:cxn modelId="{C8522792-9DE5-416A-9581-5E92531C76E3}" type="presParOf" srcId="{55DC576C-FAD2-4661-92D1-5D6AC12A7A48}" destId="{54740917-F8A2-4F16-B0FC-AF50B42CCBC0}" srcOrd="0" destOrd="0" presId="urn:microsoft.com/office/officeart/2009/3/layout/HorizontalOrganizationChart"/>
+    <dgm:cxn modelId="{3848062A-E094-432F-A92E-C5001034B224}" type="presParOf" srcId="{55DC576C-FAD2-4661-92D1-5D6AC12A7A48}" destId="{022BFB8E-1A28-44CD-9AAD-D24E57562E43}" srcOrd="1" destOrd="0" presId="urn:microsoft.com/office/officeart/2009/3/layout/HorizontalOrganizationChart"/>
+    <dgm:cxn modelId="{5E643908-C999-4294-B286-320E523F9D4B}" type="presParOf" srcId="{13AC7328-98E2-47AE-9C70-9B458360A8DE}" destId="{D4EC6848-4242-428B-A776-01D311710E91}" srcOrd="1" destOrd="0" presId="urn:microsoft.com/office/officeart/2009/3/layout/HorizontalOrganizationChart"/>
+    <dgm:cxn modelId="{9633E2AD-708F-4BF3-ADB2-15FAA7A87AC7}" type="presParOf" srcId="{D4EC6848-4242-428B-A776-01D311710E91}" destId="{EBBE1E3B-F9B0-44F5-A0A8-4117FC445DE2}" srcOrd="0" destOrd="0" presId="urn:microsoft.com/office/officeart/2009/3/layout/HorizontalOrganizationChart"/>
+    <dgm:cxn modelId="{78C0DD63-DACA-4289-9557-EB71FFCB1237}" type="presParOf" srcId="{D4EC6848-4242-428B-A776-01D311710E91}" destId="{8FA0DE5F-FF7B-4D55-AD0B-E76AF573D018}" srcOrd="1" destOrd="0" presId="urn:microsoft.com/office/officeart/2009/3/layout/HorizontalOrganizationChart"/>
+    <dgm:cxn modelId="{8527D6F9-7DA9-4C3A-BBBB-452FDD505B9B}" type="presParOf" srcId="{8FA0DE5F-FF7B-4D55-AD0B-E76AF573D018}" destId="{1CB002A8-708E-492D-91A4-61587F5C03CA}" srcOrd="0" destOrd="0" presId="urn:microsoft.com/office/officeart/2009/3/layout/HorizontalOrganizationChart"/>
+    <dgm:cxn modelId="{32998854-6B57-4DF1-BF2B-AC9D0A2B0B44}" type="presParOf" srcId="{1CB002A8-708E-492D-91A4-61587F5C03CA}" destId="{DEE1F79C-2055-47D0-A0EC-02D2E44C2B8E}" srcOrd="0" destOrd="0" presId="urn:microsoft.com/office/officeart/2009/3/layout/HorizontalOrganizationChart"/>
+    <dgm:cxn modelId="{E6AAD305-09ED-4A28-8EEF-2B539BB5EE5D}" type="presParOf" srcId="{1CB002A8-708E-492D-91A4-61587F5C03CA}" destId="{323AD881-19AE-4835-9324-C241FB13FD1D}" srcOrd="1" destOrd="0" presId="urn:microsoft.com/office/officeart/2009/3/layout/HorizontalOrganizationChart"/>
+    <dgm:cxn modelId="{A6EC9872-ADD4-4DB6-8E96-27FC09952E8B}" type="presParOf" srcId="{8FA0DE5F-FF7B-4D55-AD0B-E76AF573D018}" destId="{5D3F7202-55E5-4A7B-93BE-C6723769E538}" srcOrd="1" destOrd="0" presId="urn:microsoft.com/office/officeart/2009/3/layout/HorizontalOrganizationChart"/>
+    <dgm:cxn modelId="{846154EB-A307-4EB1-88C2-911C43A5E313}" type="presParOf" srcId="{8FA0DE5F-FF7B-4D55-AD0B-E76AF573D018}" destId="{21FC7A63-DF82-48EA-A75C-C3D7980BD840}" srcOrd="2" destOrd="0" presId="urn:microsoft.com/office/officeart/2009/3/layout/HorizontalOrganizationChart"/>
+    <dgm:cxn modelId="{82572DB9-D988-415A-94BC-E03FDFF1FC20}" type="presParOf" srcId="{D4EC6848-4242-428B-A776-01D311710E91}" destId="{20E84821-898A-43E5-885F-6E4D5BF557EF}" srcOrd="2" destOrd="0" presId="urn:microsoft.com/office/officeart/2009/3/layout/HorizontalOrganizationChart"/>
+    <dgm:cxn modelId="{1A328E87-E475-4A75-8BC2-77591E9B4C01}" type="presParOf" srcId="{D4EC6848-4242-428B-A776-01D311710E91}" destId="{B6334A19-82A4-42AE-A74C-AC37D776C904}" srcOrd="3" destOrd="0" presId="urn:microsoft.com/office/officeart/2009/3/layout/HorizontalOrganizationChart"/>
+    <dgm:cxn modelId="{26FDAFB1-9C0A-46ED-833F-C5BCD7E6E761}" type="presParOf" srcId="{B6334A19-82A4-42AE-A74C-AC37D776C904}" destId="{2052B658-2C00-47E4-BA4D-C858CC8880E1}" srcOrd="0" destOrd="0" presId="urn:microsoft.com/office/officeart/2009/3/layout/HorizontalOrganizationChart"/>
+    <dgm:cxn modelId="{E672B45C-8BF4-43AA-9789-A10B075E6E8A}" type="presParOf" srcId="{2052B658-2C00-47E4-BA4D-C858CC8880E1}" destId="{2763255F-0BD4-4E1C-98E0-6D4D222EBBCE}" srcOrd="0" destOrd="0" presId="urn:microsoft.com/office/officeart/2009/3/layout/HorizontalOrganizationChart"/>
+    <dgm:cxn modelId="{7B73FBE6-3579-48EC-927B-7A4E1324CD76}" type="presParOf" srcId="{2052B658-2C00-47E4-BA4D-C858CC8880E1}" destId="{FCA885E4-A298-45C6-8E56-1624240BFD6F}" srcOrd="1" destOrd="0" presId="urn:microsoft.com/office/officeart/2009/3/layout/HorizontalOrganizationChart"/>
+    <dgm:cxn modelId="{B6B988A3-6009-4951-A003-D7641F1B8526}" type="presParOf" srcId="{B6334A19-82A4-42AE-A74C-AC37D776C904}" destId="{2DCC8B0A-A5C9-435F-A347-ABD9B7B60724}" srcOrd="1" destOrd="0" presId="urn:microsoft.com/office/officeart/2009/3/layout/HorizontalOrganizationChart"/>
+    <dgm:cxn modelId="{25DFFD4A-48E9-483D-ABD7-661C24E2AC1D}" type="presParOf" srcId="{B6334A19-82A4-42AE-A74C-AC37D776C904}" destId="{98B083D3-A613-49DF-BBE5-1D4A9470EDA9}" srcOrd="2" destOrd="0" presId="urn:microsoft.com/office/officeart/2009/3/layout/HorizontalOrganizationChart"/>
+    <dgm:cxn modelId="{EA0A030E-A594-4C8F-B79C-C998DCC14712}" type="presParOf" srcId="{D4EC6848-4242-428B-A776-01D311710E91}" destId="{9B4785D1-A25E-41D0-A01A-B4B61E91C329}" srcOrd="4" destOrd="0" presId="urn:microsoft.com/office/officeart/2009/3/layout/HorizontalOrganizationChart"/>
+    <dgm:cxn modelId="{CE2818E8-DBE5-4075-B2EE-E7C058436885}" type="presParOf" srcId="{D4EC6848-4242-428B-A776-01D311710E91}" destId="{90575340-CF17-443C-9E8C-5EB8F0246A8E}" srcOrd="5" destOrd="0" presId="urn:microsoft.com/office/officeart/2009/3/layout/HorizontalOrganizationChart"/>
+    <dgm:cxn modelId="{8EAD36DD-CA40-45C8-A553-FA61A249F6EE}" type="presParOf" srcId="{90575340-CF17-443C-9E8C-5EB8F0246A8E}" destId="{A6502DBB-8043-462E-9BC9-B1F5EDC954C7}" srcOrd="0" destOrd="0" presId="urn:microsoft.com/office/officeart/2009/3/layout/HorizontalOrganizationChart"/>
+    <dgm:cxn modelId="{241F9675-EE10-48ED-BEB8-E6909CD3B05D}" type="presParOf" srcId="{A6502DBB-8043-462E-9BC9-B1F5EDC954C7}" destId="{886EF146-1258-416F-9A82-6C730DC47079}" srcOrd="0" destOrd="0" presId="urn:microsoft.com/office/officeart/2009/3/layout/HorizontalOrganizationChart"/>
+    <dgm:cxn modelId="{E00AAEA4-4E46-4C9E-AB0B-3E9BAC86B0B5}" type="presParOf" srcId="{A6502DBB-8043-462E-9BC9-B1F5EDC954C7}" destId="{6C989D02-BEC5-4FBF-8D46-51B288F9AC71}" srcOrd="1" destOrd="0" presId="urn:microsoft.com/office/officeart/2009/3/layout/HorizontalOrganizationChart"/>
+    <dgm:cxn modelId="{84C4CD7F-CA20-4BFB-8FD3-9CC74A276B4C}" type="presParOf" srcId="{90575340-CF17-443C-9E8C-5EB8F0246A8E}" destId="{1C497811-4D29-4CE4-85DE-2D44E49DCC11}" srcOrd="1" destOrd="0" presId="urn:microsoft.com/office/officeart/2009/3/layout/HorizontalOrganizationChart"/>
+    <dgm:cxn modelId="{098C8165-F464-4481-B5B8-985D2EBC9FFE}" type="presParOf" srcId="{1C497811-4D29-4CE4-85DE-2D44E49DCC11}" destId="{79AA8734-9A8A-4285-A85C-2A569AE9F4BD}" srcOrd="0" destOrd="0" presId="urn:microsoft.com/office/officeart/2009/3/layout/HorizontalOrganizationChart"/>
+    <dgm:cxn modelId="{A631514C-76E1-4596-878E-DF266EAB2BA7}" type="presParOf" srcId="{1C497811-4D29-4CE4-85DE-2D44E49DCC11}" destId="{88BC650C-19C8-4BE0-A829-C153A6B8AC9D}" srcOrd="1" destOrd="0" presId="urn:microsoft.com/office/officeart/2009/3/layout/HorizontalOrganizationChart"/>
+    <dgm:cxn modelId="{B6E3C9FF-4292-4754-BCFC-C25FE2D8D0BA}" type="presParOf" srcId="{88BC650C-19C8-4BE0-A829-C153A6B8AC9D}" destId="{B118C286-2B53-46F4-B16D-E2F1C33C6FB2}" srcOrd="0" destOrd="0" presId="urn:microsoft.com/office/officeart/2009/3/layout/HorizontalOrganizationChart"/>
+    <dgm:cxn modelId="{7128A706-A5C5-4173-843D-C398D6CDBEBB}" type="presParOf" srcId="{B118C286-2B53-46F4-B16D-E2F1C33C6FB2}" destId="{D37FCA27-98AE-4D5E-9A03-C791D343A649}" srcOrd="0" destOrd="0" presId="urn:microsoft.com/office/officeart/2009/3/layout/HorizontalOrganizationChart"/>
+    <dgm:cxn modelId="{D52A06C4-5F53-4E48-BAFE-6CF063F3568C}" type="presParOf" srcId="{B118C286-2B53-46F4-B16D-E2F1C33C6FB2}" destId="{156A05F7-5EF7-4332-8CA6-70D352DA5B7D}" srcOrd="1" destOrd="0" presId="urn:microsoft.com/office/officeart/2009/3/layout/HorizontalOrganizationChart"/>
+    <dgm:cxn modelId="{C0AB2804-CFD4-4F0A-AA26-F8BDB6081540}" type="presParOf" srcId="{88BC650C-19C8-4BE0-A829-C153A6B8AC9D}" destId="{097EEA6A-0754-46DA-BD3E-0878F483EFAA}" srcOrd="1" destOrd="0" presId="urn:microsoft.com/office/officeart/2009/3/layout/HorizontalOrganizationChart"/>
+    <dgm:cxn modelId="{F767A43F-CE5D-4431-9C4D-2256431E5E44}" type="presParOf" srcId="{88BC650C-19C8-4BE0-A829-C153A6B8AC9D}" destId="{1B513912-1B23-4D0A-A912-1D5A0A9A3EC7}" srcOrd="2" destOrd="0" presId="urn:microsoft.com/office/officeart/2009/3/layout/HorizontalOrganizationChart"/>
+    <dgm:cxn modelId="{74550CE7-5661-4672-AE7E-1BB41CC9F98A}" type="presParOf" srcId="{90575340-CF17-443C-9E8C-5EB8F0246A8E}" destId="{1A84DFBA-782D-4ED1-BC6E-D13A1B23A339}" srcOrd="2" destOrd="0" presId="urn:microsoft.com/office/officeart/2009/3/layout/HorizontalOrganizationChart"/>
+    <dgm:cxn modelId="{09FA5BFB-89A5-49BA-93B0-C5AF412EF051}" type="presParOf" srcId="{13AC7328-98E2-47AE-9C70-9B458360A8DE}" destId="{D2B68D2F-952E-429E-8D48-C53F9C7767EA}" srcOrd="2" destOrd="0" presId="urn:microsoft.com/office/officeart/2009/3/layout/HorizontalOrganizationChart"/>
+  </dgm:cxnLst>
+  <dgm:bg/>
+  <dgm:whole/>
+  <dgm:extLst>
+    <a:ext uri="http://schemas.microsoft.com/office/drawing/2008/diagram">
+      <dsp:dataModelExt xmlns:dsp="http://schemas.microsoft.com/office/drawing/2008/diagram" relId="rId6" minVer="http://schemas.openxmlformats.org/drawingml/2006/diagram"/>
+    </a:ext>
+  </dgm:extLst>
+</dgm:dataModel>
+</file>
+
+<file path=ppt/diagrams/data3.xml><?xml version="1.0" encoding="utf-8"?>
 <dgm:dataModel xmlns:dgm="http://schemas.openxmlformats.org/drawingml/2006/diagram" xmlns:a="http://schemas.openxmlformats.org/drawingml/2006/main">
   <dgm:ptLst>
     <dgm:pt modelId="{7D4EAE8A-1EC5-4131-B385-E5EBE217B6CA}" type="doc">
@@ -5348,6 +6615,716 @@
       <dsp:cNvGrpSpPr/>
     </dsp:nvGrpSpPr>
     <dsp:grpSpPr/>
+    <dsp:sp modelId="{79AA8734-9A8A-4285-A85C-2A569AE9F4BD}">
+      <dsp:nvSpPr>
+        <dsp:cNvPr id="0" name=""/>
+        <dsp:cNvSpPr/>
+      </dsp:nvSpPr>
+      <dsp:spPr>
+        <a:xfrm>
+          <a:off x="3440215" y="3283960"/>
+          <a:ext cx="312555" cy="91440"/>
+        </a:xfrm>
+        <a:custGeom>
+          <a:avLst/>
+          <a:gdLst/>
+          <a:ahLst/>
+          <a:cxnLst/>
+          <a:rect l="0" t="0" r="0" b="0"/>
+          <a:pathLst>
+            <a:path>
+              <a:moveTo>
+                <a:pt x="0" y="45720"/>
+              </a:moveTo>
+              <a:lnTo>
+                <a:pt x="312555" y="45720"/>
+              </a:lnTo>
+            </a:path>
+          </a:pathLst>
+        </a:custGeom>
+        <a:noFill/>
+        <a:ln w="12700" cap="flat" cmpd="sng" algn="ctr">
+          <a:solidFill>
+            <a:schemeClr val="accent1">
+              <a:shade val="80000"/>
+              <a:hueOff val="0"/>
+              <a:satOff val="0"/>
+              <a:lumOff val="0"/>
+              <a:alphaOff val="0"/>
+            </a:schemeClr>
+          </a:solidFill>
+          <a:prstDash val="solid"/>
+          <a:miter lim="800000"/>
+        </a:ln>
+        <a:effectLst/>
+      </dsp:spPr>
+      <dsp:style>
+        <a:lnRef idx="2">
+          <a:scrgbClr r="0" g="0" b="0"/>
+        </a:lnRef>
+        <a:fillRef idx="0">
+          <a:scrgbClr r="0" g="0" b="0"/>
+        </a:fillRef>
+        <a:effectRef idx="0">
+          <a:scrgbClr r="0" g="0" b="0"/>
+        </a:effectRef>
+        <a:fontRef idx="minor"/>
+      </dsp:style>
+    </dsp:sp>
+    <dsp:sp modelId="{9B4785D1-A25E-41D0-A01A-B4B61E91C329}">
+      <dsp:nvSpPr>
+        <dsp:cNvPr id="0" name=""/>
+        <dsp:cNvSpPr/>
+      </dsp:nvSpPr>
+      <dsp:spPr>
+        <a:xfrm>
+          <a:off x="1564884" y="2657687"/>
+          <a:ext cx="312555" cy="671993"/>
+        </a:xfrm>
+        <a:custGeom>
+          <a:avLst/>
+          <a:gdLst/>
+          <a:ahLst/>
+          <a:cxnLst/>
+          <a:rect l="0" t="0" r="0" b="0"/>
+          <a:pathLst>
+            <a:path>
+              <a:moveTo>
+                <a:pt x="0" y="0"/>
+              </a:moveTo>
+              <a:lnTo>
+                <a:pt x="156277" y="0"/>
+              </a:lnTo>
+              <a:lnTo>
+                <a:pt x="156277" y="671993"/>
+              </a:lnTo>
+              <a:lnTo>
+                <a:pt x="312555" y="671993"/>
+              </a:lnTo>
+            </a:path>
+          </a:pathLst>
+        </a:custGeom>
+        <a:noFill/>
+        <a:ln w="12700" cap="flat" cmpd="sng" algn="ctr">
+          <a:solidFill>
+            <a:schemeClr val="accent1">
+              <a:shade val="60000"/>
+              <a:hueOff val="0"/>
+              <a:satOff val="0"/>
+              <a:lumOff val="0"/>
+              <a:alphaOff val="0"/>
+            </a:schemeClr>
+          </a:solidFill>
+          <a:prstDash val="solid"/>
+          <a:miter lim="800000"/>
+        </a:ln>
+        <a:effectLst/>
+      </dsp:spPr>
+      <dsp:style>
+        <a:lnRef idx="2">
+          <a:scrgbClr r="0" g="0" b="0"/>
+        </a:lnRef>
+        <a:fillRef idx="0">
+          <a:scrgbClr r="0" g="0" b="0"/>
+        </a:fillRef>
+        <a:effectRef idx="0">
+          <a:scrgbClr r="0" g="0" b="0"/>
+        </a:effectRef>
+        <a:fontRef idx="minor"/>
+      </dsp:style>
+    </dsp:sp>
+    <dsp:sp modelId="{20E84821-898A-43E5-885F-6E4D5BF557EF}">
+      <dsp:nvSpPr>
+        <dsp:cNvPr id="0" name=""/>
+        <dsp:cNvSpPr/>
+      </dsp:nvSpPr>
+      <dsp:spPr>
+        <a:xfrm>
+          <a:off x="1564884" y="2611967"/>
+          <a:ext cx="312555" cy="91440"/>
+        </a:xfrm>
+        <a:custGeom>
+          <a:avLst/>
+          <a:gdLst/>
+          <a:ahLst/>
+          <a:cxnLst/>
+          <a:rect l="0" t="0" r="0" b="0"/>
+          <a:pathLst>
+            <a:path>
+              <a:moveTo>
+                <a:pt x="0" y="45720"/>
+              </a:moveTo>
+              <a:lnTo>
+                <a:pt x="312555" y="45720"/>
+              </a:lnTo>
+            </a:path>
+          </a:pathLst>
+        </a:custGeom>
+        <a:noFill/>
+        <a:ln w="12700" cap="flat" cmpd="sng" algn="ctr">
+          <a:solidFill>
+            <a:schemeClr val="accent1">
+              <a:shade val="60000"/>
+              <a:hueOff val="0"/>
+              <a:satOff val="0"/>
+              <a:lumOff val="0"/>
+              <a:alphaOff val="0"/>
+            </a:schemeClr>
+          </a:solidFill>
+          <a:prstDash val="solid"/>
+          <a:miter lim="800000"/>
+        </a:ln>
+        <a:effectLst/>
+      </dsp:spPr>
+      <dsp:style>
+        <a:lnRef idx="2">
+          <a:scrgbClr r="0" g="0" b="0"/>
+        </a:lnRef>
+        <a:fillRef idx="0">
+          <a:scrgbClr r="0" g="0" b="0"/>
+        </a:fillRef>
+        <a:effectRef idx="0">
+          <a:scrgbClr r="0" g="0" b="0"/>
+        </a:effectRef>
+        <a:fontRef idx="minor"/>
+      </dsp:style>
+    </dsp:sp>
+    <dsp:sp modelId="{EBBE1E3B-F9B0-44F5-A0A8-4117FC445DE2}">
+      <dsp:nvSpPr>
+        <dsp:cNvPr id="0" name=""/>
+        <dsp:cNvSpPr/>
+      </dsp:nvSpPr>
+      <dsp:spPr>
+        <a:xfrm>
+          <a:off x="1564884" y="1985693"/>
+          <a:ext cx="312555" cy="671993"/>
+        </a:xfrm>
+        <a:custGeom>
+          <a:avLst/>
+          <a:gdLst/>
+          <a:ahLst/>
+          <a:cxnLst/>
+          <a:rect l="0" t="0" r="0" b="0"/>
+          <a:pathLst>
+            <a:path>
+              <a:moveTo>
+                <a:pt x="0" y="671993"/>
+              </a:moveTo>
+              <a:lnTo>
+                <a:pt x="156277" y="671993"/>
+              </a:lnTo>
+              <a:lnTo>
+                <a:pt x="156277" y="0"/>
+              </a:lnTo>
+              <a:lnTo>
+                <a:pt x="312555" y="0"/>
+              </a:lnTo>
+            </a:path>
+          </a:pathLst>
+        </a:custGeom>
+        <a:noFill/>
+        <a:ln w="12700" cap="flat" cmpd="sng" algn="ctr">
+          <a:solidFill>
+            <a:schemeClr val="accent1">
+              <a:shade val="60000"/>
+              <a:hueOff val="0"/>
+              <a:satOff val="0"/>
+              <a:lumOff val="0"/>
+              <a:alphaOff val="0"/>
+            </a:schemeClr>
+          </a:solidFill>
+          <a:prstDash val="solid"/>
+          <a:miter lim="800000"/>
+        </a:ln>
+        <a:effectLst/>
+      </dsp:spPr>
+      <dsp:style>
+        <a:lnRef idx="2">
+          <a:scrgbClr r="0" g="0" b="0"/>
+        </a:lnRef>
+        <a:fillRef idx="0">
+          <a:scrgbClr r="0" g="0" b="0"/>
+        </a:fillRef>
+        <a:effectRef idx="0">
+          <a:scrgbClr r="0" g="0" b="0"/>
+        </a:effectRef>
+        <a:fontRef idx="minor"/>
+      </dsp:style>
+    </dsp:sp>
+    <dsp:sp modelId="{54740917-F8A2-4F16-B0FC-AF50B42CCBC0}">
+      <dsp:nvSpPr>
+        <dsp:cNvPr id="0" name=""/>
+        <dsp:cNvSpPr/>
+      </dsp:nvSpPr>
+      <dsp:spPr>
+        <a:xfrm>
+          <a:off x="2109" y="2419363"/>
+          <a:ext cx="1562775" cy="476646"/>
+        </a:xfrm>
+        <a:prstGeom prst="rect">
+          <a:avLst/>
+        </a:prstGeom>
+        <a:solidFill>
+          <a:schemeClr val="accent1">
+            <a:hueOff val="0"/>
+            <a:satOff val="0"/>
+            <a:lumOff val="0"/>
+            <a:alphaOff val="0"/>
+          </a:schemeClr>
+        </a:solidFill>
+        <a:ln w="12700" cap="flat" cmpd="sng" algn="ctr">
+          <a:solidFill>
+            <a:schemeClr val="lt1">
+              <a:hueOff val="0"/>
+              <a:satOff val="0"/>
+              <a:lumOff val="0"/>
+              <a:alphaOff val="0"/>
+            </a:schemeClr>
+          </a:solidFill>
+          <a:prstDash val="solid"/>
+          <a:miter lim="800000"/>
+        </a:ln>
+        <a:effectLst/>
+      </dsp:spPr>
+      <dsp:style>
+        <a:lnRef idx="2">
+          <a:scrgbClr r="0" g="0" b="0"/>
+        </a:lnRef>
+        <a:fillRef idx="1">
+          <a:scrgbClr r="0" g="0" b="0"/>
+        </a:fillRef>
+        <a:effectRef idx="0">
+          <a:scrgbClr r="0" g="0" b="0"/>
+        </a:effectRef>
+        <a:fontRef idx="minor">
+          <a:schemeClr val="lt1"/>
+        </a:fontRef>
+      </dsp:style>
+      <dsp:txBody>
+        <a:bodyPr spcFirstLastPara="0" vert="horz" wrap="square" lIns="8255" tIns="8255" rIns="8255" bIns="8255" numCol="1" spcCol="1270" anchor="ctr" anchorCtr="0">
+          <a:noAutofit/>
+        </a:bodyPr>
+        <a:lstStyle/>
+        <a:p>
+          <a:pPr marL="0" lvl="0" indent="0" algn="ctr" defTabSz="577850">
+            <a:lnSpc>
+              <a:spcPct val="90000"/>
+            </a:lnSpc>
+            <a:spcBef>
+              <a:spcPct val="0"/>
+            </a:spcBef>
+            <a:spcAft>
+              <a:spcPct val="35000"/>
+            </a:spcAft>
+            <a:buNone/>
+          </a:pPr>
+          <a:r>
+            <a:rPr lang="en-US" sz="1300" kern="1200" dirty="0"/>
+            <a:t>Resource </a:t>
+          </a:r>
+        </a:p>
+        <a:p>
+          <a:pPr marL="0" lvl="0" indent="0" algn="ctr" defTabSz="577850">
+            <a:lnSpc>
+              <a:spcPct val="90000"/>
+            </a:lnSpc>
+            <a:spcBef>
+              <a:spcPct val="0"/>
+            </a:spcBef>
+            <a:spcAft>
+              <a:spcPct val="35000"/>
+            </a:spcAft>
+            <a:buNone/>
+          </a:pPr>
+          <a:r>
+            <a:rPr lang="en-US" sz="1300" kern="1200" dirty="0"/>
+            <a:t>Group</a:t>
+          </a:r>
+        </a:p>
+      </dsp:txBody>
+      <dsp:txXfrm>
+        <a:off x="2109" y="2419363"/>
+        <a:ext cx="1562775" cy="476646"/>
+      </dsp:txXfrm>
+    </dsp:sp>
+    <dsp:sp modelId="{DEE1F79C-2055-47D0-A0EC-02D2E44C2B8E}">
+      <dsp:nvSpPr>
+        <dsp:cNvPr id="0" name=""/>
+        <dsp:cNvSpPr/>
+      </dsp:nvSpPr>
+      <dsp:spPr>
+        <a:xfrm>
+          <a:off x="1877439" y="1747370"/>
+          <a:ext cx="1562775" cy="476646"/>
+        </a:xfrm>
+        <a:prstGeom prst="rect">
+          <a:avLst/>
+        </a:prstGeom>
+        <a:solidFill>
+          <a:schemeClr val="accent1">
+            <a:hueOff val="0"/>
+            <a:satOff val="0"/>
+            <a:lumOff val="0"/>
+            <a:alphaOff val="0"/>
+          </a:schemeClr>
+        </a:solidFill>
+        <a:ln w="12700" cap="flat" cmpd="sng" algn="ctr">
+          <a:solidFill>
+            <a:schemeClr val="lt1">
+              <a:hueOff val="0"/>
+              <a:satOff val="0"/>
+              <a:lumOff val="0"/>
+              <a:alphaOff val="0"/>
+            </a:schemeClr>
+          </a:solidFill>
+          <a:prstDash val="solid"/>
+          <a:miter lim="800000"/>
+        </a:ln>
+        <a:effectLst/>
+      </dsp:spPr>
+      <dsp:style>
+        <a:lnRef idx="2">
+          <a:scrgbClr r="0" g="0" b="0"/>
+        </a:lnRef>
+        <a:fillRef idx="1">
+          <a:scrgbClr r="0" g="0" b="0"/>
+        </a:fillRef>
+        <a:effectRef idx="0">
+          <a:scrgbClr r="0" g="0" b="0"/>
+        </a:effectRef>
+        <a:fontRef idx="minor">
+          <a:schemeClr val="lt1"/>
+        </a:fontRef>
+      </dsp:style>
+      <dsp:txBody>
+        <a:bodyPr spcFirstLastPara="0" vert="horz" wrap="square" lIns="8255" tIns="8255" rIns="8255" bIns="8255" numCol="1" spcCol="1270" anchor="ctr" anchorCtr="0">
+          <a:noAutofit/>
+        </a:bodyPr>
+        <a:lstStyle/>
+        <a:p>
+          <a:pPr marL="0" lvl="0" indent="0" algn="ctr" defTabSz="577850">
+            <a:lnSpc>
+              <a:spcPct val="90000"/>
+            </a:lnSpc>
+            <a:spcBef>
+              <a:spcPct val="0"/>
+            </a:spcBef>
+            <a:spcAft>
+              <a:spcPct val="35000"/>
+            </a:spcAft>
+            <a:buNone/>
+          </a:pPr>
+          <a:r>
+            <a:rPr lang="en-US" sz="1300" kern="1200" dirty="0"/>
+            <a:t>Target </a:t>
+          </a:r>
+        </a:p>
+        <a:p>
+          <a:pPr marL="0" lvl="0" indent="0" algn="ctr" defTabSz="577850">
+            <a:lnSpc>
+              <a:spcPct val="90000"/>
+            </a:lnSpc>
+            <a:spcBef>
+              <a:spcPct val="0"/>
+            </a:spcBef>
+            <a:spcAft>
+              <a:spcPct val="35000"/>
+            </a:spcAft>
+            <a:buNone/>
+          </a:pPr>
+          <a:r>
+            <a:rPr lang="en-US" sz="1300" kern="1200" dirty="0"/>
+            <a:t>Database</a:t>
+          </a:r>
+        </a:p>
+      </dsp:txBody>
+      <dsp:txXfrm>
+        <a:off x="1877439" y="1747370"/>
+        <a:ext cx="1562775" cy="476646"/>
+      </dsp:txXfrm>
+    </dsp:sp>
+    <dsp:sp modelId="{2763255F-0BD4-4E1C-98E0-6D4D222EBBCE}">
+      <dsp:nvSpPr>
+        <dsp:cNvPr id="0" name=""/>
+        <dsp:cNvSpPr/>
+      </dsp:nvSpPr>
+      <dsp:spPr>
+        <a:xfrm>
+          <a:off x="1877439" y="2419363"/>
+          <a:ext cx="1562775" cy="476646"/>
+        </a:xfrm>
+        <a:prstGeom prst="rect">
+          <a:avLst/>
+        </a:prstGeom>
+        <a:solidFill>
+          <a:schemeClr val="accent1">
+            <a:hueOff val="0"/>
+            <a:satOff val="0"/>
+            <a:lumOff val="0"/>
+            <a:alphaOff val="0"/>
+          </a:schemeClr>
+        </a:solidFill>
+        <a:ln w="12700" cap="flat" cmpd="sng" algn="ctr">
+          <a:solidFill>
+            <a:schemeClr val="lt1">
+              <a:hueOff val="0"/>
+              <a:satOff val="0"/>
+              <a:lumOff val="0"/>
+              <a:alphaOff val="0"/>
+            </a:schemeClr>
+          </a:solidFill>
+          <a:prstDash val="solid"/>
+          <a:miter lim="800000"/>
+        </a:ln>
+        <a:effectLst/>
+      </dsp:spPr>
+      <dsp:style>
+        <a:lnRef idx="2">
+          <a:scrgbClr r="0" g="0" b="0"/>
+        </a:lnRef>
+        <a:fillRef idx="1">
+          <a:scrgbClr r="0" g="0" b="0"/>
+        </a:fillRef>
+        <a:effectRef idx="0">
+          <a:scrgbClr r="0" g="0" b="0"/>
+        </a:effectRef>
+        <a:fontRef idx="minor">
+          <a:schemeClr val="lt1"/>
+        </a:fontRef>
+      </dsp:style>
+      <dsp:txBody>
+        <a:bodyPr spcFirstLastPara="0" vert="horz" wrap="square" lIns="8255" tIns="8255" rIns="8255" bIns="8255" numCol="1" spcCol="1270" anchor="ctr" anchorCtr="0">
+          <a:noAutofit/>
+        </a:bodyPr>
+        <a:lstStyle/>
+        <a:p>
+          <a:pPr marL="0" lvl="0" indent="0" algn="ctr" defTabSz="577850">
+            <a:lnSpc>
+              <a:spcPct val="90000"/>
+            </a:lnSpc>
+            <a:spcBef>
+              <a:spcPct val="0"/>
+            </a:spcBef>
+            <a:spcAft>
+              <a:spcPct val="35000"/>
+            </a:spcAft>
+            <a:buNone/>
+          </a:pPr>
+          <a:r>
+            <a:rPr lang="en-US" sz="1300" kern="1200" dirty="0"/>
+            <a:t>Source </a:t>
+          </a:r>
+        </a:p>
+        <a:p>
+          <a:pPr marL="0" lvl="0" indent="0" algn="ctr" defTabSz="577850">
+            <a:lnSpc>
+              <a:spcPct val="90000"/>
+            </a:lnSpc>
+            <a:spcBef>
+              <a:spcPct val="0"/>
+            </a:spcBef>
+            <a:spcAft>
+              <a:spcPct val="35000"/>
+            </a:spcAft>
+            <a:buNone/>
+          </a:pPr>
+          <a:r>
+            <a:rPr lang="en-US" sz="1300" kern="1200" dirty="0"/>
+            <a:t>Database</a:t>
+          </a:r>
+        </a:p>
+      </dsp:txBody>
+      <dsp:txXfrm>
+        <a:off x="1877439" y="2419363"/>
+        <a:ext cx="1562775" cy="476646"/>
+      </dsp:txXfrm>
+    </dsp:sp>
+    <dsp:sp modelId="{886EF146-1258-416F-9A82-6C730DC47079}">
+      <dsp:nvSpPr>
+        <dsp:cNvPr id="0" name=""/>
+        <dsp:cNvSpPr/>
+      </dsp:nvSpPr>
+      <dsp:spPr>
+        <a:xfrm>
+          <a:off x="1877439" y="3091357"/>
+          <a:ext cx="1562775" cy="476646"/>
+        </a:xfrm>
+        <a:prstGeom prst="rect">
+          <a:avLst/>
+        </a:prstGeom>
+        <a:solidFill>
+          <a:schemeClr val="accent1">
+            <a:hueOff val="0"/>
+            <a:satOff val="0"/>
+            <a:lumOff val="0"/>
+            <a:alphaOff val="0"/>
+          </a:schemeClr>
+        </a:solidFill>
+        <a:ln w="12700" cap="flat" cmpd="sng" algn="ctr">
+          <a:solidFill>
+            <a:schemeClr val="lt1">
+              <a:hueOff val="0"/>
+              <a:satOff val="0"/>
+              <a:lumOff val="0"/>
+              <a:alphaOff val="0"/>
+            </a:schemeClr>
+          </a:solidFill>
+          <a:prstDash val="solid"/>
+          <a:miter lim="800000"/>
+        </a:ln>
+        <a:effectLst/>
+      </dsp:spPr>
+      <dsp:style>
+        <a:lnRef idx="2">
+          <a:scrgbClr r="0" g="0" b="0"/>
+        </a:lnRef>
+        <a:fillRef idx="1">
+          <a:scrgbClr r="0" g="0" b="0"/>
+        </a:fillRef>
+        <a:effectRef idx="0">
+          <a:scrgbClr r="0" g="0" b="0"/>
+        </a:effectRef>
+        <a:fontRef idx="minor">
+          <a:schemeClr val="lt1"/>
+        </a:fontRef>
+      </dsp:style>
+      <dsp:txBody>
+        <a:bodyPr spcFirstLastPara="0" vert="horz" wrap="square" lIns="8255" tIns="8255" rIns="8255" bIns="8255" numCol="1" spcCol="1270" anchor="ctr" anchorCtr="0">
+          <a:noAutofit/>
+        </a:bodyPr>
+        <a:lstStyle/>
+        <a:p>
+          <a:pPr marL="0" lvl="0" indent="0" algn="ctr" defTabSz="577850">
+            <a:lnSpc>
+              <a:spcPct val="90000"/>
+            </a:lnSpc>
+            <a:spcBef>
+              <a:spcPct val="0"/>
+            </a:spcBef>
+            <a:spcAft>
+              <a:spcPct val="35000"/>
+            </a:spcAft>
+            <a:buNone/>
+          </a:pPr>
+          <a:r>
+            <a:rPr lang="en-US" sz="1300" kern="1200" dirty="0"/>
+            <a:t>Data </a:t>
+          </a:r>
+        </a:p>
+        <a:p>
+          <a:pPr marL="0" lvl="0" indent="0" algn="ctr" defTabSz="577850">
+            <a:lnSpc>
+              <a:spcPct val="90000"/>
+            </a:lnSpc>
+            <a:spcBef>
+              <a:spcPct val="0"/>
+            </a:spcBef>
+            <a:spcAft>
+              <a:spcPct val="35000"/>
+            </a:spcAft>
+            <a:buNone/>
+          </a:pPr>
+          <a:r>
+            <a:rPr lang="en-US" sz="1300" kern="1200" dirty="0"/>
+            <a:t>Factory</a:t>
+          </a:r>
+        </a:p>
+      </dsp:txBody>
+      <dsp:txXfrm>
+        <a:off x="1877439" y="3091357"/>
+        <a:ext cx="1562775" cy="476646"/>
+      </dsp:txXfrm>
+    </dsp:sp>
+    <dsp:sp modelId="{D37FCA27-98AE-4D5E-9A03-C791D343A649}">
+      <dsp:nvSpPr>
+        <dsp:cNvPr id="0" name=""/>
+        <dsp:cNvSpPr/>
+      </dsp:nvSpPr>
+      <dsp:spPr>
+        <a:xfrm>
+          <a:off x="3752770" y="3091357"/>
+          <a:ext cx="1562775" cy="476646"/>
+        </a:xfrm>
+        <a:prstGeom prst="rect">
+          <a:avLst/>
+        </a:prstGeom>
+        <a:solidFill>
+          <a:schemeClr val="accent1">
+            <a:hueOff val="0"/>
+            <a:satOff val="0"/>
+            <a:lumOff val="0"/>
+            <a:alphaOff val="0"/>
+          </a:schemeClr>
+        </a:solidFill>
+        <a:ln w="12700" cap="flat" cmpd="sng" algn="ctr">
+          <a:solidFill>
+            <a:schemeClr val="lt1">
+              <a:hueOff val="0"/>
+              <a:satOff val="0"/>
+              <a:lumOff val="0"/>
+              <a:alphaOff val="0"/>
+            </a:schemeClr>
+          </a:solidFill>
+          <a:prstDash val="solid"/>
+          <a:miter lim="800000"/>
+        </a:ln>
+        <a:effectLst/>
+      </dsp:spPr>
+      <dsp:style>
+        <a:lnRef idx="2">
+          <a:scrgbClr r="0" g="0" b="0"/>
+        </a:lnRef>
+        <a:fillRef idx="1">
+          <a:scrgbClr r="0" g="0" b="0"/>
+        </a:fillRef>
+        <a:effectRef idx="0">
+          <a:scrgbClr r="0" g="0" b="0"/>
+        </a:effectRef>
+        <a:fontRef idx="minor">
+          <a:schemeClr val="lt1"/>
+        </a:fontRef>
+      </dsp:style>
+      <dsp:txBody>
+        <a:bodyPr spcFirstLastPara="0" vert="horz" wrap="square" lIns="8255" tIns="8255" rIns="8255" bIns="8255" numCol="1" spcCol="1270" anchor="ctr" anchorCtr="0">
+          <a:noAutofit/>
+        </a:bodyPr>
+        <a:lstStyle/>
+        <a:p>
+          <a:pPr marL="0" lvl="0" indent="0" algn="ctr" defTabSz="577850">
+            <a:lnSpc>
+              <a:spcPct val="90000"/>
+            </a:lnSpc>
+            <a:spcBef>
+              <a:spcPct val="0"/>
+            </a:spcBef>
+            <a:spcAft>
+              <a:spcPct val="35000"/>
+            </a:spcAft>
+            <a:buNone/>
+          </a:pPr>
+          <a:r>
+            <a:rPr lang="en-US" sz="1300" kern="1200" dirty="0"/>
+            <a:t>Pipeline</a:t>
+          </a:r>
+        </a:p>
+      </dsp:txBody>
+      <dsp:txXfrm>
+        <a:off x="3752770" y="3091357"/>
+        <a:ext cx="1562775" cy="476646"/>
+      </dsp:txXfrm>
+    </dsp:sp>
+  </dsp:spTree>
+</dsp:drawing>
+</file>
+
+<file path=ppt/diagrams/drawing3.xml><?xml version="1.0" encoding="utf-8"?>
+<dsp:drawing xmlns:dgm="http://schemas.openxmlformats.org/drawingml/2006/diagram" xmlns:dsp="http://schemas.microsoft.com/office/drawing/2008/diagram" xmlns:a="http://schemas.openxmlformats.org/drawingml/2006/main">
+  <dsp:spTree>
+    <dsp:nvGrpSpPr>
+      <dsp:cNvPr id="0" name=""/>
+      <dsp:cNvGrpSpPr/>
+    </dsp:nvGrpSpPr>
+    <dsp:grpSpPr/>
     <dsp:sp modelId="{B0B8C188-9AD5-45FF-B240-C7F2BA9F0F64}">
       <dsp:nvSpPr>
         <dsp:cNvPr id="0" name=""/>
@@ -7255,6 +9232,1190 @@
 </file>
 
 <file path=ppt/diagrams/layout2.xml><?xml version="1.0" encoding="utf-8"?>
+<dgm:layoutDef xmlns:dgm="http://schemas.openxmlformats.org/drawingml/2006/diagram" xmlns:a="http://schemas.openxmlformats.org/drawingml/2006/main" uniqueId="urn:microsoft.com/office/officeart/2009/3/layout/HorizontalOrganizationChart">
+  <dgm:title val=""/>
+  <dgm:desc val=""/>
+  <dgm:catLst>
+    <dgm:cat type="hierarchy" pri="4300"/>
+  </dgm:catLst>
+  <dgm:sampData>
+    <dgm:dataModel>
+      <dgm:ptLst>
+        <dgm:pt modelId="0" type="doc"/>
+        <dgm:pt modelId="1">
+          <dgm:prSet phldr="1"/>
+        </dgm:pt>
+        <dgm:pt modelId="2" type="asst">
+          <dgm:prSet phldr="1"/>
+        </dgm:pt>
+        <dgm:pt modelId="3">
+          <dgm:prSet phldr="1"/>
+        </dgm:pt>
+        <dgm:pt modelId="4">
+          <dgm:prSet phldr="1"/>
+        </dgm:pt>
+        <dgm:pt modelId="5">
+          <dgm:prSet phldr="1"/>
+        </dgm:pt>
+      </dgm:ptLst>
+      <dgm:cxnLst>
+        <dgm:cxn modelId="5" srcId="0" destId="1" srcOrd="0" destOrd="0"/>
+        <dgm:cxn modelId="6" srcId="1" destId="2" srcOrd="0" destOrd="0"/>
+        <dgm:cxn modelId="7" srcId="1" destId="3" srcOrd="1" destOrd="0"/>
+        <dgm:cxn modelId="8" srcId="1" destId="4" srcOrd="2" destOrd="0"/>
+        <dgm:cxn modelId="9" srcId="1" destId="5" srcOrd="3" destOrd="0"/>
+      </dgm:cxnLst>
+      <dgm:bg/>
+      <dgm:whole/>
+    </dgm:dataModel>
+  </dgm:sampData>
+  <dgm:styleData>
+    <dgm:dataModel>
+      <dgm:ptLst>
+        <dgm:pt modelId="0" type="doc"/>
+        <dgm:pt modelId="1"/>
+        <dgm:pt modelId="12"/>
+        <dgm:pt modelId="13"/>
+      </dgm:ptLst>
+      <dgm:cxnLst>
+        <dgm:cxn modelId="2" srcId="0" destId="1" srcOrd="0" destOrd="0"/>
+        <dgm:cxn modelId="16" srcId="1" destId="12" srcOrd="1" destOrd="0"/>
+        <dgm:cxn modelId="17" srcId="1" destId="13" srcOrd="2" destOrd="0"/>
+      </dgm:cxnLst>
+      <dgm:bg/>
+      <dgm:whole/>
+    </dgm:dataModel>
+  </dgm:styleData>
+  <dgm:clrData>
+    <dgm:dataModel>
+      <dgm:ptLst>
+        <dgm:pt modelId="0" type="doc"/>
+        <dgm:pt modelId="1"/>
+        <dgm:pt modelId="11" type="asst"/>
+        <dgm:pt modelId="12"/>
+        <dgm:pt modelId="13"/>
+        <dgm:pt modelId="14"/>
+      </dgm:ptLst>
+      <dgm:cxnLst>
+        <dgm:cxn modelId="2" srcId="0" destId="1" srcOrd="0" destOrd="0"/>
+        <dgm:cxn modelId="15" srcId="1" destId="11" srcOrd="0" destOrd="0"/>
+        <dgm:cxn modelId="16" srcId="1" destId="12" srcOrd="1" destOrd="0"/>
+        <dgm:cxn modelId="17" srcId="1" destId="13" srcOrd="2" destOrd="0"/>
+        <dgm:cxn modelId="18" srcId="1" destId="14" srcOrd="2" destOrd="0"/>
+      </dgm:cxnLst>
+      <dgm:bg/>
+      <dgm:whole/>
+    </dgm:dataModel>
+  </dgm:clrData>
+  <dgm:layoutNode name="hierChild1">
+    <dgm:varLst>
+      <dgm:orgChart val="1"/>
+      <dgm:chPref val="1"/>
+      <dgm:dir/>
+      <dgm:animOne val="branch"/>
+      <dgm:animLvl val="lvl"/>
+      <dgm:resizeHandles/>
+    </dgm:varLst>
+    <dgm:choose name="Name0">
+      <dgm:if name="Name1" func="var" arg="dir" op="equ" val="norm">
+        <dgm:alg type="hierChild">
+          <dgm:param type="linDir" val="fromT"/>
+          <dgm:param type="chAlign" val="l"/>
+        </dgm:alg>
+      </dgm:if>
+      <dgm:else name="Name2">
+        <dgm:alg type="hierChild">
+          <dgm:param type="linDir" val="fromT"/>
+          <dgm:param type="chAlign" val="r"/>
+        </dgm:alg>
+      </dgm:else>
+    </dgm:choose>
+    <dgm:shape xmlns:r="http://schemas.openxmlformats.org/officeDocument/2006/relationships" r:blip="">
+      <dgm:adjLst/>
+    </dgm:shape>
+    <dgm:presOf/>
+    <dgm:constrLst>
+      <dgm:constr type="w" for="des" forName="rootComposite1" refType="w" fact="10"/>
+      <dgm:constr type="h" for="des" forName="rootComposite1" refType="w" refFor="des" refForName="rootComposite1" fact="0.305"/>
+      <dgm:constr type="w" for="des" forName="rootComposite" refType="w" fact="10"/>
+      <dgm:constr type="h" for="des" forName="rootComposite" refType="w" refFor="des" refForName="rootComposite1" fact="0.305"/>
+      <dgm:constr type="w" for="des" forName="rootComposite3" refType="w" fact="10"/>
+      <dgm:constr type="h" for="des" forName="rootComposite3" refType="w" refFor="des" refForName="rootComposite1" fact="0.305"/>
+      <dgm:constr type="primFontSz" for="des" ptType="node" op="equ"/>
+      <dgm:constr type="sp" for="des" op="equ"/>
+      <dgm:constr type="sp" for="des" forName="hierRoot1" refType="w" refFor="des" refForName="rootComposite1" fact="0.2"/>
+      <dgm:constr type="sp" for="des" forName="hierRoot2" refType="sp" refFor="des" refForName="hierRoot1"/>
+      <dgm:constr type="sp" for="des" forName="hierRoot3" refType="sp" refFor="des" refForName="hierRoot1"/>
+      <dgm:constr type="sibSp" refType="w" refFor="des" refForName="rootComposite1" fact="0.125"/>
+      <dgm:constr type="sibSp" for="des" forName="hierChild2" refType="sibSp"/>
+      <dgm:constr type="sibSp" for="des" forName="hierChild3" refType="sibSp"/>
+      <dgm:constr type="sibSp" for="des" forName="hierChild4" refType="sibSp"/>
+      <dgm:constr type="sibSp" for="des" forName="hierChild5" refType="sibSp"/>
+      <dgm:constr type="sibSp" for="des" forName="hierChild6" refType="sibSp"/>
+      <dgm:constr type="sibSp" for="des" forName="hierChild7" refType="sibSp"/>
+      <dgm:constr type="secSibSp" refType="w" refFor="des" refForName="rootComposite1" fact="0.125"/>
+      <dgm:constr type="secSibSp" for="des" forName="hierChild2" refType="secSibSp"/>
+      <dgm:constr type="secSibSp" for="des" forName="hierChild3" refType="secSibSp"/>
+      <dgm:constr type="secSibSp" for="des" forName="hierChild4" refType="secSibSp"/>
+      <dgm:constr type="secSibSp" for="des" forName="hierChild5" refType="secSibSp"/>
+      <dgm:constr type="secSibSp" for="des" forName="hierChild6" refType="secSibSp"/>
+      <dgm:constr type="secSibSp" for="des" forName="hierChild7" refType="secSibSp"/>
+    </dgm:constrLst>
+    <dgm:ruleLst/>
+    <dgm:forEach name="Name3" axis="ch">
+      <dgm:forEach name="Name4" axis="self" ptType="node">
+        <dgm:layoutNode name="hierRoot1">
+          <dgm:varLst>
+            <dgm:hierBranch val="init"/>
+          </dgm:varLst>
+          <dgm:choose name="Name5">
+            <dgm:if name="Name6" func="var" arg="hierBranch" op="equ" val="l">
+              <dgm:choose name="Name7">
+                <dgm:if name="Name8" func="var" arg="dir" op="equ" val="norm">
+                  <dgm:alg type="hierRoot">
+                    <dgm:param type="hierAlign" val="lT"/>
+                  </dgm:alg>
+                  <dgm:constrLst>
+                    <dgm:constr type="alignOff" val="0.75"/>
+                  </dgm:constrLst>
+                </dgm:if>
+                <dgm:else name="Name9">
+                  <dgm:alg type="hierRoot">
+                    <dgm:param type="hierAlign" val="rT"/>
+                  </dgm:alg>
+                  <dgm:constrLst>
+                    <dgm:constr type="alignOff" val="0.75"/>
+                  </dgm:constrLst>
+                </dgm:else>
+              </dgm:choose>
+            </dgm:if>
+            <dgm:if name="Name10" func="var" arg="hierBranch" op="equ" val="r">
+              <dgm:choose name="Name11">
+                <dgm:if name="Name12" func="var" arg="dir" op="equ" val="norm">
+                  <dgm:alg type="hierRoot">
+                    <dgm:param type="hierAlign" val="lB"/>
+                  </dgm:alg>
+                  <dgm:constrLst>
+                    <dgm:constr type="alignOff" val="0.75"/>
+                  </dgm:constrLst>
+                </dgm:if>
+                <dgm:else name="Name13">
+                  <dgm:alg type="hierRoot">
+                    <dgm:param type="hierAlign" val="rB"/>
+                  </dgm:alg>
+                  <dgm:constrLst>
+                    <dgm:constr type="alignOff" val="0.75"/>
+                  </dgm:constrLst>
+                </dgm:else>
+              </dgm:choose>
+            </dgm:if>
+            <dgm:if name="Name14" func="var" arg="hierBranch" op="equ" val="hang">
+              <dgm:choose name="Name15">
+                <dgm:if name="Name16" func="var" arg="dir" op="equ" val="norm">
+                  <dgm:alg type="hierRoot">
+                    <dgm:param type="hierAlign" val="lCtrCh"/>
+                  </dgm:alg>
+                  <dgm:constrLst>
+                    <dgm:constr type="alignOff" val="0.65"/>
+                  </dgm:constrLst>
+                </dgm:if>
+                <dgm:else name="Name17">
+                  <dgm:alg type="hierRoot">
+                    <dgm:param type="hierAlign" val="rCtrCh"/>
+                  </dgm:alg>
+                  <dgm:constrLst>
+                    <dgm:constr type="alignOff" val="0.65"/>
+                  </dgm:constrLst>
+                </dgm:else>
+              </dgm:choose>
+            </dgm:if>
+            <dgm:else name="Name18">
+              <dgm:choose name="Name19">
+                <dgm:if name="Name20" func="var" arg="dir" op="equ" val="norm">
+                  <dgm:alg type="hierRoot">
+                    <dgm:param type="hierAlign" val="lCtrCh"/>
+                  </dgm:alg>
+                  <dgm:constrLst>
+                    <dgm:constr type="alignOff"/>
+                    <dgm:constr type="bendDist" for="des" ptType="parTrans" refType="sp" fact="0.5"/>
+                  </dgm:constrLst>
+                </dgm:if>
+                <dgm:else name="Name21">
+                  <dgm:alg type="hierRoot">
+                    <dgm:param type="hierAlign" val="rCtrCh"/>
+                  </dgm:alg>
+                  <dgm:constrLst>
+                    <dgm:constr type="alignOff"/>
+                    <dgm:constr type="bendDist" for="des" ptType="parTrans" refType="sp" fact="0.5"/>
+                  </dgm:constrLst>
+                </dgm:else>
+              </dgm:choose>
+            </dgm:else>
+          </dgm:choose>
+          <dgm:shape xmlns:r="http://schemas.openxmlformats.org/officeDocument/2006/relationships" r:blip="">
+            <dgm:adjLst/>
+          </dgm:shape>
+          <dgm:presOf/>
+          <dgm:ruleLst/>
+          <dgm:layoutNode name="rootComposite1">
+            <dgm:alg type="composite"/>
+            <dgm:shape xmlns:r="http://schemas.openxmlformats.org/officeDocument/2006/relationships" r:blip="">
+              <dgm:adjLst/>
+            </dgm:shape>
+            <dgm:presOf axis="self" ptType="node" cnt="1"/>
+            <dgm:choose name="Name22">
+              <dgm:if name="Name23" func="var" arg="hierBranch" op="equ" val="init">
+                <dgm:constrLst>
+                  <dgm:constr type="l" for="ch" forName="rootText1"/>
+                  <dgm:constr type="t" for="ch" forName="rootText1"/>
+                  <dgm:constr type="w" for="ch" forName="rootText1" refType="w"/>
+                  <dgm:constr type="h" for="ch" forName="rootText1" refType="h"/>
+                  <dgm:constr type="l" for="ch" forName="rootConnector1"/>
+                  <dgm:constr type="t" for="ch" forName="rootConnector1"/>
+                  <dgm:constr type="w" for="ch" forName="rootConnector1" refType="w" refFor="ch" refForName="rootText1" fact="0.2"/>
+                  <dgm:constr type="h" for="ch" forName="rootConnector1" refType="h" refFor="ch" refForName="rootText1"/>
+                </dgm:constrLst>
+              </dgm:if>
+              <dgm:if name="Name24" func="var" arg="hierBranch" op="equ" val="l">
+                <dgm:constrLst>
+                  <dgm:constr type="l" for="ch" forName="rootText1"/>
+                  <dgm:constr type="t" for="ch" forName="rootText1"/>
+                  <dgm:constr type="w" for="ch" forName="rootText1" refType="w"/>
+                  <dgm:constr type="h" for="ch" forName="rootText1" refType="h"/>
+                  <dgm:constr type="r" for="ch" forName="rootConnector1" refType="w"/>
+                  <dgm:constr type="t" for="ch" forName="rootConnector1"/>
+                  <dgm:constr type="w" for="ch" forName="rootConnector1" refType="w" refFor="ch" refForName="rootText1" fact="0.2"/>
+                  <dgm:constr type="h" for="ch" forName="rootConnector1" refType="h" refFor="ch" refForName="rootText1"/>
+                </dgm:constrLst>
+              </dgm:if>
+              <dgm:if name="Name25" func="var" arg="hierBranch" op="equ" val="r">
+                <dgm:constrLst>
+                  <dgm:constr type="l" for="ch" forName="rootText1"/>
+                  <dgm:constr type="t" for="ch" forName="rootText1"/>
+                  <dgm:constr type="w" for="ch" forName="rootText1" refType="w"/>
+                  <dgm:constr type="h" for="ch" forName="rootText1" refType="h"/>
+                  <dgm:constr type="l" for="ch" forName="rootConnector1"/>
+                  <dgm:constr type="t" for="ch" forName="rootConnector1"/>
+                  <dgm:constr type="w" for="ch" forName="rootConnector1" refType="w" refFor="ch" refForName="rootText1" fact="0.2"/>
+                  <dgm:constr type="h" for="ch" forName="rootConnector1" refType="h" refFor="ch" refForName="rootText1"/>
+                </dgm:constrLst>
+              </dgm:if>
+              <dgm:else name="Name26">
+                <dgm:constrLst>
+                  <dgm:constr type="l" for="ch" forName="rootText1"/>
+                  <dgm:constr type="t" for="ch" forName="rootText1"/>
+                  <dgm:constr type="w" for="ch" forName="rootText1" refType="w"/>
+                  <dgm:constr type="h" for="ch" forName="rootText1" refType="h"/>
+                  <dgm:constr type="r" for="ch" forName="rootConnector1" refType="w"/>
+                  <dgm:constr type="t" for="ch" forName="rootConnector1"/>
+                  <dgm:constr type="w" for="ch" forName="rootConnector1" refType="w" refFor="ch" refForName="rootText1" fact="0.2"/>
+                  <dgm:constr type="h" for="ch" forName="rootConnector1" refType="h" refFor="ch" refForName="rootText1"/>
+                </dgm:constrLst>
+              </dgm:else>
+            </dgm:choose>
+            <dgm:ruleLst/>
+            <dgm:layoutNode name="rootText1" styleLbl="node0">
+              <dgm:varLst>
+                <dgm:chPref val="3"/>
+              </dgm:varLst>
+              <dgm:alg type="tx"/>
+              <dgm:shape xmlns:r="http://schemas.openxmlformats.org/officeDocument/2006/relationships" type="rect" r:blip="">
+                <dgm:adjLst/>
+              </dgm:shape>
+              <dgm:presOf axis="self" ptType="node" cnt="1"/>
+              <dgm:constrLst>
+                <dgm:constr type="primFontSz" val="65"/>
+                <dgm:constr type="lMarg" refType="primFontSz" fact="0.05"/>
+                <dgm:constr type="rMarg" refType="primFontSz" fact="0.05"/>
+                <dgm:constr type="tMarg" refType="primFontSz" fact="0.05"/>
+                <dgm:constr type="bMarg" refType="primFontSz" fact="0.05"/>
+              </dgm:constrLst>
+              <dgm:ruleLst>
+                <dgm:rule type="primFontSz" val="5" fact="NaN" max="NaN"/>
+              </dgm:ruleLst>
+            </dgm:layoutNode>
+            <dgm:layoutNode name="rootConnector1" moveWith="rootText1">
+              <dgm:alg type="sp"/>
+              <dgm:shape xmlns:r="http://schemas.openxmlformats.org/officeDocument/2006/relationships" type="rect" r:blip="" hideGeom="1">
+                <dgm:adjLst/>
+              </dgm:shape>
+              <dgm:presOf axis="self" ptType="node" cnt="1"/>
+              <dgm:constrLst/>
+              <dgm:ruleLst/>
+            </dgm:layoutNode>
+          </dgm:layoutNode>
+          <dgm:layoutNode name="hierChild2">
+            <dgm:choose name="Name27">
+              <dgm:if name="Name28" func="var" arg="hierBranch" op="equ" val="l">
+                <dgm:choose name="Name29">
+                  <dgm:if name="Name30" func="var" arg="dir" op="equ" val="norm">
+                    <dgm:alg type="hierChild">
+                      <dgm:param type="chAlign" val="t"/>
+                      <dgm:param type="linDir" val="fromL"/>
+                    </dgm:alg>
+                  </dgm:if>
+                  <dgm:else name="Name31">
+                    <dgm:alg type="hierChild">
+                      <dgm:param type="chAlign" val="t"/>
+                      <dgm:param type="linDir" val="fromR"/>
+                    </dgm:alg>
+                  </dgm:else>
+                </dgm:choose>
+              </dgm:if>
+              <dgm:if name="Name32" func="var" arg="hierBranch" op="equ" val="r">
+                <dgm:choose name="Name33">
+                  <dgm:if name="Name34" func="var" arg="dir" op="equ" val="norm">
+                    <dgm:alg type="hierChild">
+                      <dgm:param type="chAlign" val="b"/>
+                      <dgm:param type="linDir" val="fromL"/>
+                    </dgm:alg>
+                  </dgm:if>
+                  <dgm:else name="Name35">
+                    <dgm:alg type="hierChild">
+                      <dgm:param type="chAlign" val="b"/>
+                      <dgm:param type="linDir" val="fromR"/>
+                    </dgm:alg>
+                  </dgm:else>
+                </dgm:choose>
+              </dgm:if>
+              <dgm:if name="Name36" func="var" arg="hierBranch" op="equ" val="hang">
+                <dgm:choose name="Name37">
+                  <dgm:if name="Name38" func="var" arg="dir" op="equ" val="norm">
+                    <dgm:alg type="hierChild">
+                      <dgm:param type="chAlign" val="l"/>
+                      <dgm:param type="linDir" val="fromT"/>
+                      <dgm:param type="secChAlign" val="t"/>
+                      <dgm:param type="secLinDir" val="fromL"/>
+                    </dgm:alg>
+                  </dgm:if>
+                  <dgm:else name="Name39">
+                    <dgm:alg type="hierChild">
+                      <dgm:param type="chAlign" val="r"/>
+                      <dgm:param type="linDir" val="fromT"/>
+                      <dgm:param type="secChAlign" val="t"/>
+                      <dgm:param type="secLinDir" val="fromR"/>
+                    </dgm:alg>
+                  </dgm:else>
+                </dgm:choose>
+              </dgm:if>
+              <dgm:else name="Name40">
+                <dgm:choose name="Name41">
+                  <dgm:if name="Name42" func="var" arg="dir" op="equ" val="norm">
+                    <dgm:alg type="hierChild">
+                      <dgm:param type="linDir" val="fromT"/>
+                      <dgm:param type="chAlign" val="l"/>
+                    </dgm:alg>
+                  </dgm:if>
+                  <dgm:else name="Name43">
+                    <dgm:alg type="hierChild">
+                      <dgm:param type="linDir" val="fromT"/>
+                      <dgm:param type="chAlign" val="r"/>
+                    </dgm:alg>
+                  </dgm:else>
+                </dgm:choose>
+              </dgm:else>
+            </dgm:choose>
+            <dgm:shape xmlns:r="http://schemas.openxmlformats.org/officeDocument/2006/relationships" r:blip="">
+              <dgm:adjLst/>
+            </dgm:shape>
+            <dgm:presOf/>
+            <dgm:constrLst/>
+            <dgm:ruleLst/>
+            <dgm:forEach name="rep2a" axis="ch" ptType="nonAsst">
+              <dgm:forEach name="Name44" axis="precedSib" ptType="parTrans" st="-1" cnt="1">
+                <dgm:choose name="Name45">
+                  <dgm:if name="Name46" func="var" arg="hierBranch" op="equ" val="hang">
+                    <dgm:layoutNode name="Name47">
+                      <dgm:choose name="Name48">
+                        <dgm:if name="Name49" func="var" arg="dir" op="equ" val="norm">
+                          <dgm:alg type="conn">
+                            <dgm:param type="connRout" val="bend"/>
+                            <dgm:param type="dim" val="1D"/>
+                            <dgm:param type="endSty" val="noArr"/>
+                            <dgm:param type="begPts" val="midR"/>
+                            <dgm:param type="endPts" val="bCtr tCtr"/>
+                          </dgm:alg>
+                        </dgm:if>
+                        <dgm:else name="Name50">
+                          <dgm:alg type="conn">
+                            <dgm:param type="connRout" val="bend"/>
+                            <dgm:param type="dim" val="1D"/>
+                            <dgm:param type="endSty" val="noArr"/>
+                            <dgm:param type="begPts" val="midL"/>
+                            <dgm:param type="endPts" val="bCtr tCtr"/>
+                          </dgm:alg>
+                        </dgm:else>
+                      </dgm:choose>
+                      <dgm:shape xmlns:r="http://schemas.openxmlformats.org/officeDocument/2006/relationships" type="conn" r:blip="" zOrderOff="-99999">
+                        <dgm:adjLst/>
+                      </dgm:shape>
+                      <dgm:presOf axis="self"/>
+                      <dgm:constrLst>
+                        <dgm:constr type="begPad"/>
+                        <dgm:constr type="endPad"/>
+                      </dgm:constrLst>
+                      <dgm:ruleLst/>
+                    </dgm:layoutNode>
+                  </dgm:if>
+                  <dgm:if name="Name51" func="var" arg="hierBranch" op="equ" val="l">
+                    <dgm:layoutNode name="Name52">
+                      <dgm:choose name="Name53">
+                        <dgm:if name="Name54" func="var" arg="dir" op="equ" val="norm">
+                          <dgm:alg type="conn">
+                            <dgm:param type="connRout" val="bend"/>
+                            <dgm:param type="dim" val="1D"/>
+                            <dgm:param type="endSty" val="noArr"/>
+                            <dgm:param type="begPts" val="midR"/>
+                            <dgm:param type="endPts" val="tCtr"/>
+                          </dgm:alg>
+                        </dgm:if>
+                        <dgm:else name="Name55">
+                          <dgm:alg type="conn">
+                            <dgm:param type="connRout" val="bend"/>
+                            <dgm:param type="dim" val="1D"/>
+                            <dgm:param type="endSty" val="noArr"/>
+                            <dgm:param type="begPts" val="midL"/>
+                            <dgm:param type="endPts" val="tCtr"/>
+                          </dgm:alg>
+                        </dgm:else>
+                      </dgm:choose>
+                      <dgm:shape xmlns:r="http://schemas.openxmlformats.org/officeDocument/2006/relationships" type="conn" r:blip="" zOrderOff="-99999">
+                        <dgm:adjLst/>
+                      </dgm:shape>
+                      <dgm:presOf axis="self"/>
+                      <dgm:constrLst>
+                        <dgm:constr type="begPad"/>
+                        <dgm:constr type="endPad"/>
+                      </dgm:constrLst>
+                      <dgm:ruleLst/>
+                    </dgm:layoutNode>
+                  </dgm:if>
+                  <dgm:if name="Name56" func="var" arg="hierBranch" op="equ" val="r">
+                    <dgm:layoutNode name="Name57">
+                      <dgm:choose name="Name58">
+                        <dgm:if name="Name59" func="var" arg="dir" op="equ" val="norm">
+                          <dgm:alg type="conn">
+                            <dgm:param type="connRout" val="bend"/>
+                            <dgm:param type="dim" val="1D"/>
+                            <dgm:param type="endSty" val="noArr"/>
+                            <dgm:param type="begPts" val="midR"/>
+                            <dgm:param type="endPts" val="bCtr"/>
+                          </dgm:alg>
+                        </dgm:if>
+                        <dgm:else name="Name60">
+                          <dgm:alg type="conn">
+                            <dgm:param type="connRout" val="bend"/>
+                            <dgm:param type="dim" val="1D"/>
+                            <dgm:param type="endSty" val="noArr"/>
+                            <dgm:param type="begPts" val="midL"/>
+                            <dgm:param type="endPts" val="bCtr"/>
+                          </dgm:alg>
+                        </dgm:else>
+                      </dgm:choose>
+                      <dgm:shape xmlns:r="http://schemas.openxmlformats.org/officeDocument/2006/relationships" type="conn" r:blip="" zOrderOff="-99999">
+                        <dgm:adjLst/>
+                      </dgm:shape>
+                      <dgm:presOf axis="self"/>
+                      <dgm:constrLst>
+                        <dgm:constr type="begPad"/>
+                        <dgm:constr type="endPad"/>
+                      </dgm:constrLst>
+                      <dgm:ruleLst/>
+                    </dgm:layoutNode>
+                  </dgm:if>
+                  <dgm:else name="Name61">
+                    <dgm:choose name="Name62">
+                      <dgm:if name="Name63" func="var" arg="dir" op="equ" val="norm">
+                        <dgm:layoutNode name="Name64">
+                          <dgm:alg type="conn">
+                            <dgm:param type="connRout" val="bend"/>
+                            <dgm:param type="dim" val="1D"/>
+                            <dgm:param type="endSty" val="noArr"/>
+                            <dgm:param type="begPts" val="midR"/>
+                            <dgm:param type="endPts" val="midL"/>
+                            <dgm:param type="bendPt" val="end"/>
+                          </dgm:alg>
+                          <dgm:shape xmlns:r="http://schemas.openxmlformats.org/officeDocument/2006/relationships" type="conn" r:blip="" zOrderOff="-99999">
+                            <dgm:adjLst/>
+                          </dgm:shape>
+                          <dgm:presOf axis="self"/>
+                          <dgm:constrLst>
+                            <dgm:constr type="begPad"/>
+                            <dgm:constr type="endPad"/>
+                          </dgm:constrLst>
+                          <dgm:ruleLst/>
+                        </dgm:layoutNode>
+                      </dgm:if>
+                      <dgm:else name="Name65">
+                        <dgm:layoutNode name="Name66">
+                          <dgm:alg type="conn">
+                            <dgm:param type="connRout" val="bend"/>
+                            <dgm:param type="dim" val="1D"/>
+                            <dgm:param type="endSty" val="noArr"/>
+                            <dgm:param type="begPts" val="midL"/>
+                            <dgm:param type="endPts" val="midR"/>
+                            <dgm:param type="bendPt" val="end"/>
+                          </dgm:alg>
+                          <dgm:shape xmlns:r="http://schemas.openxmlformats.org/officeDocument/2006/relationships" type="conn" r:blip="" zOrderOff="-99999">
+                            <dgm:adjLst/>
+                          </dgm:shape>
+                          <dgm:presOf axis="self"/>
+                          <dgm:constrLst>
+                            <dgm:constr type="begPad"/>
+                            <dgm:constr type="endPad"/>
+                          </dgm:constrLst>
+                          <dgm:ruleLst/>
+                        </dgm:layoutNode>
+                      </dgm:else>
+                    </dgm:choose>
+                  </dgm:else>
+                </dgm:choose>
+              </dgm:forEach>
+              <dgm:layoutNode name="hierRoot2">
+                <dgm:varLst>
+                  <dgm:hierBranch val="init"/>
+                </dgm:varLst>
+                <dgm:choose name="Name67">
+                  <dgm:if name="Name68" func="var" arg="hierBranch" op="equ" val="l">
+                    <dgm:choose name="Name69">
+                      <dgm:if name="Name70" func="var" arg="dir" op="equ" val="norm">
+                        <dgm:alg type="hierRoot">
+                          <dgm:param type="hierAlign" val="lT"/>
+                        </dgm:alg>
+                        <dgm:constrLst>
+                          <dgm:constr type="alignOff" val="0.75"/>
+                        </dgm:constrLst>
+                      </dgm:if>
+                      <dgm:else name="Name71">
+                        <dgm:alg type="hierRoot">
+                          <dgm:param type="hierAlign" val="rT"/>
+                        </dgm:alg>
+                        <dgm:constrLst>
+                          <dgm:constr type="alignOff" val="0.75"/>
+                        </dgm:constrLst>
+                      </dgm:else>
+                    </dgm:choose>
+                  </dgm:if>
+                  <dgm:if name="Name72" func="var" arg="hierBranch" op="equ" val="r">
+                    <dgm:choose name="Name73">
+                      <dgm:if name="Name74" func="var" arg="dir" op="equ" val="norm">
+                        <dgm:alg type="hierRoot">
+                          <dgm:param type="hierAlign" val="lB"/>
+                        </dgm:alg>
+                        <dgm:constrLst>
+                          <dgm:constr type="alignOff" val="0.75"/>
+                        </dgm:constrLst>
+                      </dgm:if>
+                      <dgm:else name="Name75">
+                        <dgm:alg type="hierRoot">
+                          <dgm:param type="hierAlign" val="rB"/>
+                        </dgm:alg>
+                        <dgm:constrLst>
+                          <dgm:constr type="alignOff" val="0.75"/>
+                        </dgm:constrLst>
+                      </dgm:else>
+                    </dgm:choose>
+                  </dgm:if>
+                  <dgm:if name="Name76" func="var" arg="hierBranch" op="equ" val="hang">
+                    <dgm:choose name="Name77">
+                      <dgm:if name="Name78" func="var" arg="dir" op="equ" val="norm">
+                        <dgm:alg type="hierRoot">
+                          <dgm:param type="hierAlign" val="lCtrCh"/>
+                        </dgm:alg>
+                        <dgm:constrLst>
+                          <dgm:constr type="alignOff" val="0.65"/>
+                        </dgm:constrLst>
+                      </dgm:if>
+                      <dgm:else name="Name79">
+                        <dgm:alg type="hierRoot">
+                          <dgm:param type="hierAlign" val="rCtrCh"/>
+                        </dgm:alg>
+                        <dgm:constrLst>
+                          <dgm:constr type="alignOff" val="0.65"/>
+                        </dgm:constrLst>
+                      </dgm:else>
+                    </dgm:choose>
+                  </dgm:if>
+                  <dgm:else name="Name80">
+                    <dgm:choose name="Name81">
+                      <dgm:if name="Name82" func="var" arg="dir" op="equ" val="norm">
+                        <dgm:alg type="hierRoot">
+                          <dgm:param type="hierAlign" val="lCtrCh"/>
+                        </dgm:alg>
+                        <dgm:constrLst>
+                          <dgm:constr type="alignOff"/>
+                          <dgm:constr type="bendDist" for="des" ptType="parTrans" refType="sp" fact="0.5"/>
+                        </dgm:constrLst>
+                      </dgm:if>
+                      <dgm:else name="Name83">
+                        <dgm:alg type="hierRoot">
+                          <dgm:param type="hierAlign" val="rCtrCh"/>
+                        </dgm:alg>
+                        <dgm:constrLst>
+                          <dgm:constr type="alignOff"/>
+                          <dgm:constr type="bendDist" for="des" ptType="parTrans" refType="sp" fact="0.5"/>
+                        </dgm:constrLst>
+                      </dgm:else>
+                    </dgm:choose>
+                  </dgm:else>
+                </dgm:choose>
+                <dgm:shape xmlns:r="http://schemas.openxmlformats.org/officeDocument/2006/relationships" r:blip="">
+                  <dgm:adjLst/>
+                </dgm:shape>
+                <dgm:presOf/>
+                <dgm:ruleLst/>
+                <dgm:layoutNode name="rootComposite">
+                  <dgm:alg type="composite"/>
+                  <dgm:shape xmlns:r="http://schemas.openxmlformats.org/officeDocument/2006/relationships" r:blip="">
+                    <dgm:adjLst/>
+                  </dgm:shape>
+                  <dgm:presOf axis="self" ptType="node" cnt="1"/>
+                  <dgm:choose name="Name84">
+                    <dgm:if name="Name85" func="var" arg="hierBranch" op="equ" val="init">
+                      <dgm:constrLst>
+                        <dgm:constr type="l" for="ch" forName="rootText"/>
+                        <dgm:constr type="t" for="ch" forName="rootText"/>
+                        <dgm:constr type="w" for="ch" forName="rootText" refType="w"/>
+                        <dgm:constr type="h" for="ch" forName="rootText" refType="h"/>
+                        <dgm:constr type="l" for="ch" forName="rootConnector"/>
+                        <dgm:constr type="t" for="ch" forName="rootConnector"/>
+                        <dgm:constr type="w" for="ch" forName="rootConnector" refType="w" refFor="ch" refForName="rootText" fact="0.2"/>
+                        <dgm:constr type="h" for="ch" forName="rootConnector" refType="h" refFor="ch" refForName="rootText"/>
+                      </dgm:constrLst>
+                    </dgm:if>
+                    <dgm:if name="Name86" func="var" arg="hierBranch" op="equ" val="l">
+                      <dgm:constrLst>
+                        <dgm:constr type="l" for="ch" forName="rootText"/>
+                        <dgm:constr type="t" for="ch" forName="rootText"/>
+                        <dgm:constr type="w" for="ch" forName="rootText" refType="w"/>
+                        <dgm:constr type="h" for="ch" forName="rootText" refType="h"/>
+                        <dgm:constr type="r" for="ch" forName="rootConnector" refType="w"/>
+                        <dgm:constr type="t" for="ch" forName="rootConnector"/>
+                        <dgm:constr type="w" for="ch" forName="rootConnector" refType="w" refFor="ch" refForName="rootText" fact="0.2"/>
+                        <dgm:constr type="h" for="ch" forName="rootConnector" refType="h" refFor="ch" refForName="rootText"/>
+                      </dgm:constrLst>
+                    </dgm:if>
+                    <dgm:if name="Name87" func="var" arg="hierBranch" op="equ" val="r">
+                      <dgm:constrLst>
+                        <dgm:constr type="l" for="ch" forName="rootText"/>
+                        <dgm:constr type="t" for="ch" forName="rootText"/>
+                        <dgm:constr type="w" for="ch" forName="rootText" refType="w"/>
+                        <dgm:constr type="h" for="ch" forName="rootText" refType="h"/>
+                        <dgm:constr type="l" for="ch" forName="rootConnector"/>
+                        <dgm:constr type="t" for="ch" forName="rootConnector"/>
+                        <dgm:constr type="w" for="ch" forName="rootConnector" refType="w" refFor="ch" refForName="rootText" fact="0.2"/>
+                        <dgm:constr type="h" for="ch" forName="rootConnector" refType="h" refFor="ch" refForName="rootText"/>
+                      </dgm:constrLst>
+                    </dgm:if>
+                    <dgm:else name="Name88">
+                      <dgm:constrLst>
+                        <dgm:constr type="l" for="ch" forName="rootText"/>
+                        <dgm:constr type="t" for="ch" forName="rootText"/>
+                        <dgm:constr type="w" for="ch" forName="rootText" refType="w"/>
+                        <dgm:constr type="h" for="ch" forName="rootText" refType="h"/>
+                        <dgm:constr type="r" for="ch" forName="rootConnector" refType="w"/>
+                        <dgm:constr type="t" for="ch" forName="rootConnector"/>
+                        <dgm:constr type="w" for="ch" forName="rootConnector" refType="w" refFor="ch" refForName="rootText" fact="0.2"/>
+                        <dgm:constr type="h" for="ch" forName="rootConnector" refType="h" refFor="ch" refForName="rootText"/>
+                      </dgm:constrLst>
+                    </dgm:else>
+                  </dgm:choose>
+                  <dgm:ruleLst/>
+                  <dgm:layoutNode name="rootText">
+                    <dgm:varLst>
+                      <dgm:chPref val="3"/>
+                    </dgm:varLst>
+                    <dgm:alg type="tx"/>
+                    <dgm:shape xmlns:r="http://schemas.openxmlformats.org/officeDocument/2006/relationships" type="rect" r:blip="">
+                      <dgm:adjLst/>
+                    </dgm:shape>
+                    <dgm:presOf axis="self" ptType="node" cnt="1"/>
+                    <dgm:constrLst>
+                      <dgm:constr type="primFontSz" val="65"/>
+                      <dgm:constr type="lMarg" refType="primFontSz" fact="0.05"/>
+                      <dgm:constr type="rMarg" refType="primFontSz" fact="0.05"/>
+                      <dgm:constr type="tMarg" refType="primFontSz" fact="0.05"/>
+                      <dgm:constr type="bMarg" refType="primFontSz" fact="0.05"/>
+                    </dgm:constrLst>
+                    <dgm:ruleLst>
+                      <dgm:rule type="primFontSz" val="5" fact="NaN" max="NaN"/>
+                    </dgm:ruleLst>
+                  </dgm:layoutNode>
+                  <dgm:layoutNode name="rootConnector" moveWith="rootText">
+                    <dgm:alg type="sp"/>
+                    <dgm:shape xmlns:r="http://schemas.openxmlformats.org/officeDocument/2006/relationships" type="rect" r:blip="" hideGeom="1">
+                      <dgm:adjLst/>
+                    </dgm:shape>
+                    <dgm:presOf axis="self" ptType="node" cnt="1"/>
+                    <dgm:constrLst/>
+                    <dgm:ruleLst/>
+                  </dgm:layoutNode>
+                </dgm:layoutNode>
+                <dgm:layoutNode name="hierChild4">
+                  <dgm:choose name="Name89">
+                    <dgm:if name="Name90" func="var" arg="hierBranch" op="equ" val="l">
+                      <dgm:choose name="Name91">
+                        <dgm:if name="Name92" func="var" arg="dir" op="equ" val="norm">
+                          <dgm:alg type="hierChild">
+                            <dgm:param type="chAlign" val="t"/>
+                            <dgm:param type="linDir" val="fromL"/>
+                          </dgm:alg>
+                        </dgm:if>
+                        <dgm:else name="Name93">
+                          <dgm:alg type="hierChild">
+                            <dgm:param type="chAlign" val="t"/>
+                            <dgm:param type="linDir" val="fromR"/>
+                          </dgm:alg>
+                        </dgm:else>
+                      </dgm:choose>
+                    </dgm:if>
+                    <dgm:if name="Name94" func="var" arg="hierBranch" op="equ" val="r">
+                      <dgm:choose name="Name95">
+                        <dgm:if name="Name96" func="var" arg="dir" op="equ" val="norm">
+                          <dgm:alg type="hierChild">
+                            <dgm:param type="chAlign" val="b"/>
+                            <dgm:param type="linDir" val="fromL"/>
+                          </dgm:alg>
+                        </dgm:if>
+                        <dgm:else name="Name97">
+                          <dgm:alg type="hierChild">
+                            <dgm:param type="chAlign" val="b"/>
+                            <dgm:param type="linDir" val="fromR"/>
+                          </dgm:alg>
+                        </dgm:else>
+                      </dgm:choose>
+                    </dgm:if>
+                    <dgm:if name="Name98" func="var" arg="hierBranch" op="equ" val="hang">
+                      <dgm:choose name="Name99">
+                        <dgm:if name="Name100" func="var" arg="dir" op="equ" val="norm">
+                          <dgm:alg type="hierChild">
+                            <dgm:param type="chAlign" val="l"/>
+                            <dgm:param type="linDir" val="fromT"/>
+                            <dgm:param type="secChAlign" val="t"/>
+                            <dgm:param type="secLinDir" val="fromL"/>
+                          </dgm:alg>
+                        </dgm:if>
+                        <dgm:else name="Name101">
+                          <dgm:alg type="hierChild">
+                            <dgm:param type="chAlign" val="r"/>
+                            <dgm:param type="linDir" val="fromT"/>
+                            <dgm:param type="secChAlign" val="t"/>
+                            <dgm:param type="secLinDir" val="fromR"/>
+                          </dgm:alg>
+                        </dgm:else>
+                      </dgm:choose>
+                    </dgm:if>
+                    <dgm:else name="Name102">
+                      <dgm:choose name="Name103">
+                        <dgm:if name="Name104" func="var" arg="dir" op="equ" val="norm">
+                          <dgm:alg type="hierChild">
+                            <dgm:param type="linDir" val="fromT"/>
+                            <dgm:param type="chAlign" val="l"/>
+                          </dgm:alg>
+                        </dgm:if>
+                        <dgm:else name="Name105">
+                          <dgm:alg type="hierChild">
+                            <dgm:param type="linDir" val="fromT"/>
+                            <dgm:param type="chAlign" val="r"/>
+                          </dgm:alg>
+                        </dgm:else>
+                      </dgm:choose>
+                    </dgm:else>
+                  </dgm:choose>
+                  <dgm:shape xmlns:r="http://schemas.openxmlformats.org/officeDocument/2006/relationships" r:blip="">
+                    <dgm:adjLst/>
+                  </dgm:shape>
+                  <dgm:presOf/>
+                  <dgm:constrLst/>
+                  <dgm:ruleLst/>
+                  <dgm:forEach name="Name106" ref="rep2a"/>
+                </dgm:layoutNode>
+                <dgm:layoutNode name="hierChild5">
+                  <dgm:choose name="Name107">
+                    <dgm:if name="Name108" func="var" arg="dir" op="equ" val="norm">
+                      <dgm:alg type="hierChild">
+                        <dgm:param type="chAlign" val="l"/>
+                        <dgm:param type="linDir" val="fromT"/>
+                        <dgm:param type="secChAlign" val="t"/>
+                        <dgm:param type="secLinDir" val="fromL"/>
+                      </dgm:alg>
+                    </dgm:if>
+                    <dgm:else name="Name109">
+                      <dgm:alg type="hierChild">
+                        <dgm:param type="chAlign" val="r"/>
+                        <dgm:param type="linDir" val="fromT"/>
+                        <dgm:param type="secChAlign" val="t"/>
+                        <dgm:param type="secLinDir" val="fromR"/>
+                      </dgm:alg>
+                    </dgm:else>
+                  </dgm:choose>
+                  <dgm:shape xmlns:r="http://schemas.openxmlformats.org/officeDocument/2006/relationships" r:blip="">
+                    <dgm:adjLst/>
+                  </dgm:shape>
+                  <dgm:presOf/>
+                  <dgm:constrLst/>
+                  <dgm:ruleLst/>
+                  <dgm:forEach name="Name110" ref="rep2b"/>
+                </dgm:layoutNode>
+              </dgm:layoutNode>
+            </dgm:forEach>
+          </dgm:layoutNode>
+          <dgm:layoutNode name="hierChild3">
+            <dgm:choose name="Name111">
+              <dgm:if name="Name112" func="var" arg="dir" op="equ" val="norm">
+                <dgm:alg type="hierChild">
+                  <dgm:param type="chAlign" val="l"/>
+                  <dgm:param type="linDir" val="fromT"/>
+                  <dgm:param type="secChAlign" val="t"/>
+                  <dgm:param type="secLinDir" val="fromL"/>
+                </dgm:alg>
+              </dgm:if>
+              <dgm:else name="Name113">
+                <dgm:alg type="hierChild">
+                  <dgm:param type="chAlign" val="r"/>
+                  <dgm:param type="linDir" val="fromT"/>
+                  <dgm:param type="secChAlign" val="t"/>
+                  <dgm:param type="secLinDir" val="fromR"/>
+                </dgm:alg>
+              </dgm:else>
+            </dgm:choose>
+            <dgm:shape xmlns:r="http://schemas.openxmlformats.org/officeDocument/2006/relationships" r:blip="">
+              <dgm:adjLst/>
+            </dgm:shape>
+            <dgm:presOf/>
+            <dgm:constrLst/>
+            <dgm:ruleLst/>
+            <dgm:forEach name="rep2b" axis="ch" ptType="asst">
+              <dgm:forEach name="Name114" axis="precedSib" ptType="parTrans" st="-1" cnt="1">
+                <dgm:layoutNode name="Name115">
+                  <dgm:choose name="Name116">
+                    <dgm:if name="Name117" func="var" arg="dir" op="equ" val="norm">
+                      <dgm:alg type="conn">
+                        <dgm:param type="connRout" val="bend"/>
+                        <dgm:param type="dim" val="1D"/>
+                        <dgm:param type="endSty" val="noArr"/>
+                        <dgm:param type="begPts" val="midR"/>
+                        <dgm:param type="endPts" val="bCtr tCtr"/>
+                      </dgm:alg>
+                    </dgm:if>
+                    <dgm:else name="Name118">
+                      <dgm:alg type="conn">
+                        <dgm:param type="connRout" val="bend"/>
+                        <dgm:param type="dim" val="1D"/>
+                        <dgm:param type="endSty" val="noArr"/>
+                        <dgm:param type="begPts" val="midL"/>
+                        <dgm:param type="endPts" val="bCtr tCtr"/>
+                      </dgm:alg>
+                    </dgm:else>
+                  </dgm:choose>
+                  <dgm:shape xmlns:r="http://schemas.openxmlformats.org/officeDocument/2006/relationships" type="conn" r:blip="" zOrderOff="-99999">
+                    <dgm:adjLst/>
+                  </dgm:shape>
+                  <dgm:presOf axis="self"/>
+                  <dgm:constrLst>
+                    <dgm:constr type="begPad"/>
+                    <dgm:constr type="endPad"/>
+                  </dgm:constrLst>
+                  <dgm:ruleLst/>
+                </dgm:layoutNode>
+              </dgm:forEach>
+              <dgm:layoutNode name="hierRoot3">
+                <dgm:varLst>
+                  <dgm:hierBranch val="init"/>
+                </dgm:varLst>
+                <dgm:choose name="Name119">
+                  <dgm:if name="Name120" func="var" arg="hierBranch" op="equ" val="l">
+                    <dgm:choose name="Name121">
+                      <dgm:if name="Name122" func="var" arg="dir" op="equ" val="norm">
+                        <dgm:alg type="hierRoot">
+                          <dgm:param type="hierAlign" val="lT"/>
+                        </dgm:alg>
+                        <dgm:constrLst>
+                          <dgm:constr type="alignOff" val="0.75"/>
+                        </dgm:constrLst>
+                      </dgm:if>
+                      <dgm:else name="Name123">
+                        <dgm:alg type="hierRoot">
+                          <dgm:param type="hierAlign" val="rT"/>
+                        </dgm:alg>
+                        <dgm:constrLst>
+                          <dgm:constr type="alignOff" val="0.75"/>
+                        </dgm:constrLst>
+                      </dgm:else>
+                    </dgm:choose>
+                  </dgm:if>
+                  <dgm:if name="Name124" func="var" arg="hierBranch" op="equ" val="r">
+                    <dgm:choose name="Name125">
+                      <dgm:if name="Name126" func="var" arg="dir" op="equ" val="norm">
+                        <dgm:alg type="hierRoot">
+                          <dgm:param type="hierAlign" val="lB"/>
+                        </dgm:alg>
+                        <dgm:constrLst>
+                          <dgm:constr type="alignOff" val="0.75"/>
+                        </dgm:constrLst>
+                      </dgm:if>
+                      <dgm:else name="Name127">
+                        <dgm:alg type="hierRoot">
+                          <dgm:param type="hierAlign" val="rB"/>
+                        </dgm:alg>
+                        <dgm:constrLst>
+                          <dgm:constr type="alignOff" val="0.75"/>
+                        </dgm:constrLst>
+                      </dgm:else>
+                    </dgm:choose>
+                  </dgm:if>
+                  <dgm:if name="Name128" func="var" arg="hierBranch" op="equ" val="hang">
+                    <dgm:choose name="Name129">
+                      <dgm:if name="Name130" func="var" arg="dir" op="equ" val="norm">
+                        <dgm:alg type="hierRoot">
+                          <dgm:param type="hierAlign" val="lCtrCh"/>
+                        </dgm:alg>
+                        <dgm:constrLst>
+                          <dgm:constr type="alignOff" val="0.65"/>
+                        </dgm:constrLst>
+                      </dgm:if>
+                      <dgm:else name="Name131">
+                        <dgm:alg type="hierRoot">
+                          <dgm:param type="hierAlign" val="rCtrCh"/>
+                        </dgm:alg>
+                        <dgm:constrLst>
+                          <dgm:constr type="alignOff" val="0.65"/>
+                        </dgm:constrLst>
+                      </dgm:else>
+                    </dgm:choose>
+                  </dgm:if>
+                  <dgm:else name="Name132">
+                    <dgm:choose name="Name133">
+                      <dgm:if name="Name134" func="var" arg="dir" op="equ" val="norm">
+                        <dgm:alg type="hierRoot">
+                          <dgm:param type="hierAlign" val="lCtrCh"/>
+                        </dgm:alg>
+                        <dgm:constrLst>
+                          <dgm:constr type="alignOff"/>
+                          <dgm:constr type="bendDist" for="des" ptType="parTrans" refType="sp" fact="0.5"/>
+                        </dgm:constrLst>
+                      </dgm:if>
+                      <dgm:else name="Name135">
+                        <dgm:alg type="hierRoot">
+                          <dgm:param type="hierAlign" val="rCtrCh"/>
+                        </dgm:alg>
+                        <dgm:constrLst>
+                          <dgm:constr type="alignOff"/>
+                          <dgm:constr type="bendDist" for="des" ptType="parTrans" refType="sp" fact="0.5"/>
+                        </dgm:constrLst>
+                      </dgm:else>
+                    </dgm:choose>
+                  </dgm:else>
+                </dgm:choose>
+                <dgm:shape xmlns:r="http://schemas.openxmlformats.org/officeDocument/2006/relationships" r:blip="">
+                  <dgm:adjLst/>
+                </dgm:shape>
+                <dgm:presOf/>
+                <dgm:ruleLst/>
+                <dgm:layoutNode name="rootComposite3">
+                  <dgm:alg type="composite"/>
+                  <dgm:shape xmlns:r="http://schemas.openxmlformats.org/officeDocument/2006/relationships" r:blip="">
+                    <dgm:adjLst/>
+                  </dgm:shape>
+                  <dgm:presOf axis="self" ptType="node" cnt="1"/>
+                  <dgm:choose name="Name136">
+                    <dgm:if name="Name137" func="var" arg="hierBranch" op="equ" val="init">
+                      <dgm:constrLst>
+                        <dgm:constr type="l" for="ch" forName="rootText3"/>
+                        <dgm:constr type="t" for="ch" forName="rootText3"/>
+                        <dgm:constr type="w" for="ch" forName="rootText3" refType="w"/>
+                        <dgm:constr type="h" for="ch" forName="rootText3" refType="h"/>
+                        <dgm:constr type="l" for="ch" forName="rootConnector3"/>
+                        <dgm:constr type="t" for="ch" forName="rootConnector3"/>
+                        <dgm:constr type="w" for="ch" forName="rootConnector3" refType="w" refFor="ch" refForName="rootText3" fact="0.2"/>
+                        <dgm:constr type="h" for="ch" forName="rootConnector3" refType="h" refFor="ch" refForName="rootText3"/>
+                      </dgm:constrLst>
+                    </dgm:if>
+                    <dgm:if name="Name138" func="var" arg="hierBranch" op="equ" val="l">
+                      <dgm:constrLst>
+                        <dgm:constr type="l" for="ch" forName="rootText3"/>
+                        <dgm:constr type="t" for="ch" forName="rootText3"/>
+                        <dgm:constr type="w" for="ch" forName="rootText3" refType="w"/>
+                        <dgm:constr type="h" for="ch" forName="rootText3" refType="h"/>
+                        <dgm:constr type="r" for="ch" forName="rootConnector3" refType="w"/>
+                        <dgm:constr type="t" for="ch" forName="rootConnector3"/>
+                        <dgm:constr type="w" for="ch" forName="rootConnector3" refType="w" refFor="ch" refForName="rootText3" fact="0.2"/>
+                        <dgm:constr type="h" for="ch" forName="rootConnector3" refType="h" refFor="ch" refForName="rootText3"/>
+                      </dgm:constrLst>
+                    </dgm:if>
+                    <dgm:if name="Name139" func="var" arg="hierBranch" op="equ" val="r">
+                      <dgm:constrLst>
+                        <dgm:constr type="l" for="ch" forName="rootText3"/>
+                        <dgm:constr type="t" for="ch" forName="rootText3"/>
+                        <dgm:constr type="w" for="ch" forName="rootText3" refType="w"/>
+                        <dgm:constr type="h" for="ch" forName="rootText3" refType="h"/>
+                        <dgm:constr type="l" for="ch" forName="rootConnector3"/>
+                        <dgm:constr type="t" for="ch" forName="rootConnector3"/>
+                        <dgm:constr type="w" for="ch" forName="rootConnector3" refType="w" refFor="ch" refForName="rootText3" fact="0.2"/>
+                        <dgm:constr type="h" for="ch" forName="rootConnector3" refType="h" refFor="ch" refForName="rootText3"/>
+                      </dgm:constrLst>
+                    </dgm:if>
+                    <dgm:else name="Name140">
+                      <dgm:constrLst>
+                        <dgm:constr type="l" for="ch" forName="rootText3"/>
+                        <dgm:constr type="t" for="ch" forName="rootText3"/>
+                        <dgm:constr type="w" for="ch" forName="rootText3" refType="w"/>
+                        <dgm:constr type="h" for="ch" forName="rootText3" refType="h"/>
+                        <dgm:constr type="r" for="ch" forName="rootConnector3" refType="w"/>
+                        <dgm:constr type="t" for="ch" forName="rootConnector3"/>
+                        <dgm:constr type="w" for="ch" forName="rootConnector3" refType="w" refFor="ch" refForName="rootText3" fact="0.2"/>
+                        <dgm:constr type="h" for="ch" forName="rootConnector3" refType="h" refFor="ch" refForName="rootText3"/>
+                      </dgm:constrLst>
+                    </dgm:else>
+                  </dgm:choose>
+                  <dgm:ruleLst/>
+                  <dgm:layoutNode name="rootText3">
+                    <dgm:varLst>
+                      <dgm:chPref val="3"/>
+                    </dgm:varLst>
+                    <dgm:alg type="tx"/>
+                    <dgm:shape xmlns:r="http://schemas.openxmlformats.org/officeDocument/2006/relationships" type="rect" r:blip="">
+                      <dgm:adjLst/>
+                    </dgm:shape>
+                    <dgm:presOf axis="self" ptType="node" cnt="1"/>
+                    <dgm:constrLst>
+                      <dgm:constr type="primFontSz" val="65"/>
+                      <dgm:constr type="lMarg" refType="primFontSz" fact="0.05"/>
+                      <dgm:constr type="rMarg" refType="primFontSz" fact="0.05"/>
+                      <dgm:constr type="tMarg" refType="primFontSz" fact="0.05"/>
+                      <dgm:constr type="bMarg" refType="primFontSz" fact="0.05"/>
+                    </dgm:constrLst>
+                    <dgm:ruleLst>
+                      <dgm:rule type="primFontSz" val="5" fact="NaN" max="NaN"/>
+                    </dgm:ruleLst>
+                  </dgm:layoutNode>
+                  <dgm:layoutNode name="rootConnector3" moveWith="rootText1">
+                    <dgm:alg type="sp"/>
+                    <dgm:shape xmlns:r="http://schemas.openxmlformats.org/officeDocument/2006/relationships" type="rect" r:blip="" hideGeom="1">
+                      <dgm:adjLst/>
+                    </dgm:shape>
+                    <dgm:presOf axis="self" ptType="node" cnt="1"/>
+                    <dgm:constrLst/>
+                    <dgm:ruleLst/>
+                  </dgm:layoutNode>
+                </dgm:layoutNode>
+                <dgm:layoutNode name="hierChild6">
+                  <dgm:choose name="Name141">
+                    <dgm:if name="Name142" func="var" arg="hierBranch" op="equ" val="l">
+                      <dgm:choose name="Name143">
+                        <dgm:if name="Name144" func="var" arg="dir" op="equ" val="norm">
+                          <dgm:alg type="hierChild">
+                            <dgm:param type="chAlign" val="t"/>
+                            <dgm:param type="linDir" val="fromL"/>
+                          </dgm:alg>
+                        </dgm:if>
+                        <dgm:else name="Name145">
+                          <dgm:alg type="hierChild">
+                            <dgm:param type="chAlign" val="t"/>
+                            <dgm:param type="linDir" val="fromR"/>
+                          </dgm:alg>
+                        </dgm:else>
+                      </dgm:choose>
+                    </dgm:if>
+                    <dgm:if name="Name146" func="var" arg="hierBranch" op="equ" val="r">
+                      <dgm:choose name="Name147">
+                        <dgm:if name="Name148" func="var" arg="dir" op="equ" val="norm">
+                          <dgm:alg type="hierChild">
+                            <dgm:param type="chAlign" val="b"/>
+                            <dgm:param type="linDir" val="fromL"/>
+                          </dgm:alg>
+                        </dgm:if>
+                        <dgm:else name="Name149">
+                          <dgm:alg type="hierChild">
+                            <dgm:param type="chAlign" val="b"/>
+                            <dgm:param type="linDir" val="fromR"/>
+                          </dgm:alg>
+                        </dgm:else>
+                      </dgm:choose>
+                    </dgm:if>
+                    <dgm:if name="Name150" func="var" arg="hierBranch" op="equ" val="hang">
+                      <dgm:choose name="Name151">
+                        <dgm:if name="Name152" func="var" arg="dir" op="equ" val="norm">
+                          <dgm:alg type="hierChild">
+                            <dgm:param type="chAlign" val="l"/>
+                            <dgm:param type="linDir" val="fromT"/>
+                            <dgm:param type="secChAlign" val="t"/>
+                            <dgm:param type="secLinDir" val="fromL"/>
+                          </dgm:alg>
+                        </dgm:if>
+                        <dgm:else name="Name153">
+                          <dgm:alg type="hierChild">
+                            <dgm:param type="chAlign" val="r"/>
+                            <dgm:param type="linDir" val="fromT"/>
+                            <dgm:param type="secChAlign" val="t"/>
+                            <dgm:param type="secLinDir" val="fromR"/>
+                          </dgm:alg>
+                        </dgm:else>
+                      </dgm:choose>
+                    </dgm:if>
+                    <dgm:else name="Name154">
+                      <dgm:choose name="Name155">
+                        <dgm:if name="Name156" func="var" arg="dir" op="equ" val="norm">
+                          <dgm:alg type="hierChild">
+                            <dgm:param type="linDir" val="fromT"/>
+                            <dgm:param type="chAlign" val="l"/>
+                          </dgm:alg>
+                        </dgm:if>
+                        <dgm:else name="Name157">
+                          <dgm:alg type="hierChild">
+                            <dgm:param type="linDir" val="fromT"/>
+                            <dgm:param type="chAlign" val="r"/>
+                          </dgm:alg>
+                        </dgm:else>
+                      </dgm:choose>
+                    </dgm:else>
+                  </dgm:choose>
+                  <dgm:shape xmlns:r="http://schemas.openxmlformats.org/officeDocument/2006/relationships" r:blip="">
+                    <dgm:adjLst/>
+                  </dgm:shape>
+                  <dgm:presOf/>
+                  <dgm:constrLst/>
+                  <dgm:ruleLst/>
+                  <dgm:forEach name="Name158" ref="rep2a"/>
+                </dgm:layoutNode>
+                <dgm:layoutNode name="hierChild7">
+                  <dgm:choose name="Name159">
+                    <dgm:if name="Name160" func="var" arg="dir" op="equ" val="norm">
+                      <dgm:alg type="hierChild">
+                        <dgm:param type="chAlign" val="l"/>
+                        <dgm:param type="linDir" val="fromT"/>
+                        <dgm:param type="secChAlign" val="t"/>
+                        <dgm:param type="secLinDir" val="fromL"/>
+                      </dgm:alg>
+                    </dgm:if>
+                    <dgm:else name="Name161">
+                      <dgm:alg type="hierChild">
+                        <dgm:param type="chAlign" val="r"/>
+                        <dgm:param type="linDir" val="fromT"/>
+                        <dgm:param type="secChAlign" val="t"/>
+                        <dgm:param type="secLinDir" val="fromR"/>
+                      </dgm:alg>
+                    </dgm:else>
+                  </dgm:choose>
+                  <dgm:shape xmlns:r="http://schemas.openxmlformats.org/officeDocument/2006/relationships" r:blip="">
+                    <dgm:adjLst/>
+                  </dgm:shape>
+                  <dgm:presOf/>
+                  <dgm:constrLst/>
+                  <dgm:ruleLst/>
+                  <dgm:forEach name="Name162" ref="rep2b"/>
+                </dgm:layoutNode>
+              </dgm:layoutNode>
+            </dgm:forEach>
+          </dgm:layoutNode>
+        </dgm:layoutNode>
+      </dgm:forEach>
+    </dgm:forEach>
+  </dgm:layoutNode>
+</dgm:layoutDef>
+</file>
+
+<file path=ppt/diagrams/layout3.xml><?xml version="1.0" encoding="utf-8"?>
 <dgm:layoutDef xmlns:dgm="http://schemas.openxmlformats.org/drawingml/2006/diagram" xmlns:a="http://schemas.openxmlformats.org/drawingml/2006/main" uniqueId="urn:microsoft.com/office/officeart/2005/8/layout/hierarchy5">
   <dgm:title val=""/>
   <dgm:desc val=""/>
@@ -9896,6 +13057,1040 @@
 </dgm:styleDef>
 </file>
 
+<file path=ppt/diagrams/quickStyle3.xml><?xml version="1.0" encoding="utf-8"?>
+<dgm:styleDef xmlns:dgm="http://schemas.openxmlformats.org/drawingml/2006/diagram" xmlns:a="http://schemas.openxmlformats.org/drawingml/2006/main" uniqueId="urn:microsoft.com/office/officeart/2005/8/quickstyle/simple1">
+  <dgm:title val=""/>
+  <dgm:desc val=""/>
+  <dgm:catLst>
+    <dgm:cat type="simple" pri="10100"/>
+  </dgm:catLst>
+  <dgm:scene3d>
+    <a:camera prst="orthographicFront"/>
+    <a:lightRig rig="threePt" dir="t"/>
+  </dgm:scene3d>
+  <dgm:styleLbl name="node0">
+    <dgm:scene3d>
+      <a:camera prst="orthographicFront"/>
+      <a:lightRig rig="threePt" dir="t"/>
+    </dgm:scene3d>
+    <dgm:sp3d/>
+    <dgm:txPr/>
+    <dgm:style>
+      <a:lnRef idx="2">
+        <a:scrgbClr r="0" g="0" b="0"/>
+      </a:lnRef>
+      <a:fillRef idx="1">
+        <a:scrgbClr r="0" g="0" b="0"/>
+      </a:fillRef>
+      <a:effectRef idx="0">
+        <a:scrgbClr r="0" g="0" b="0"/>
+      </a:effectRef>
+      <a:fontRef idx="minor">
+        <a:schemeClr val="lt1"/>
+      </a:fontRef>
+    </dgm:style>
+  </dgm:styleLbl>
+  <dgm:styleLbl name="lnNode1">
+    <dgm:scene3d>
+      <a:camera prst="orthographicFront"/>
+      <a:lightRig rig="threePt" dir="t"/>
+    </dgm:scene3d>
+    <dgm:sp3d/>
+    <dgm:txPr/>
+    <dgm:style>
+      <a:lnRef idx="2">
+        <a:scrgbClr r="0" g="0" b="0"/>
+      </a:lnRef>
+      <a:fillRef idx="1">
+        <a:scrgbClr r="0" g="0" b="0"/>
+      </a:fillRef>
+      <a:effectRef idx="0">
+        <a:scrgbClr r="0" g="0" b="0"/>
+      </a:effectRef>
+      <a:fontRef idx="minor">
+        <a:schemeClr val="lt1"/>
+      </a:fontRef>
+    </dgm:style>
+  </dgm:styleLbl>
+  <dgm:styleLbl name="vennNode1">
+    <dgm:scene3d>
+      <a:camera prst="orthographicFront"/>
+      <a:lightRig rig="threePt" dir="t"/>
+    </dgm:scene3d>
+    <dgm:sp3d/>
+    <dgm:txPr/>
+    <dgm:style>
+      <a:lnRef idx="2">
+        <a:scrgbClr r="0" g="0" b="0"/>
+      </a:lnRef>
+      <a:fillRef idx="1">
+        <a:scrgbClr r="0" g="0" b="0"/>
+      </a:fillRef>
+      <a:effectRef idx="0">
+        <a:scrgbClr r="0" g="0" b="0"/>
+      </a:effectRef>
+      <a:fontRef idx="minor">
+        <a:schemeClr val="tx1"/>
+      </a:fontRef>
+    </dgm:style>
+  </dgm:styleLbl>
+  <dgm:styleLbl name="alignNode1">
+    <dgm:scene3d>
+      <a:camera prst="orthographicFront"/>
+      <a:lightRig rig="threePt" dir="t"/>
+    </dgm:scene3d>
+    <dgm:sp3d/>
+    <dgm:txPr/>
+    <dgm:style>
+      <a:lnRef idx="2">
+        <a:scrgbClr r="0" g="0" b="0"/>
+      </a:lnRef>
+      <a:fillRef idx="1">
+        <a:scrgbClr r="0" g="0" b="0"/>
+      </a:fillRef>
+      <a:effectRef idx="0">
+        <a:scrgbClr r="0" g="0" b="0"/>
+      </a:effectRef>
+      <a:fontRef idx="minor">
+        <a:schemeClr val="lt1"/>
+      </a:fontRef>
+    </dgm:style>
+  </dgm:styleLbl>
+  <dgm:styleLbl name="node1">
+    <dgm:scene3d>
+      <a:camera prst="orthographicFront"/>
+      <a:lightRig rig="threePt" dir="t"/>
+    </dgm:scene3d>
+    <dgm:sp3d/>
+    <dgm:txPr/>
+    <dgm:style>
+      <a:lnRef idx="2">
+        <a:scrgbClr r="0" g="0" b="0"/>
+      </a:lnRef>
+      <a:fillRef idx="1">
+        <a:scrgbClr r="0" g="0" b="0"/>
+      </a:fillRef>
+      <a:effectRef idx="0">
+        <a:scrgbClr r="0" g="0" b="0"/>
+      </a:effectRef>
+      <a:fontRef idx="minor">
+        <a:schemeClr val="lt1"/>
+      </a:fontRef>
+    </dgm:style>
+  </dgm:styleLbl>
+  <dgm:styleLbl name="node2">
+    <dgm:scene3d>
+      <a:camera prst="orthographicFront"/>
+      <a:lightRig rig="threePt" dir="t"/>
+    </dgm:scene3d>
+    <dgm:sp3d/>
+    <dgm:txPr/>
+    <dgm:style>
+      <a:lnRef idx="2">
+        <a:scrgbClr r="0" g="0" b="0"/>
+      </a:lnRef>
+      <a:fillRef idx="1">
+        <a:scrgbClr r="0" g="0" b="0"/>
+      </a:fillRef>
+      <a:effectRef idx="0">
+        <a:scrgbClr r="0" g="0" b="0"/>
+      </a:effectRef>
+      <a:fontRef idx="minor">
+        <a:schemeClr val="lt1"/>
+      </a:fontRef>
+    </dgm:style>
+  </dgm:styleLbl>
+  <dgm:styleLbl name="node3">
+    <dgm:scene3d>
+      <a:camera prst="orthographicFront"/>
+      <a:lightRig rig="threePt" dir="t"/>
+    </dgm:scene3d>
+    <dgm:sp3d/>
+    <dgm:txPr/>
+    <dgm:style>
+      <a:lnRef idx="2">
+        <a:scrgbClr r="0" g="0" b="0"/>
+      </a:lnRef>
+      <a:fillRef idx="1">
+        <a:scrgbClr r="0" g="0" b="0"/>
+      </a:fillRef>
+      <a:effectRef idx="0">
+        <a:scrgbClr r="0" g="0" b="0"/>
+      </a:effectRef>
+      <a:fontRef idx="minor">
+        <a:schemeClr val="lt1"/>
+      </a:fontRef>
+    </dgm:style>
+  </dgm:styleLbl>
+  <dgm:styleLbl name="node4">
+    <dgm:scene3d>
+      <a:camera prst="orthographicFront"/>
+      <a:lightRig rig="threePt" dir="t"/>
+    </dgm:scene3d>
+    <dgm:sp3d/>
+    <dgm:txPr/>
+    <dgm:style>
+      <a:lnRef idx="2">
+        <a:scrgbClr r="0" g="0" b="0"/>
+      </a:lnRef>
+      <a:fillRef idx="1">
+        <a:scrgbClr r="0" g="0" b="0"/>
+      </a:fillRef>
+      <a:effectRef idx="0">
+        <a:scrgbClr r="0" g="0" b="0"/>
+      </a:effectRef>
+      <a:fontRef idx="minor">
+        <a:schemeClr val="lt1"/>
+      </a:fontRef>
+    </dgm:style>
+  </dgm:styleLbl>
+  <dgm:styleLbl name="fgImgPlace1">
+    <dgm:scene3d>
+      <a:camera prst="orthographicFront"/>
+      <a:lightRig rig="threePt" dir="t"/>
+    </dgm:scene3d>
+    <dgm:sp3d/>
+    <dgm:txPr/>
+    <dgm:style>
+      <a:lnRef idx="2">
+        <a:scrgbClr r="0" g="0" b="0"/>
+      </a:lnRef>
+      <a:fillRef idx="1">
+        <a:scrgbClr r="0" g="0" b="0"/>
+      </a:fillRef>
+      <a:effectRef idx="0">
+        <a:scrgbClr r="0" g="0" b="0"/>
+      </a:effectRef>
+      <a:fontRef idx="minor"/>
+    </dgm:style>
+  </dgm:styleLbl>
+  <dgm:styleLbl name="alignImgPlace1">
+    <dgm:scene3d>
+      <a:camera prst="orthographicFront"/>
+      <a:lightRig rig="threePt" dir="t"/>
+    </dgm:scene3d>
+    <dgm:sp3d/>
+    <dgm:txPr/>
+    <dgm:style>
+      <a:lnRef idx="2">
+        <a:scrgbClr r="0" g="0" b="0"/>
+      </a:lnRef>
+      <a:fillRef idx="1">
+        <a:scrgbClr r="0" g="0" b="0"/>
+      </a:fillRef>
+      <a:effectRef idx="0">
+        <a:scrgbClr r="0" g="0" b="0"/>
+      </a:effectRef>
+      <a:fontRef idx="minor"/>
+    </dgm:style>
+  </dgm:styleLbl>
+  <dgm:styleLbl name="bgImgPlace1">
+    <dgm:scene3d>
+      <a:camera prst="orthographicFront"/>
+      <a:lightRig rig="threePt" dir="t"/>
+    </dgm:scene3d>
+    <dgm:sp3d/>
+    <dgm:txPr/>
+    <dgm:style>
+      <a:lnRef idx="2">
+        <a:scrgbClr r="0" g="0" b="0"/>
+      </a:lnRef>
+      <a:fillRef idx="1">
+        <a:scrgbClr r="0" g="0" b="0"/>
+      </a:fillRef>
+      <a:effectRef idx="0">
+        <a:scrgbClr r="0" g="0" b="0"/>
+      </a:effectRef>
+      <a:fontRef idx="minor"/>
+    </dgm:style>
+  </dgm:styleLbl>
+  <dgm:styleLbl name="sibTrans2D1">
+    <dgm:scene3d>
+      <a:camera prst="orthographicFront"/>
+      <a:lightRig rig="threePt" dir="t"/>
+    </dgm:scene3d>
+    <dgm:sp3d/>
+    <dgm:txPr/>
+    <dgm:style>
+      <a:lnRef idx="0">
+        <a:scrgbClr r="0" g="0" b="0"/>
+      </a:lnRef>
+      <a:fillRef idx="1">
+        <a:scrgbClr r="0" g="0" b="0"/>
+      </a:fillRef>
+      <a:effectRef idx="0">
+        <a:scrgbClr r="0" g="0" b="0"/>
+      </a:effectRef>
+      <a:fontRef idx="minor">
+        <a:schemeClr val="lt1"/>
+      </a:fontRef>
+    </dgm:style>
+  </dgm:styleLbl>
+  <dgm:styleLbl name="fgSibTrans2D1">
+    <dgm:scene3d>
+      <a:camera prst="orthographicFront"/>
+      <a:lightRig rig="threePt" dir="t"/>
+    </dgm:scene3d>
+    <dgm:sp3d/>
+    <dgm:txPr/>
+    <dgm:style>
+      <a:lnRef idx="0">
+        <a:scrgbClr r="0" g="0" b="0"/>
+      </a:lnRef>
+      <a:fillRef idx="1">
+        <a:scrgbClr r="0" g="0" b="0"/>
+      </a:fillRef>
+      <a:effectRef idx="0">
+        <a:scrgbClr r="0" g="0" b="0"/>
+      </a:effectRef>
+      <a:fontRef idx="minor">
+        <a:schemeClr val="lt1"/>
+      </a:fontRef>
+    </dgm:style>
+  </dgm:styleLbl>
+  <dgm:styleLbl name="bgSibTrans2D1">
+    <dgm:scene3d>
+      <a:camera prst="orthographicFront"/>
+      <a:lightRig rig="threePt" dir="t"/>
+    </dgm:scene3d>
+    <dgm:sp3d/>
+    <dgm:txPr/>
+    <dgm:style>
+      <a:lnRef idx="0">
+        <a:scrgbClr r="0" g="0" b="0"/>
+      </a:lnRef>
+      <a:fillRef idx="1">
+        <a:scrgbClr r="0" g="0" b="0"/>
+      </a:fillRef>
+      <a:effectRef idx="0">
+        <a:scrgbClr r="0" g="0" b="0"/>
+      </a:effectRef>
+      <a:fontRef idx="minor">
+        <a:schemeClr val="lt1"/>
+      </a:fontRef>
+    </dgm:style>
+  </dgm:styleLbl>
+  <dgm:styleLbl name="sibTrans1D1">
+    <dgm:scene3d>
+      <a:camera prst="orthographicFront"/>
+      <a:lightRig rig="threePt" dir="t"/>
+    </dgm:scene3d>
+    <dgm:sp3d/>
+    <dgm:txPr/>
+    <dgm:style>
+      <a:lnRef idx="1">
+        <a:scrgbClr r="0" g="0" b="0"/>
+      </a:lnRef>
+      <a:fillRef idx="0">
+        <a:scrgbClr r="0" g="0" b="0"/>
+      </a:fillRef>
+      <a:effectRef idx="0">
+        <a:scrgbClr r="0" g="0" b="0"/>
+      </a:effectRef>
+      <a:fontRef idx="minor"/>
+    </dgm:style>
+  </dgm:styleLbl>
+  <dgm:styleLbl name="callout">
+    <dgm:scene3d>
+      <a:camera prst="orthographicFront"/>
+      <a:lightRig rig="threePt" dir="t"/>
+    </dgm:scene3d>
+    <dgm:sp3d/>
+    <dgm:txPr/>
+    <dgm:style>
+      <a:lnRef idx="2">
+        <a:scrgbClr r="0" g="0" b="0"/>
+      </a:lnRef>
+      <a:fillRef idx="1">
+        <a:scrgbClr r="0" g="0" b="0"/>
+      </a:fillRef>
+      <a:effectRef idx="0">
+        <a:scrgbClr r="0" g="0" b="0"/>
+      </a:effectRef>
+      <a:fontRef idx="minor"/>
+    </dgm:style>
+  </dgm:styleLbl>
+  <dgm:styleLbl name="asst0">
+    <dgm:scene3d>
+      <a:camera prst="orthographicFront"/>
+      <a:lightRig rig="threePt" dir="t"/>
+    </dgm:scene3d>
+    <dgm:sp3d/>
+    <dgm:txPr/>
+    <dgm:style>
+      <a:lnRef idx="2">
+        <a:scrgbClr r="0" g="0" b="0"/>
+      </a:lnRef>
+      <a:fillRef idx="1">
+        <a:scrgbClr r="0" g="0" b="0"/>
+      </a:fillRef>
+      <a:effectRef idx="0">
+        <a:scrgbClr r="0" g="0" b="0"/>
+      </a:effectRef>
+      <a:fontRef idx="minor">
+        <a:schemeClr val="lt1"/>
+      </a:fontRef>
+    </dgm:style>
+  </dgm:styleLbl>
+  <dgm:styleLbl name="asst1">
+    <dgm:scene3d>
+      <a:camera prst="orthographicFront"/>
+      <a:lightRig rig="threePt" dir="t"/>
+    </dgm:scene3d>
+    <dgm:sp3d/>
+    <dgm:txPr/>
+    <dgm:style>
+      <a:lnRef idx="2">
+        <a:scrgbClr r="0" g="0" b="0"/>
+      </a:lnRef>
+      <a:fillRef idx="1">
+        <a:scrgbClr r="0" g="0" b="0"/>
+      </a:fillRef>
+      <a:effectRef idx="0">
+        <a:scrgbClr r="0" g="0" b="0"/>
+      </a:effectRef>
+      <a:fontRef idx="minor">
+        <a:schemeClr val="lt1"/>
+      </a:fontRef>
+    </dgm:style>
+  </dgm:styleLbl>
+  <dgm:styleLbl name="asst2">
+    <dgm:scene3d>
+      <a:camera prst="orthographicFront"/>
+      <a:lightRig rig="threePt" dir="t"/>
+    </dgm:scene3d>
+    <dgm:sp3d/>
+    <dgm:txPr/>
+    <dgm:style>
+      <a:lnRef idx="2">
+        <a:scrgbClr r="0" g="0" b="0"/>
+      </a:lnRef>
+      <a:fillRef idx="1">
+        <a:scrgbClr r="0" g="0" b="0"/>
+      </a:fillRef>
+      <a:effectRef idx="0">
+        <a:scrgbClr r="0" g="0" b="0"/>
+      </a:effectRef>
+      <a:fontRef idx="minor">
+        <a:schemeClr val="lt1"/>
+      </a:fontRef>
+    </dgm:style>
+  </dgm:styleLbl>
+  <dgm:styleLbl name="asst3">
+    <dgm:scene3d>
+      <a:camera prst="orthographicFront"/>
+      <a:lightRig rig="threePt" dir="t"/>
+    </dgm:scene3d>
+    <dgm:sp3d/>
+    <dgm:txPr/>
+    <dgm:style>
+      <a:lnRef idx="2">
+        <a:scrgbClr r="0" g="0" b="0"/>
+      </a:lnRef>
+      <a:fillRef idx="1">
+        <a:scrgbClr r="0" g="0" b="0"/>
+      </a:fillRef>
+      <a:effectRef idx="0">
+        <a:scrgbClr r="0" g="0" b="0"/>
+      </a:effectRef>
+      <a:fontRef idx="minor">
+        <a:schemeClr val="lt1"/>
+      </a:fontRef>
+    </dgm:style>
+  </dgm:styleLbl>
+  <dgm:styleLbl name="asst4">
+    <dgm:scene3d>
+      <a:camera prst="orthographicFront"/>
+      <a:lightRig rig="threePt" dir="t"/>
+    </dgm:scene3d>
+    <dgm:sp3d/>
+    <dgm:txPr/>
+    <dgm:style>
+      <a:lnRef idx="2">
+        <a:scrgbClr r="0" g="0" b="0"/>
+      </a:lnRef>
+      <a:fillRef idx="1">
+        <a:scrgbClr r="0" g="0" b="0"/>
+      </a:fillRef>
+      <a:effectRef idx="0">
+        <a:scrgbClr r="0" g="0" b="0"/>
+      </a:effectRef>
+      <a:fontRef idx="minor">
+        <a:schemeClr val="lt1"/>
+      </a:fontRef>
+    </dgm:style>
+  </dgm:styleLbl>
+  <dgm:styleLbl name="parChTrans2D1">
+    <dgm:scene3d>
+      <a:camera prst="orthographicFront"/>
+      <a:lightRig rig="threePt" dir="t"/>
+    </dgm:scene3d>
+    <dgm:sp3d/>
+    <dgm:txPr/>
+    <dgm:style>
+      <a:lnRef idx="2">
+        <a:scrgbClr r="0" g="0" b="0"/>
+      </a:lnRef>
+      <a:fillRef idx="1">
+        <a:scrgbClr r="0" g="0" b="0"/>
+      </a:fillRef>
+      <a:effectRef idx="0">
+        <a:scrgbClr r="0" g="0" b="0"/>
+      </a:effectRef>
+      <a:fontRef idx="minor">
+        <a:schemeClr val="lt1"/>
+      </a:fontRef>
+    </dgm:style>
+  </dgm:styleLbl>
+  <dgm:styleLbl name="parChTrans2D2">
+    <dgm:scene3d>
+      <a:camera prst="orthographicFront"/>
+      <a:lightRig rig="threePt" dir="t"/>
+    </dgm:scene3d>
+    <dgm:sp3d/>
+    <dgm:txPr/>
+    <dgm:style>
+      <a:lnRef idx="2">
+        <a:scrgbClr r="0" g="0" b="0"/>
+      </a:lnRef>
+      <a:fillRef idx="1">
+        <a:scrgbClr r="0" g="0" b="0"/>
+      </a:fillRef>
+      <a:effectRef idx="0">
+        <a:scrgbClr r="0" g="0" b="0"/>
+      </a:effectRef>
+      <a:fontRef idx="minor">
+        <a:schemeClr val="lt1"/>
+      </a:fontRef>
+    </dgm:style>
+  </dgm:styleLbl>
+  <dgm:styleLbl name="parChTrans2D3">
+    <dgm:scene3d>
+      <a:camera prst="orthographicFront"/>
+      <a:lightRig rig="threePt" dir="t"/>
+    </dgm:scene3d>
+    <dgm:sp3d/>
+    <dgm:txPr/>
+    <dgm:style>
+      <a:lnRef idx="2">
+        <a:scrgbClr r="0" g="0" b="0"/>
+      </a:lnRef>
+      <a:fillRef idx="1">
+        <a:scrgbClr r="0" g="0" b="0"/>
+      </a:fillRef>
+      <a:effectRef idx="0">
+        <a:scrgbClr r="0" g="0" b="0"/>
+      </a:effectRef>
+      <a:fontRef idx="minor">
+        <a:schemeClr val="lt1"/>
+      </a:fontRef>
+    </dgm:style>
+  </dgm:styleLbl>
+  <dgm:styleLbl name="parChTrans2D4">
+    <dgm:scene3d>
+      <a:camera prst="orthographicFront"/>
+      <a:lightRig rig="threePt" dir="t"/>
+    </dgm:scene3d>
+    <dgm:sp3d/>
+    <dgm:txPr/>
+    <dgm:style>
+      <a:lnRef idx="2">
+        <a:scrgbClr r="0" g="0" b="0"/>
+      </a:lnRef>
+      <a:fillRef idx="1">
+        <a:scrgbClr r="0" g="0" b="0"/>
+      </a:fillRef>
+      <a:effectRef idx="0">
+        <a:scrgbClr r="0" g="0" b="0"/>
+      </a:effectRef>
+      <a:fontRef idx="minor">
+        <a:schemeClr val="lt1"/>
+      </a:fontRef>
+    </dgm:style>
+  </dgm:styleLbl>
+  <dgm:styleLbl name="parChTrans1D1">
+    <dgm:scene3d>
+      <a:camera prst="orthographicFront"/>
+      <a:lightRig rig="threePt" dir="t"/>
+    </dgm:scene3d>
+    <dgm:sp3d/>
+    <dgm:txPr/>
+    <dgm:style>
+      <a:lnRef idx="2">
+        <a:scrgbClr r="0" g="0" b="0"/>
+      </a:lnRef>
+      <a:fillRef idx="0">
+        <a:scrgbClr r="0" g="0" b="0"/>
+      </a:fillRef>
+      <a:effectRef idx="0">
+        <a:scrgbClr r="0" g="0" b="0"/>
+      </a:effectRef>
+      <a:fontRef idx="minor"/>
+    </dgm:style>
+  </dgm:styleLbl>
+  <dgm:styleLbl name="parChTrans1D2">
+    <dgm:scene3d>
+      <a:camera prst="orthographicFront"/>
+      <a:lightRig rig="threePt" dir="t"/>
+    </dgm:scene3d>
+    <dgm:sp3d/>
+    <dgm:txPr/>
+    <dgm:style>
+      <a:lnRef idx="2">
+        <a:scrgbClr r="0" g="0" b="0"/>
+      </a:lnRef>
+      <a:fillRef idx="0">
+        <a:scrgbClr r="0" g="0" b="0"/>
+      </a:fillRef>
+      <a:effectRef idx="0">
+        <a:scrgbClr r="0" g="0" b="0"/>
+      </a:effectRef>
+      <a:fontRef idx="minor"/>
+    </dgm:style>
+  </dgm:styleLbl>
+  <dgm:styleLbl name="parChTrans1D3">
+    <dgm:scene3d>
+      <a:camera prst="orthographicFront"/>
+      <a:lightRig rig="threePt" dir="t"/>
+    </dgm:scene3d>
+    <dgm:sp3d/>
+    <dgm:txPr/>
+    <dgm:style>
+      <a:lnRef idx="2">
+        <a:scrgbClr r="0" g="0" b="0"/>
+      </a:lnRef>
+      <a:fillRef idx="0">
+        <a:scrgbClr r="0" g="0" b="0"/>
+      </a:fillRef>
+      <a:effectRef idx="0">
+        <a:scrgbClr r="0" g="0" b="0"/>
+      </a:effectRef>
+      <a:fontRef idx="minor"/>
+    </dgm:style>
+  </dgm:styleLbl>
+  <dgm:styleLbl name="parChTrans1D4">
+    <dgm:scene3d>
+      <a:camera prst="orthographicFront"/>
+      <a:lightRig rig="threePt" dir="t"/>
+    </dgm:scene3d>
+    <dgm:sp3d/>
+    <dgm:txPr/>
+    <dgm:style>
+      <a:lnRef idx="2">
+        <a:scrgbClr r="0" g="0" b="0"/>
+      </a:lnRef>
+      <a:fillRef idx="0">
+        <a:scrgbClr r="0" g="0" b="0"/>
+      </a:fillRef>
+      <a:effectRef idx="0">
+        <a:scrgbClr r="0" g="0" b="0"/>
+      </a:effectRef>
+      <a:fontRef idx="minor"/>
+    </dgm:style>
+  </dgm:styleLbl>
+  <dgm:styleLbl name="fgAcc1">
+    <dgm:scene3d>
+      <a:camera prst="orthographicFront"/>
+      <a:lightRig rig="threePt" dir="t"/>
+    </dgm:scene3d>
+    <dgm:sp3d/>
+    <dgm:txPr/>
+    <dgm:style>
+      <a:lnRef idx="2">
+        <a:scrgbClr r="0" g="0" b="0"/>
+      </a:lnRef>
+      <a:fillRef idx="1">
+        <a:scrgbClr r="0" g="0" b="0"/>
+      </a:fillRef>
+      <a:effectRef idx="0">
+        <a:scrgbClr r="0" g="0" b="0"/>
+      </a:effectRef>
+      <a:fontRef idx="minor"/>
+    </dgm:style>
+  </dgm:styleLbl>
+  <dgm:styleLbl name="conFgAcc1">
+    <dgm:scene3d>
+      <a:camera prst="orthographicFront"/>
+      <a:lightRig rig="threePt" dir="t"/>
+    </dgm:scene3d>
+    <dgm:sp3d/>
+    <dgm:txPr/>
+    <dgm:style>
+      <a:lnRef idx="2">
+        <a:scrgbClr r="0" g="0" b="0"/>
+      </a:lnRef>
+      <a:fillRef idx="1">
+        <a:scrgbClr r="0" g="0" b="0"/>
+      </a:fillRef>
+      <a:effectRef idx="0">
+        <a:scrgbClr r="0" g="0" b="0"/>
+      </a:effectRef>
+      <a:fontRef idx="minor"/>
+    </dgm:style>
+  </dgm:styleLbl>
+  <dgm:styleLbl name="alignAcc1">
+    <dgm:scene3d>
+      <a:camera prst="orthographicFront"/>
+      <a:lightRig rig="threePt" dir="t"/>
+    </dgm:scene3d>
+    <dgm:sp3d/>
+    <dgm:txPr/>
+    <dgm:style>
+      <a:lnRef idx="2">
+        <a:scrgbClr r="0" g="0" b="0"/>
+      </a:lnRef>
+      <a:fillRef idx="1">
+        <a:scrgbClr r="0" g="0" b="0"/>
+      </a:fillRef>
+      <a:effectRef idx="0">
+        <a:scrgbClr r="0" g="0" b="0"/>
+      </a:effectRef>
+      <a:fontRef idx="minor"/>
+    </dgm:style>
+  </dgm:styleLbl>
+  <dgm:styleLbl name="trAlignAcc1">
+    <dgm:scene3d>
+      <a:camera prst="orthographicFront"/>
+      <a:lightRig rig="threePt" dir="t"/>
+    </dgm:scene3d>
+    <dgm:sp3d/>
+    <dgm:txPr/>
+    <dgm:style>
+      <a:lnRef idx="1">
+        <a:scrgbClr r="0" g="0" b="0"/>
+      </a:lnRef>
+      <a:fillRef idx="1">
+        <a:scrgbClr r="0" g="0" b="0"/>
+      </a:fillRef>
+      <a:effectRef idx="0">
+        <a:scrgbClr r="0" g="0" b="0"/>
+      </a:effectRef>
+      <a:fontRef idx="minor"/>
+    </dgm:style>
+  </dgm:styleLbl>
+  <dgm:styleLbl name="bgAcc1">
+    <dgm:scene3d>
+      <a:camera prst="orthographicFront"/>
+      <a:lightRig rig="threePt" dir="t"/>
+    </dgm:scene3d>
+    <dgm:sp3d/>
+    <dgm:txPr/>
+    <dgm:style>
+      <a:lnRef idx="2">
+        <a:scrgbClr r="0" g="0" b="0"/>
+      </a:lnRef>
+      <a:fillRef idx="1">
+        <a:scrgbClr r="0" g="0" b="0"/>
+      </a:fillRef>
+      <a:effectRef idx="0">
+        <a:scrgbClr r="0" g="0" b="0"/>
+      </a:effectRef>
+      <a:fontRef idx="minor"/>
+    </dgm:style>
+  </dgm:styleLbl>
+  <dgm:styleLbl name="solidFgAcc1">
+    <dgm:scene3d>
+      <a:camera prst="orthographicFront"/>
+      <a:lightRig rig="threePt" dir="t"/>
+    </dgm:scene3d>
+    <dgm:sp3d/>
+    <dgm:txPr/>
+    <dgm:style>
+      <a:lnRef idx="2">
+        <a:scrgbClr r="0" g="0" b="0"/>
+      </a:lnRef>
+      <a:fillRef idx="1">
+        <a:scrgbClr r="0" g="0" b="0"/>
+      </a:fillRef>
+      <a:effectRef idx="0">
+        <a:scrgbClr r="0" g="0" b="0"/>
+      </a:effectRef>
+      <a:fontRef idx="minor"/>
+    </dgm:style>
+  </dgm:styleLbl>
+  <dgm:styleLbl name="solidAlignAcc1">
+    <dgm:scene3d>
+      <a:camera prst="orthographicFront"/>
+      <a:lightRig rig="threePt" dir="t"/>
+    </dgm:scene3d>
+    <dgm:sp3d/>
+    <dgm:txPr/>
+    <dgm:style>
+      <a:lnRef idx="2">
+        <a:scrgbClr r="0" g="0" b="0"/>
+      </a:lnRef>
+      <a:fillRef idx="1">
+        <a:scrgbClr r="0" g="0" b="0"/>
+      </a:fillRef>
+      <a:effectRef idx="0">
+        <a:scrgbClr r="0" g="0" b="0"/>
+      </a:effectRef>
+      <a:fontRef idx="minor"/>
+    </dgm:style>
+  </dgm:styleLbl>
+  <dgm:styleLbl name="solidBgAcc1">
+    <dgm:scene3d>
+      <a:camera prst="orthographicFront"/>
+      <a:lightRig rig="threePt" dir="t"/>
+    </dgm:scene3d>
+    <dgm:sp3d/>
+    <dgm:txPr/>
+    <dgm:style>
+      <a:lnRef idx="2">
+        <a:scrgbClr r="0" g="0" b="0"/>
+      </a:lnRef>
+      <a:fillRef idx="1">
+        <a:scrgbClr r="0" g="0" b="0"/>
+      </a:fillRef>
+      <a:effectRef idx="0">
+        <a:scrgbClr r="0" g="0" b="0"/>
+      </a:effectRef>
+      <a:fontRef idx="minor"/>
+    </dgm:style>
+  </dgm:styleLbl>
+  <dgm:styleLbl name="fgAccFollowNode1">
+    <dgm:scene3d>
+      <a:camera prst="orthographicFront"/>
+      <a:lightRig rig="threePt" dir="t"/>
+    </dgm:scene3d>
+    <dgm:sp3d/>
+    <dgm:txPr/>
+    <dgm:style>
+      <a:lnRef idx="2">
+        <a:scrgbClr r="0" g="0" b="0"/>
+      </a:lnRef>
+      <a:fillRef idx="1">
+        <a:scrgbClr r="0" g="0" b="0"/>
+      </a:fillRef>
+      <a:effectRef idx="0">
+        <a:scrgbClr r="0" g="0" b="0"/>
+      </a:effectRef>
+      <a:fontRef idx="minor"/>
+    </dgm:style>
+  </dgm:styleLbl>
+  <dgm:styleLbl name="alignAccFollowNode1">
+    <dgm:scene3d>
+      <a:camera prst="orthographicFront"/>
+      <a:lightRig rig="threePt" dir="t"/>
+    </dgm:scene3d>
+    <dgm:sp3d/>
+    <dgm:txPr/>
+    <dgm:style>
+      <a:lnRef idx="2">
+        <a:scrgbClr r="0" g="0" b="0"/>
+      </a:lnRef>
+      <a:fillRef idx="1">
+        <a:scrgbClr r="0" g="0" b="0"/>
+      </a:fillRef>
+      <a:effectRef idx="0">
+        <a:scrgbClr r="0" g="0" b="0"/>
+      </a:effectRef>
+      <a:fontRef idx="minor"/>
+    </dgm:style>
+  </dgm:styleLbl>
+  <dgm:styleLbl name="bgAccFollowNode1">
+    <dgm:scene3d>
+      <a:camera prst="orthographicFront"/>
+      <a:lightRig rig="threePt" dir="t"/>
+    </dgm:scene3d>
+    <dgm:sp3d/>
+    <dgm:txPr/>
+    <dgm:style>
+      <a:lnRef idx="2">
+        <a:scrgbClr r="0" g="0" b="0"/>
+      </a:lnRef>
+      <a:fillRef idx="1">
+        <a:scrgbClr r="0" g="0" b="0"/>
+      </a:fillRef>
+      <a:effectRef idx="0">
+        <a:scrgbClr r="0" g="0" b="0"/>
+      </a:effectRef>
+      <a:fontRef idx="minor"/>
+    </dgm:style>
+  </dgm:styleLbl>
+  <dgm:styleLbl name="fgAcc0">
+    <dgm:scene3d>
+      <a:camera prst="orthographicFront"/>
+      <a:lightRig rig="threePt" dir="t"/>
+    </dgm:scene3d>
+    <dgm:sp3d/>
+    <dgm:txPr/>
+    <dgm:style>
+      <a:lnRef idx="2">
+        <a:scrgbClr r="0" g="0" b="0"/>
+      </a:lnRef>
+      <a:fillRef idx="1">
+        <a:scrgbClr r="0" g="0" b="0"/>
+      </a:fillRef>
+      <a:effectRef idx="0">
+        <a:scrgbClr r="0" g="0" b="0"/>
+      </a:effectRef>
+      <a:fontRef idx="minor"/>
+    </dgm:style>
+  </dgm:styleLbl>
+  <dgm:styleLbl name="fgAcc2">
+    <dgm:scene3d>
+      <a:camera prst="orthographicFront"/>
+      <a:lightRig rig="threePt" dir="t"/>
+    </dgm:scene3d>
+    <dgm:sp3d/>
+    <dgm:txPr/>
+    <dgm:style>
+      <a:lnRef idx="2">
+        <a:scrgbClr r="0" g="0" b="0"/>
+      </a:lnRef>
+      <a:fillRef idx="1">
+        <a:scrgbClr r="0" g="0" b="0"/>
+      </a:fillRef>
+      <a:effectRef idx="0">
+        <a:scrgbClr r="0" g="0" b="0"/>
+      </a:effectRef>
+      <a:fontRef idx="minor"/>
+    </dgm:style>
+  </dgm:styleLbl>
+  <dgm:styleLbl name="fgAcc3">
+    <dgm:scene3d>
+      <a:camera prst="orthographicFront"/>
+      <a:lightRig rig="threePt" dir="t"/>
+    </dgm:scene3d>
+    <dgm:sp3d/>
+    <dgm:txPr/>
+    <dgm:style>
+      <a:lnRef idx="2">
+        <a:scrgbClr r="0" g="0" b="0"/>
+      </a:lnRef>
+      <a:fillRef idx="1">
+        <a:scrgbClr r="0" g="0" b="0"/>
+      </a:fillRef>
+      <a:effectRef idx="0">
+        <a:scrgbClr r="0" g="0" b="0"/>
+      </a:effectRef>
+      <a:fontRef idx="minor"/>
+    </dgm:style>
+  </dgm:styleLbl>
+  <dgm:styleLbl name="fgAcc4">
+    <dgm:scene3d>
+      <a:camera prst="orthographicFront"/>
+      <a:lightRig rig="threePt" dir="t"/>
+    </dgm:scene3d>
+    <dgm:sp3d/>
+    <dgm:txPr/>
+    <dgm:style>
+      <a:lnRef idx="2">
+        <a:scrgbClr r="0" g="0" b="0"/>
+      </a:lnRef>
+      <a:fillRef idx="1">
+        <a:scrgbClr r="0" g="0" b="0"/>
+      </a:fillRef>
+      <a:effectRef idx="0">
+        <a:scrgbClr r="0" g="0" b="0"/>
+      </a:effectRef>
+      <a:fontRef idx="minor"/>
+    </dgm:style>
+  </dgm:styleLbl>
+  <dgm:styleLbl name="bgShp">
+    <dgm:scene3d>
+      <a:camera prst="orthographicFront"/>
+      <a:lightRig rig="threePt" dir="t"/>
+    </dgm:scene3d>
+    <dgm:sp3d/>
+    <dgm:txPr/>
+    <dgm:style>
+      <a:lnRef idx="0">
+        <a:scrgbClr r="0" g="0" b="0"/>
+      </a:lnRef>
+      <a:fillRef idx="1">
+        <a:scrgbClr r="0" g="0" b="0"/>
+      </a:fillRef>
+      <a:effectRef idx="0">
+        <a:scrgbClr r="0" g="0" b="0"/>
+      </a:effectRef>
+      <a:fontRef idx="minor"/>
+    </dgm:style>
+  </dgm:styleLbl>
+  <dgm:styleLbl name="dkBgShp">
+    <dgm:scene3d>
+      <a:camera prst="orthographicFront"/>
+      <a:lightRig rig="threePt" dir="t"/>
+    </dgm:scene3d>
+    <dgm:sp3d/>
+    <dgm:txPr/>
+    <dgm:style>
+      <a:lnRef idx="0">
+        <a:scrgbClr r="0" g="0" b="0"/>
+      </a:lnRef>
+      <a:fillRef idx="1">
+        <a:scrgbClr r="0" g="0" b="0"/>
+      </a:fillRef>
+      <a:effectRef idx="0">
+        <a:scrgbClr r="0" g="0" b="0"/>
+      </a:effectRef>
+      <a:fontRef idx="minor"/>
+    </dgm:style>
+  </dgm:styleLbl>
+  <dgm:styleLbl name="trBgShp">
+    <dgm:scene3d>
+      <a:camera prst="orthographicFront"/>
+      <a:lightRig rig="threePt" dir="t"/>
+    </dgm:scene3d>
+    <dgm:sp3d/>
+    <dgm:txPr/>
+    <dgm:style>
+      <a:lnRef idx="0">
+        <a:scrgbClr r="0" g="0" b="0"/>
+      </a:lnRef>
+      <a:fillRef idx="1">
+        <a:scrgbClr r="0" g="0" b="0"/>
+      </a:fillRef>
+      <a:effectRef idx="0">
+        <a:scrgbClr r="0" g="0" b="0"/>
+      </a:effectRef>
+      <a:fontRef idx="minor"/>
+    </dgm:style>
+  </dgm:styleLbl>
+  <dgm:styleLbl name="fgShp">
+    <dgm:scene3d>
+      <a:camera prst="orthographicFront"/>
+      <a:lightRig rig="threePt" dir="t"/>
+    </dgm:scene3d>
+    <dgm:sp3d/>
+    <dgm:txPr/>
+    <dgm:style>
+      <a:lnRef idx="2">
+        <a:scrgbClr r="0" g="0" b="0"/>
+      </a:lnRef>
+      <a:fillRef idx="1">
+        <a:scrgbClr r="0" g="0" b="0"/>
+      </a:fillRef>
+      <a:effectRef idx="0">
+        <a:scrgbClr r="0" g="0" b="0"/>
+      </a:effectRef>
+      <a:fontRef idx="minor"/>
+    </dgm:style>
+  </dgm:styleLbl>
+  <dgm:styleLbl name="revTx">
+    <dgm:scene3d>
+      <a:camera prst="orthographicFront"/>
+      <a:lightRig rig="threePt" dir="t"/>
+    </dgm:scene3d>
+    <dgm:sp3d/>
+    <dgm:txPr/>
+    <dgm:style>
+      <a:lnRef idx="0">
+        <a:scrgbClr r="0" g="0" b="0"/>
+      </a:lnRef>
+      <a:fillRef idx="0">
+        <a:scrgbClr r="0" g="0" b="0"/>
+      </a:fillRef>
+      <a:effectRef idx="0">
+        <a:scrgbClr r="0" g="0" b="0"/>
+      </a:effectRef>
+      <a:fontRef idx="minor"/>
+    </dgm:style>
+  </dgm:styleLbl>
+</dgm:styleDef>
+</file>
+
 <file path=ppt/notesMasters/notesMaster1.xml><?xml version="1.0" encoding="utf-8"?>
 <p:notesMaster xmlns:a="http://schemas.openxmlformats.org/drawingml/2006/main" xmlns:r="http://schemas.openxmlformats.org/officeDocument/2006/relationships" xmlns:p="http://schemas.openxmlformats.org/presentationml/2006/main">
   <p:cSld>
@@ -9978,7 +14173,7 @@
           <a:p>
             <a:fld id="{57070384-08F7-42DB-936D-68C9BA0A1AA9}" type="datetimeFigureOut">
               <a:rPr lang="en-US" smtClean="0"/>
-              <a:t>10/13/2019</a:t>
+              <a:t>10/14/2019</a:t>
             </a:fld>
             <a:endParaRPr lang="en-US"/>
           </a:p>
@@ -10560,7 +14755,7 @@
           <a:p>
             <a:fld id="{93C6802F-8BB5-44AC-B46B-1ABC078DC682}" type="datetimeFigureOut">
               <a:rPr lang="en-US" smtClean="0"/>
-              <a:t>10/13/2019</a:t>
+              <a:t>10/14/2019</a:t>
             </a:fld>
             <a:endParaRPr lang="en-US"/>
           </a:p>
@@ -10758,7 +14953,7 @@
           <a:p>
             <a:fld id="{93C6802F-8BB5-44AC-B46B-1ABC078DC682}" type="datetimeFigureOut">
               <a:rPr lang="en-US" smtClean="0"/>
-              <a:t>10/13/2019</a:t>
+              <a:t>10/14/2019</a:t>
             </a:fld>
             <a:endParaRPr lang="en-US"/>
           </a:p>
@@ -10966,7 +15161,7 @@
           <a:p>
             <a:fld id="{93C6802F-8BB5-44AC-B46B-1ABC078DC682}" type="datetimeFigureOut">
               <a:rPr lang="en-US" smtClean="0"/>
-              <a:t>10/13/2019</a:t>
+              <a:t>10/14/2019</a:t>
             </a:fld>
             <a:endParaRPr lang="en-US"/>
           </a:p>
@@ -11164,7 +15359,7 @@
           <a:p>
             <a:fld id="{93C6802F-8BB5-44AC-B46B-1ABC078DC682}" type="datetimeFigureOut">
               <a:rPr lang="en-US" smtClean="0"/>
-              <a:t>10/13/2019</a:t>
+              <a:t>10/14/2019</a:t>
             </a:fld>
             <a:endParaRPr lang="en-US"/>
           </a:p>
@@ -11439,7 +15634,7 @@
           <a:p>
             <a:fld id="{93C6802F-8BB5-44AC-B46B-1ABC078DC682}" type="datetimeFigureOut">
               <a:rPr lang="en-US" smtClean="0"/>
-              <a:t>10/13/2019</a:t>
+              <a:t>10/14/2019</a:t>
             </a:fld>
             <a:endParaRPr lang="en-US"/>
           </a:p>
@@ -11704,7 +15899,7 @@
           <a:p>
             <a:fld id="{93C6802F-8BB5-44AC-B46B-1ABC078DC682}" type="datetimeFigureOut">
               <a:rPr lang="en-US" smtClean="0"/>
-              <a:t>10/13/2019</a:t>
+              <a:t>10/14/2019</a:t>
             </a:fld>
             <a:endParaRPr lang="en-US"/>
           </a:p>
@@ -12116,7 +16311,7 @@
           <a:p>
             <a:fld id="{93C6802F-8BB5-44AC-B46B-1ABC078DC682}" type="datetimeFigureOut">
               <a:rPr lang="en-US" smtClean="0"/>
-              <a:t>10/13/2019</a:t>
+              <a:t>10/14/2019</a:t>
             </a:fld>
             <a:endParaRPr lang="en-US"/>
           </a:p>
@@ -12257,7 +16452,7 @@
           <a:p>
             <a:fld id="{93C6802F-8BB5-44AC-B46B-1ABC078DC682}" type="datetimeFigureOut">
               <a:rPr lang="en-US" smtClean="0"/>
-              <a:t>10/13/2019</a:t>
+              <a:t>10/14/2019</a:t>
             </a:fld>
             <a:endParaRPr lang="en-US"/>
           </a:p>
@@ -12370,7 +16565,7 @@
           <a:p>
             <a:fld id="{93C6802F-8BB5-44AC-B46B-1ABC078DC682}" type="datetimeFigureOut">
               <a:rPr lang="en-US" smtClean="0"/>
-              <a:t>10/13/2019</a:t>
+              <a:t>10/14/2019</a:t>
             </a:fld>
             <a:endParaRPr lang="en-US"/>
           </a:p>
@@ -12681,7 +16876,7 @@
           <a:p>
             <a:fld id="{93C6802F-8BB5-44AC-B46B-1ABC078DC682}" type="datetimeFigureOut">
               <a:rPr lang="en-US" smtClean="0"/>
-              <a:t>10/13/2019</a:t>
+              <a:t>10/14/2019</a:t>
             </a:fld>
             <a:endParaRPr lang="en-US"/>
           </a:p>
@@ -12969,7 +17164,7 @@
           <a:p>
             <a:fld id="{93C6802F-8BB5-44AC-B46B-1ABC078DC682}" type="datetimeFigureOut">
               <a:rPr lang="en-US" smtClean="0"/>
-              <a:t>10/13/2019</a:t>
+              <a:t>10/14/2019</a:t>
             </a:fld>
             <a:endParaRPr lang="en-US"/>
           </a:p>
@@ -13210,7 +17405,7 @@
           <a:p>
             <a:fld id="{93C6802F-8BB5-44AC-B46B-1ABC078DC682}" type="datetimeFigureOut">
               <a:rPr lang="en-US" smtClean="0"/>
-              <a:t>10/13/2019</a:t>
+              <a:t>10/14/2019</a:t>
             </a:fld>
             <a:endParaRPr lang="en-US"/>
           </a:p>
@@ -13645,10 +17840,45 @@
         </p:nvSpPr>
         <p:spPr/>
         <p:txBody>
-          <a:bodyPr/>
+          <a:bodyPr>
+            <a:normAutofit fontScale="90000"/>
+          </a:bodyPr>
           <a:lstStyle/>
           <a:p>
-            <a:endParaRPr lang="en-US" dirty="0"/>
+            <a:r>
+              <a:rPr lang="en-US" dirty="0"/>
+              <a:t>Deploying and </a:t>
+            </a:r>
+            <a:r>
+              <a:rPr lang="en-US"/>
+              <a:t>Developing </a:t>
+            </a:r>
+            <a:br>
+              <a:rPr lang="en-US"/>
+            </a:br>
+            <a:r>
+              <a:rPr lang="en-US"/>
+              <a:t>Azure </a:t>
+            </a:r>
+            <a:r>
+              <a:rPr lang="en-US" dirty="0"/>
+              <a:t>Solutions </a:t>
+            </a:r>
+            <a:r>
+              <a:rPr lang="en-US"/>
+              <a:t>Using Modern</a:t>
+            </a:r>
+            <a:br>
+              <a:rPr lang="en-US"/>
+            </a:br>
+            <a:r>
+              <a:rPr lang="en-US"/>
+              <a:t>Cross-Platform </a:t>
+            </a:r>
+            <a:r>
+              <a:rPr lang="en-US" dirty="0"/>
+              <a:t>Tools</a:t>
+            </a:r>
           </a:p>
         </p:txBody>
       </p:sp>
@@ -13673,7 +17903,10 @@
           <a:bodyPr/>
           <a:lstStyle/>
           <a:p>
-            <a:endParaRPr lang="en-US"/>
+            <a:r>
+              <a:rPr lang="en-US"/>
+              <a:t>Marc Jellinek</a:t>
+            </a:r>
           </a:p>
         </p:txBody>
       </p:sp>
@@ -14240,7 +18473,10 @@
               <a:rPr lang="en-US" dirty="0" err="1"/>
               <a:t>dbo.Employees</a:t>
             </a:r>
-            <a:endParaRPr lang="en-US" dirty="0"/>
+            <a:r>
+              <a:rPr lang="en-US" dirty="0"/>
+              <a:t> 100 rows test data</a:t>
+            </a:r>
           </a:p>
         </p:txBody>
       </p:sp>
@@ -14338,7 +18574,10 @@
               <a:rPr lang="en-US" dirty="0" err="1"/>
               <a:t>dim.Employee</a:t>
             </a:r>
-            <a:endParaRPr lang="en-US" dirty="0"/>
+            <a:r>
+              <a:rPr lang="en-US" dirty="0"/>
+              <a:t> 0 rows</a:t>
+            </a:r>
           </a:p>
           <a:p>
             <a:pPr lvl="1"/>
@@ -14350,7 +18589,10 @@
               <a:rPr lang="en-US" dirty="0" err="1"/>
               <a:t>dim.Employee_History</a:t>
             </a:r>
-            <a:endParaRPr lang="en-US" dirty="0"/>
+            <a:r>
+              <a:rPr lang="en-US" dirty="0"/>
+              <a:t> 0 rows</a:t>
+            </a:r>
           </a:p>
           <a:p>
             <a:pPr lvl="1"/>
@@ -17422,7 +21664,7 @@
           <p:nvPr>
             <p:extLst>
               <p:ext uri="{D42A27DB-BD31-4B8C-83A1-F6EECF244321}">
-                <p14:modId xmlns:p14="http://schemas.microsoft.com/office/powerpoint/2010/main" val="2678512110"/>
+                <p14:modId xmlns:p14="http://schemas.microsoft.com/office/powerpoint/2010/main" val="626992438"/>
               </p:ext>
             </p:extLst>
           </p:nvPr>
@@ -17526,7 +21768,7 @@
                     <a:p>
                       <a:r>
                         <a:rPr lang="en-US" dirty="0" err="1"/>
-                        <a:t>dbo.Employees_History</a:t>
+                        <a:t>dim.Employees_History</a:t>
                       </a:r>
                       <a:endParaRPr lang="en-US" dirty="0"/>
                     </a:p>
@@ -19421,7 +23663,7 @@
           <a:p>
             <a:r>
               <a:rPr lang="en-US" dirty="0"/>
-              <a:t>These batches will execution serially, one-after-the-other</a:t>
+              <a:t>These batches will execute serially, one-after-the-other</a:t>
             </a:r>
           </a:p>
           <a:p>
@@ -23559,10 +27801,15 @@
             <p:ph idx="1"/>
           </p:nvPr>
         </p:nvSpPr>
-        <p:spPr/>
+        <p:spPr>
+          <a:xfrm>
+            <a:off x="838200" y="1825625"/>
+            <a:ext cx="3924631" cy="4351338"/>
+          </a:xfrm>
+        </p:spPr>
         <p:txBody>
           <a:bodyPr>
-            <a:normAutofit fontScale="92500" lnSpcReduction="10000"/>
+            <a:normAutofit fontScale="62500" lnSpcReduction="20000"/>
           </a:bodyPr>
           <a:lstStyle/>
           <a:p>
@@ -23637,8 +27884,42 @@
               <a:t>Step 8:  Validate that expected data lands in Target Database</a:t>
             </a:r>
           </a:p>
+          <a:p>
+            <a:pPr marL="0" indent="0">
+              <a:buNone/>
+            </a:pPr>
+            <a:endParaRPr lang="en-US" dirty="0"/>
+          </a:p>
         </p:txBody>
       </p:sp>
+      <p:graphicFrame>
+        <p:nvGraphicFramePr>
+          <p:cNvPr id="4" name="Diagram 3">
+            <a:extLst>
+              <a:ext uri="{FF2B5EF4-FFF2-40B4-BE49-F238E27FC236}">
+                <a16:creationId xmlns:a16="http://schemas.microsoft.com/office/drawing/2014/main" id="{3BE84D3D-87D9-4F97-AFC1-D535A553BB4C}"/>
+              </a:ext>
+            </a:extLst>
+          </p:cNvPr>
+          <p:cNvGraphicFramePr/>
+          <p:nvPr>
+            <p:extLst>
+              <p:ext uri="{D42A27DB-BD31-4B8C-83A1-F6EECF244321}">
+                <p14:modId xmlns:p14="http://schemas.microsoft.com/office/powerpoint/2010/main" val="2846888300"/>
+              </p:ext>
+            </p:extLst>
+          </p:nvPr>
+        </p:nvGraphicFramePr>
+        <p:xfrm>
+          <a:off x="4842344" y="719667"/>
+          <a:ext cx="5317655" cy="5315374"/>
+        </p:xfrm>
+        <a:graphic>
+          <a:graphicData uri="http://schemas.openxmlformats.org/drawingml/2006/diagram">
+            <dgm:relIds xmlns:dgm="http://schemas.openxmlformats.org/drawingml/2006/diagram" xmlns:r="http://schemas.openxmlformats.org/officeDocument/2006/relationships" r:dm="rId2" r:lo="rId3" r:qs="rId4" r:cs="rId5"/>
+          </a:graphicData>
+        </a:graphic>
+      </p:graphicFrame>
     </p:spTree>
     <p:extLst>
       <p:ext uri="{BB962C8B-B14F-4D97-AF65-F5344CB8AC3E}">

--- a/AzDataFactoryDemo_SqlSpSink.pptx
+++ b/AzDataFactoryDemo_SqlSpSink.pptx
@@ -168,12 +168,12 @@
   <pc:docChgLst>
     <pc:chgData name="Marc Jellinek" userId="b94e775c42e2e773" providerId="LiveId" clId="{1EA7A637-13B6-4C16-A09A-92536B4596CF}"/>
     <pc:docChg chg="undo custSel addSld delSld modSld sldOrd">
-      <pc:chgData name="Marc Jellinek" userId="b94e775c42e2e773" providerId="LiveId" clId="{1EA7A637-13B6-4C16-A09A-92536B4596CF}" dt="2019-10-15T02:19:31.928" v="7138" actId="20577"/>
+      <pc:chgData name="Marc Jellinek" userId="b94e775c42e2e773" providerId="LiveId" clId="{1EA7A637-13B6-4C16-A09A-92536B4596CF}" dt="2019-10-21T17:36:50.731" v="7339" actId="20577"/>
       <pc:docMkLst>
         <pc:docMk/>
       </pc:docMkLst>
       <pc:sldChg chg="modSp">
-        <pc:chgData name="Marc Jellinek" userId="b94e775c42e2e773" providerId="LiveId" clId="{1EA7A637-13B6-4C16-A09A-92536B4596CF}" dt="2019-10-15T02:19:31.928" v="7138" actId="20577"/>
+        <pc:chgData name="Marc Jellinek" userId="b94e775c42e2e773" providerId="LiveId" clId="{1EA7A637-13B6-4C16-A09A-92536B4596CF}" dt="2019-10-21T17:29:38.528" v="7281" actId="27636"/>
         <pc:sldMkLst>
           <pc:docMk/>
           <pc:sldMk cId="2833334754" sldId="256"/>
@@ -187,7 +187,7 @@
           </ac:spMkLst>
         </pc:spChg>
         <pc:spChg chg="mod">
-          <ac:chgData name="Marc Jellinek" userId="b94e775c42e2e773" providerId="LiveId" clId="{1EA7A637-13B6-4C16-A09A-92536B4596CF}" dt="2019-10-15T01:43:29.136" v="7131" actId="20577"/>
+          <ac:chgData name="Marc Jellinek" userId="b94e775c42e2e773" providerId="LiveId" clId="{1EA7A637-13B6-4C16-A09A-92536B4596CF}" dt="2019-10-21T17:29:38.528" v="7281" actId="27636"/>
           <ac:spMkLst>
             <pc:docMk/>
             <pc:sldMk cId="2833334754" sldId="256"/>
@@ -196,13 +196,13 @@
         </pc:spChg>
       </pc:sldChg>
       <pc:sldChg chg="modSp">
-        <pc:chgData name="Marc Jellinek" userId="b94e775c42e2e773" providerId="LiveId" clId="{1EA7A637-13B6-4C16-A09A-92536B4596CF}" dt="2019-10-14T00:15:37.419" v="6520" actId="20577"/>
+        <pc:chgData name="Marc Jellinek" userId="b94e775c42e2e773" providerId="LiveId" clId="{1EA7A637-13B6-4C16-A09A-92536B4596CF}" dt="2019-10-21T17:32:20.310" v="7305" actId="20577"/>
         <pc:sldMkLst>
           <pc:docMk/>
           <pc:sldMk cId="3158512884" sldId="257"/>
         </pc:sldMkLst>
         <pc:spChg chg="mod">
-          <ac:chgData name="Marc Jellinek" userId="b94e775c42e2e773" providerId="LiveId" clId="{1EA7A637-13B6-4C16-A09A-92536B4596CF}" dt="2019-10-14T00:15:37.419" v="6520" actId="20577"/>
+          <ac:chgData name="Marc Jellinek" userId="b94e775c42e2e773" providerId="LiveId" clId="{1EA7A637-13B6-4C16-A09A-92536B4596CF}" dt="2019-10-21T17:32:20.310" v="7305" actId="20577"/>
           <ac:spMkLst>
             <pc:docMk/>
             <pc:sldMk cId="3158512884" sldId="257"/>
@@ -234,7 +234,7 @@
         </pc:graphicFrameChg>
       </pc:sldChg>
       <pc:sldChg chg="addSp modSp">
-        <pc:chgData name="Marc Jellinek" userId="b94e775c42e2e773" providerId="LiveId" clId="{1EA7A637-13B6-4C16-A09A-92536B4596CF}" dt="2019-10-14T01:06:22.332" v="6968" actId="14100"/>
+        <pc:chgData name="Marc Jellinek" userId="b94e775c42e2e773" providerId="LiveId" clId="{1EA7A637-13B6-4C16-A09A-92536B4596CF}" dt="2019-10-21T17:36:50.731" v="7339" actId="20577"/>
         <pc:sldMkLst>
           <pc:docMk/>
           <pc:sldMk cId="1366597754" sldId="259"/>
@@ -248,7 +248,7 @@
           </ac:spMkLst>
         </pc:spChg>
         <pc:graphicFrameChg chg="add mod">
-          <ac:chgData name="Marc Jellinek" userId="b94e775c42e2e773" providerId="LiveId" clId="{1EA7A637-13B6-4C16-A09A-92536B4596CF}" dt="2019-10-14T01:06:22.332" v="6968" actId="14100"/>
+          <ac:chgData name="Marc Jellinek" userId="b94e775c42e2e773" providerId="LiveId" clId="{1EA7A637-13B6-4C16-A09A-92536B4596CF}" dt="2019-10-21T17:36:50.731" v="7339" actId="20577"/>
           <ac:graphicFrameMkLst>
             <pc:docMk/>
             <pc:sldMk cId="1366597754" sldId="259"/>
@@ -4386,6 +4386,50 @@
         </a:p>
       </dgm:t>
     </dgm:pt>
+    <dgm:pt modelId="{30C67D2A-AF42-4755-A30D-37AA25F225C4}">
+      <dgm:prSet phldrT="[Text]"/>
+      <dgm:spPr/>
+      <dgm:t>
+        <a:bodyPr/>
+        <a:lstStyle/>
+        <a:p>
+          <a:r>
+            <a:rPr lang="en-US" dirty="0"/>
+            <a:t>Target Server</a:t>
+          </a:r>
+        </a:p>
+      </dgm:t>
+    </dgm:pt>
+    <dgm:pt modelId="{07B19707-1B28-4929-8FCD-1FFF7AA5773E}" type="parTrans" cxnId="{C3923CCC-77A8-4223-91E9-7A331AD501A5}">
+      <dgm:prSet/>
+      <dgm:spPr/>
+    </dgm:pt>
+    <dgm:pt modelId="{781BEC80-35D0-43B8-8934-751AEC48A3E2}" type="sibTrans" cxnId="{C3923CCC-77A8-4223-91E9-7A331AD501A5}">
+      <dgm:prSet/>
+      <dgm:spPr/>
+    </dgm:pt>
+    <dgm:pt modelId="{3E13CED3-BB23-4724-99E5-FB9654B64085}">
+      <dgm:prSet phldrT="[Text]"/>
+      <dgm:spPr/>
+      <dgm:t>
+        <a:bodyPr/>
+        <a:lstStyle/>
+        <a:p>
+          <a:r>
+            <a:rPr lang="en-US" dirty="0"/>
+            <a:t>Source Server</a:t>
+          </a:r>
+        </a:p>
+      </dgm:t>
+    </dgm:pt>
+    <dgm:pt modelId="{F7097BFA-9BBA-4B54-B479-17BCB8FA6463}" type="parTrans" cxnId="{ABAB5FFE-EC33-43D6-96FA-98436CAF3B0F}">
+      <dgm:prSet/>
+      <dgm:spPr/>
+    </dgm:pt>
+    <dgm:pt modelId="{387A157D-7CF2-47BF-95F9-A70ACEFF2735}" type="sibTrans" cxnId="{ABAB5FFE-EC33-43D6-96FA-98436CAF3B0F}">
+      <dgm:prSet/>
+      <dgm:spPr/>
+    </dgm:pt>
     <dgm:pt modelId="{B0FC1AA3-162F-4AED-9946-653D28AF5C14}" type="pres">
       <dgm:prSet presAssocID="{C11DBB7E-0079-4899-95FD-5909281E4F6C}" presName="hierChild1" presStyleCnt="0">
         <dgm:presLayoutVars>
@@ -4427,8 +4471,40 @@
       <dgm:prSet presAssocID="{A768C853-21B8-400C-8991-0650BA278A1D}" presName="hierChild2" presStyleCnt="0"/>
       <dgm:spPr/>
     </dgm:pt>
+    <dgm:pt modelId="{54BCEC0A-5F84-4F7F-8660-5B67A8FFE110}" type="pres">
+      <dgm:prSet presAssocID="{07B19707-1B28-4929-8FCD-1FFF7AA5773E}" presName="Name64" presStyleLbl="parChTrans1D2" presStyleIdx="0" presStyleCnt="3"/>
+      <dgm:spPr/>
+    </dgm:pt>
+    <dgm:pt modelId="{F5CDA664-2A8E-4EF8-8FB5-73D311142289}" type="pres">
+      <dgm:prSet presAssocID="{30C67D2A-AF42-4755-A30D-37AA25F225C4}" presName="hierRoot2" presStyleCnt="0">
+        <dgm:presLayoutVars>
+          <dgm:hierBranch val="init"/>
+        </dgm:presLayoutVars>
+      </dgm:prSet>
+      <dgm:spPr/>
+    </dgm:pt>
+    <dgm:pt modelId="{09E1E638-AB33-473C-B96F-6BEAAC7F84F7}" type="pres">
+      <dgm:prSet presAssocID="{30C67D2A-AF42-4755-A30D-37AA25F225C4}" presName="rootComposite" presStyleCnt="0"/>
+      <dgm:spPr/>
+    </dgm:pt>
+    <dgm:pt modelId="{131EC883-A543-459C-A4ED-243F765DAB9E}" type="pres">
+      <dgm:prSet presAssocID="{30C67D2A-AF42-4755-A30D-37AA25F225C4}" presName="rootText" presStyleLbl="node2" presStyleIdx="0" presStyleCnt="3">
+        <dgm:presLayoutVars>
+          <dgm:chPref val="3"/>
+        </dgm:presLayoutVars>
+      </dgm:prSet>
+      <dgm:spPr/>
+    </dgm:pt>
+    <dgm:pt modelId="{E59A8A91-6703-4CFA-B0A9-709CF36DAC15}" type="pres">
+      <dgm:prSet presAssocID="{30C67D2A-AF42-4755-A30D-37AA25F225C4}" presName="rootConnector" presStyleLbl="node2" presStyleIdx="0" presStyleCnt="3"/>
+      <dgm:spPr/>
+    </dgm:pt>
+    <dgm:pt modelId="{1A3E6599-2548-4642-906A-CF6DC9523C55}" type="pres">
+      <dgm:prSet presAssocID="{30C67D2A-AF42-4755-A30D-37AA25F225C4}" presName="hierChild4" presStyleCnt="0"/>
+      <dgm:spPr/>
+    </dgm:pt>
     <dgm:pt modelId="{EBBE1E3B-F9B0-44F5-A0A8-4117FC445DE2}" type="pres">
-      <dgm:prSet presAssocID="{E63ED82B-4185-436B-AEBB-DBDDED9A9365}" presName="Name64" presStyleLbl="parChTrans1D2" presStyleIdx="0" presStyleCnt="3"/>
+      <dgm:prSet presAssocID="{E63ED82B-4185-436B-AEBB-DBDDED9A9365}" presName="Name64" presStyleLbl="parChTrans1D3" presStyleIdx="0" presStyleCnt="3"/>
       <dgm:spPr/>
     </dgm:pt>
     <dgm:pt modelId="{8FA0DE5F-FF7B-4D55-AD0B-E76AF573D018}" type="pres">
@@ -4444,7 +4520,7 @@
       <dgm:spPr/>
     </dgm:pt>
     <dgm:pt modelId="{DEE1F79C-2055-47D0-A0EC-02D2E44C2B8E}" type="pres">
-      <dgm:prSet presAssocID="{E39A4C13-A6FC-4EA3-ACC8-25D43B9AA34B}" presName="rootText" presStyleLbl="node2" presStyleIdx="0" presStyleCnt="3">
+      <dgm:prSet presAssocID="{E39A4C13-A6FC-4EA3-ACC8-25D43B9AA34B}" presName="rootText" presStyleLbl="node3" presStyleIdx="0" presStyleCnt="3">
         <dgm:presLayoutVars>
           <dgm:chPref val="3"/>
         </dgm:presLayoutVars>
@@ -4452,7 +4528,7 @@
       <dgm:spPr/>
     </dgm:pt>
     <dgm:pt modelId="{323AD881-19AE-4835-9324-C241FB13FD1D}" type="pres">
-      <dgm:prSet presAssocID="{E39A4C13-A6FC-4EA3-ACC8-25D43B9AA34B}" presName="rootConnector" presStyleLbl="node2" presStyleIdx="0" presStyleCnt="3"/>
+      <dgm:prSet presAssocID="{E39A4C13-A6FC-4EA3-ACC8-25D43B9AA34B}" presName="rootConnector" presStyleLbl="node3" presStyleIdx="0" presStyleCnt="3"/>
       <dgm:spPr/>
     </dgm:pt>
     <dgm:pt modelId="{5D3F7202-55E5-4A7B-93BE-C6723769E538}" type="pres">
@@ -4463,8 +4539,44 @@
       <dgm:prSet presAssocID="{E39A4C13-A6FC-4EA3-ACC8-25D43B9AA34B}" presName="hierChild5" presStyleCnt="0"/>
       <dgm:spPr/>
     </dgm:pt>
+    <dgm:pt modelId="{915A99AD-0ED1-4F28-858C-ABBCE49DC6E9}" type="pres">
+      <dgm:prSet presAssocID="{30C67D2A-AF42-4755-A30D-37AA25F225C4}" presName="hierChild5" presStyleCnt="0"/>
+      <dgm:spPr/>
+    </dgm:pt>
+    <dgm:pt modelId="{D68225B9-3F99-4DA4-B07A-384D3FE28F63}" type="pres">
+      <dgm:prSet presAssocID="{F7097BFA-9BBA-4B54-B479-17BCB8FA6463}" presName="Name64" presStyleLbl="parChTrans1D2" presStyleIdx="1" presStyleCnt="3"/>
+      <dgm:spPr/>
+    </dgm:pt>
+    <dgm:pt modelId="{5E548ED9-0B66-41AB-964A-C40BD95BC53C}" type="pres">
+      <dgm:prSet presAssocID="{3E13CED3-BB23-4724-99E5-FB9654B64085}" presName="hierRoot2" presStyleCnt="0">
+        <dgm:presLayoutVars>
+          <dgm:hierBranch val="init"/>
+        </dgm:presLayoutVars>
+      </dgm:prSet>
+      <dgm:spPr/>
+    </dgm:pt>
+    <dgm:pt modelId="{D9B95C35-E9F4-453D-BE7D-CB3B9BEA5019}" type="pres">
+      <dgm:prSet presAssocID="{3E13CED3-BB23-4724-99E5-FB9654B64085}" presName="rootComposite" presStyleCnt="0"/>
+      <dgm:spPr/>
+    </dgm:pt>
+    <dgm:pt modelId="{0C811EC5-A258-4658-BC55-9714EE710458}" type="pres">
+      <dgm:prSet presAssocID="{3E13CED3-BB23-4724-99E5-FB9654B64085}" presName="rootText" presStyleLbl="node2" presStyleIdx="1" presStyleCnt="3">
+        <dgm:presLayoutVars>
+          <dgm:chPref val="3"/>
+        </dgm:presLayoutVars>
+      </dgm:prSet>
+      <dgm:spPr/>
+    </dgm:pt>
+    <dgm:pt modelId="{2E59B674-54FB-49F7-A2E0-9B77D6216653}" type="pres">
+      <dgm:prSet presAssocID="{3E13CED3-BB23-4724-99E5-FB9654B64085}" presName="rootConnector" presStyleLbl="node2" presStyleIdx="1" presStyleCnt="3"/>
+      <dgm:spPr/>
+    </dgm:pt>
+    <dgm:pt modelId="{F9828230-7460-4188-8DD8-9F50090716E9}" type="pres">
+      <dgm:prSet presAssocID="{3E13CED3-BB23-4724-99E5-FB9654B64085}" presName="hierChild4" presStyleCnt="0"/>
+      <dgm:spPr/>
+    </dgm:pt>
     <dgm:pt modelId="{20E84821-898A-43E5-885F-6E4D5BF557EF}" type="pres">
-      <dgm:prSet presAssocID="{69AD2F08-ED15-4514-AFE5-C86746139DF7}" presName="Name64" presStyleLbl="parChTrans1D2" presStyleIdx="1" presStyleCnt="3"/>
+      <dgm:prSet presAssocID="{69AD2F08-ED15-4514-AFE5-C86746139DF7}" presName="Name64" presStyleLbl="parChTrans1D3" presStyleIdx="1" presStyleCnt="3"/>
       <dgm:spPr/>
     </dgm:pt>
     <dgm:pt modelId="{B6334A19-82A4-42AE-A74C-AC37D776C904}" type="pres">
@@ -4480,7 +4592,7 @@
       <dgm:spPr/>
     </dgm:pt>
     <dgm:pt modelId="{2763255F-0BD4-4E1C-98E0-6D4D222EBBCE}" type="pres">
-      <dgm:prSet presAssocID="{F6D970B7-89A8-4323-B40E-827D95103C70}" presName="rootText" presStyleLbl="node2" presStyleIdx="1" presStyleCnt="3">
+      <dgm:prSet presAssocID="{F6D970B7-89A8-4323-B40E-827D95103C70}" presName="rootText" presStyleLbl="node3" presStyleIdx="1" presStyleCnt="3">
         <dgm:presLayoutVars>
           <dgm:chPref val="3"/>
         </dgm:presLayoutVars>
@@ -4488,7 +4600,7 @@
       <dgm:spPr/>
     </dgm:pt>
     <dgm:pt modelId="{FCA885E4-A298-45C6-8E56-1624240BFD6F}" type="pres">
-      <dgm:prSet presAssocID="{F6D970B7-89A8-4323-B40E-827D95103C70}" presName="rootConnector" presStyleLbl="node2" presStyleIdx="1" presStyleCnt="3"/>
+      <dgm:prSet presAssocID="{F6D970B7-89A8-4323-B40E-827D95103C70}" presName="rootConnector" presStyleLbl="node3" presStyleIdx="1" presStyleCnt="3"/>
       <dgm:spPr/>
     </dgm:pt>
     <dgm:pt modelId="{2DCC8B0A-A5C9-435F-A347-ABD9B7B60724}" type="pres">
@@ -4497,6 +4609,10 @@
     </dgm:pt>
     <dgm:pt modelId="{98B083D3-A613-49DF-BBE5-1D4A9470EDA9}" type="pres">
       <dgm:prSet presAssocID="{F6D970B7-89A8-4323-B40E-827D95103C70}" presName="hierChild5" presStyleCnt="0"/>
+      <dgm:spPr/>
+    </dgm:pt>
+    <dgm:pt modelId="{6590810D-3894-4C37-8FDC-B1C1A5D42103}" type="pres">
+      <dgm:prSet presAssocID="{3E13CED3-BB23-4724-99E5-FB9654B64085}" presName="hierChild5" presStyleCnt="0"/>
       <dgm:spPr/>
     </dgm:pt>
     <dgm:pt modelId="{9B4785D1-A25E-41D0-A01A-B4B61E91C329}" type="pres">
@@ -4532,7 +4648,7 @@
       <dgm:spPr/>
     </dgm:pt>
     <dgm:pt modelId="{79AA8734-9A8A-4285-A85C-2A569AE9F4BD}" type="pres">
-      <dgm:prSet presAssocID="{1451AA3E-710F-403F-8553-D337E3EEB665}" presName="Name64" presStyleLbl="parChTrans1D3" presStyleIdx="0" presStyleCnt="1"/>
+      <dgm:prSet presAssocID="{1451AA3E-710F-403F-8553-D337E3EEB665}" presName="Name64" presStyleLbl="parChTrans1D3" presStyleIdx="2" presStyleCnt="3"/>
       <dgm:spPr/>
     </dgm:pt>
     <dgm:pt modelId="{88BC650C-19C8-4BE0-A829-C153A6B8AC9D}" type="pres">
@@ -4548,7 +4664,7 @@
       <dgm:spPr/>
     </dgm:pt>
     <dgm:pt modelId="{D37FCA27-98AE-4D5E-9A03-C791D343A649}" type="pres">
-      <dgm:prSet presAssocID="{604FD5BE-9F15-491F-8B97-B2E20FCBF798}" presName="rootText" presStyleLbl="node3" presStyleIdx="0" presStyleCnt="1">
+      <dgm:prSet presAssocID="{604FD5BE-9F15-491F-8B97-B2E20FCBF798}" presName="rootText" presStyleLbl="node3" presStyleIdx="2" presStyleCnt="3">
         <dgm:presLayoutVars>
           <dgm:chPref val="3"/>
         </dgm:presLayoutVars>
@@ -4556,7 +4672,7 @@
       <dgm:spPr/>
     </dgm:pt>
     <dgm:pt modelId="{156A05F7-5EF7-4332-8CA6-70D352DA5B7D}" type="pres">
-      <dgm:prSet presAssocID="{604FD5BE-9F15-491F-8B97-B2E20FCBF798}" presName="rootConnector" presStyleLbl="node3" presStyleIdx="0" presStyleCnt="1"/>
+      <dgm:prSet presAssocID="{604FD5BE-9F15-491F-8B97-B2E20FCBF798}" presName="rootConnector" presStyleLbl="node3" presStyleIdx="2" presStyleCnt="3"/>
       <dgm:spPr/>
     </dgm:pt>
     <dgm:pt modelId="{097EEA6A-0754-46DA-BD3E-0878F483EFAA}" type="pres">
@@ -4579,43 +4695,65 @@
   <dgm:cxnLst>
     <dgm:cxn modelId="{F8D93C01-087A-4EB4-863F-13B3ED75DAE1}" srcId="{A768C853-21B8-400C-8991-0650BA278A1D}" destId="{629779F5-5991-4CEE-8331-867787B06D04}" srcOrd="2" destOrd="0" parTransId="{822E2945-9506-4FF6-90EA-0C0D907FBF10}" sibTransId="{124DDBFC-3879-4646-8D43-9CD27B13522A}"/>
     <dgm:cxn modelId="{2B9A6C01-46C8-450E-A773-7C8643406A63}" type="presOf" srcId="{C11DBB7E-0079-4899-95FD-5909281E4F6C}" destId="{B0FC1AA3-162F-4AED-9946-653D28AF5C14}" srcOrd="0" destOrd="0" presId="urn:microsoft.com/office/officeart/2009/3/layout/HorizontalOrganizationChart"/>
-    <dgm:cxn modelId="{1BDA650B-7EE6-4B64-8082-B125CE2EB57E}" srcId="{A768C853-21B8-400C-8991-0650BA278A1D}" destId="{F6D970B7-89A8-4323-B40E-827D95103C70}" srcOrd="1" destOrd="0" parTransId="{69AD2F08-ED15-4514-AFE5-C86746139DF7}" sibTransId="{A348EEDB-2690-41B5-B347-EC82FA8514C8}"/>
+    <dgm:cxn modelId="{00957E08-B4ED-4AA2-ADF0-42AA14925860}" type="presOf" srcId="{30C67D2A-AF42-4755-A30D-37AA25F225C4}" destId="{E59A8A91-6703-4CFA-B0A9-709CF36DAC15}" srcOrd="1" destOrd="0" presId="urn:microsoft.com/office/officeart/2009/3/layout/HorizontalOrganizationChart"/>
+    <dgm:cxn modelId="{1BDA650B-7EE6-4B64-8082-B125CE2EB57E}" srcId="{3E13CED3-BB23-4724-99E5-FB9654B64085}" destId="{F6D970B7-89A8-4323-B40E-827D95103C70}" srcOrd="0" destOrd="0" parTransId="{69AD2F08-ED15-4514-AFE5-C86746139DF7}" sibTransId="{A348EEDB-2690-41B5-B347-EC82FA8514C8}"/>
     <dgm:cxn modelId="{09C2D70E-0756-41F2-830A-9BD7694C853D}" type="presOf" srcId="{1451AA3E-710F-403F-8553-D337E3EEB665}" destId="{79AA8734-9A8A-4285-A85C-2A569AE9F4BD}" srcOrd="0" destOrd="0" presId="urn:microsoft.com/office/officeart/2009/3/layout/HorizontalOrganizationChart"/>
     <dgm:cxn modelId="{15196E16-D616-4DB7-AD81-52183C0D2102}" srcId="{629779F5-5991-4CEE-8331-867787B06D04}" destId="{604FD5BE-9F15-491F-8B97-B2E20FCBF798}" srcOrd="0" destOrd="0" parTransId="{1451AA3E-710F-403F-8553-D337E3EEB665}" sibTransId="{26EB7BFF-99A6-49D1-B478-666EDD0ADD8C}"/>
-    <dgm:cxn modelId="{07938F19-41C2-4025-9E56-7545BEBE1395}" type="presOf" srcId="{E63ED82B-4185-436B-AEBB-DBDDED9A9365}" destId="{EBBE1E3B-F9B0-44F5-A0A8-4117FC445DE2}" srcOrd="0" destOrd="0" presId="urn:microsoft.com/office/officeart/2009/3/layout/HorizontalOrganizationChart"/>
-    <dgm:cxn modelId="{CA454027-58CD-4111-A46D-964B1F8ECA7B}" type="presOf" srcId="{E39A4C13-A6FC-4EA3-ACC8-25D43B9AA34B}" destId="{DEE1F79C-2055-47D0-A0EC-02D2E44C2B8E}" srcOrd="0" destOrd="0" presId="urn:microsoft.com/office/officeart/2009/3/layout/HorizontalOrganizationChart"/>
-    <dgm:cxn modelId="{A692A037-8FC4-40E3-B56A-2BF300343A60}" type="presOf" srcId="{F6D970B7-89A8-4323-B40E-827D95103C70}" destId="{2763255F-0BD4-4E1C-98E0-6D4D222EBBCE}" srcOrd="0" destOrd="0" presId="urn:microsoft.com/office/officeart/2009/3/layout/HorizontalOrganizationChart"/>
-    <dgm:cxn modelId="{B70BBB5C-632F-4F7D-8F46-439610531D67}" type="presOf" srcId="{69AD2F08-ED15-4514-AFE5-C86746139DF7}" destId="{20E84821-898A-43E5-885F-6E4D5BF557EF}" srcOrd="0" destOrd="0" presId="urn:microsoft.com/office/officeart/2009/3/layout/HorizontalOrganizationChart"/>
     <dgm:cxn modelId="{5BD1FE45-2951-4700-A0BC-8410C23FCCEF}" srcId="{C11DBB7E-0079-4899-95FD-5909281E4F6C}" destId="{A768C853-21B8-400C-8991-0650BA278A1D}" srcOrd="0" destOrd="0" parTransId="{3392CAB7-99B1-469F-B771-7BAD5502264C}" sibTransId="{504C8362-892E-468E-B35F-6EC6C5D47EAC}"/>
     <dgm:cxn modelId="{B2CDD74B-FE95-4B98-9ABA-197845686C6F}" type="presOf" srcId="{604FD5BE-9F15-491F-8B97-B2E20FCBF798}" destId="{D37FCA27-98AE-4D5E-9A03-C791D343A649}" srcOrd="0" destOrd="0" presId="urn:microsoft.com/office/officeart/2009/3/layout/HorizontalOrganizationChart"/>
     <dgm:cxn modelId="{E2B3484D-F3B3-4D21-ABE4-B5E0143A1207}" type="presOf" srcId="{A768C853-21B8-400C-8991-0650BA278A1D}" destId="{022BFB8E-1A28-44CD-9AAD-D24E57562E43}" srcOrd="1" destOrd="0" presId="urn:microsoft.com/office/officeart/2009/3/layout/HorizontalOrganizationChart"/>
     <dgm:cxn modelId="{5820AA51-C60E-45EB-ACF1-86D36DC8A7DF}" type="presOf" srcId="{822E2945-9506-4FF6-90EA-0C0D907FBF10}" destId="{9B4785D1-A25E-41D0-A01A-B4B61E91C329}" srcOrd="0" destOrd="0" presId="urn:microsoft.com/office/officeart/2009/3/layout/HorizontalOrganizationChart"/>
+    <dgm:cxn modelId="{42F1C151-805D-4170-870E-0F291F7F0B2E}" type="presOf" srcId="{F6D970B7-89A8-4323-B40E-827D95103C70}" destId="{FCA885E4-A298-45C6-8E56-1624240BFD6F}" srcOrd="1" destOrd="0" presId="urn:microsoft.com/office/officeart/2009/3/layout/HorizontalOrganizationChart"/>
+    <dgm:cxn modelId="{F9BE2772-0BE4-4B2B-BD5F-C52D347B9FAB}" type="presOf" srcId="{E63ED82B-4185-436B-AEBB-DBDDED9A9365}" destId="{EBBE1E3B-F9B0-44F5-A0A8-4117FC445DE2}" srcOrd="0" destOrd="0" presId="urn:microsoft.com/office/officeart/2009/3/layout/HorizontalOrganizationChart"/>
+    <dgm:cxn modelId="{64E48D73-6E1D-4135-BF2A-F8D13F03940F}" type="presOf" srcId="{E39A4C13-A6FC-4EA3-ACC8-25D43B9AA34B}" destId="{DEE1F79C-2055-47D0-A0EC-02D2E44C2B8E}" srcOrd="0" destOrd="0" presId="urn:microsoft.com/office/officeart/2009/3/layout/HorizontalOrganizationChart"/>
     <dgm:cxn modelId="{5AF04B77-5A25-495F-A27E-116308A23C59}" type="presOf" srcId="{629779F5-5991-4CEE-8331-867787B06D04}" destId="{886EF146-1258-416F-9A82-6C730DC47079}" srcOrd="0" destOrd="0" presId="urn:microsoft.com/office/officeart/2009/3/layout/HorizontalOrganizationChart"/>
-    <dgm:cxn modelId="{B026B680-00A9-46C8-8760-E297EA791181}" type="presOf" srcId="{F6D970B7-89A8-4323-B40E-827D95103C70}" destId="{FCA885E4-A298-45C6-8E56-1624240BFD6F}" srcOrd="1" destOrd="0" presId="urn:microsoft.com/office/officeart/2009/3/layout/HorizontalOrganizationChart"/>
-    <dgm:cxn modelId="{AD482A81-5E0E-4EF7-AA22-A05CAE3D0EDB}" srcId="{A768C853-21B8-400C-8991-0650BA278A1D}" destId="{E39A4C13-A6FC-4EA3-ACC8-25D43B9AA34B}" srcOrd="0" destOrd="0" parTransId="{E63ED82B-4185-436B-AEBB-DBDDED9A9365}" sibTransId="{CF316429-18A5-4A21-80C5-C743377709F0}"/>
+    <dgm:cxn modelId="{C90E1658-9E16-4E5C-9BA5-D8BDFBB0BD04}" type="presOf" srcId="{E39A4C13-A6FC-4EA3-ACC8-25D43B9AA34B}" destId="{323AD881-19AE-4835-9324-C241FB13FD1D}" srcOrd="1" destOrd="0" presId="urn:microsoft.com/office/officeart/2009/3/layout/HorizontalOrganizationChart"/>
+    <dgm:cxn modelId="{AD482A81-5E0E-4EF7-AA22-A05CAE3D0EDB}" srcId="{30C67D2A-AF42-4755-A30D-37AA25F225C4}" destId="{E39A4C13-A6FC-4EA3-ACC8-25D43B9AA34B}" srcOrd="0" destOrd="0" parTransId="{E63ED82B-4185-436B-AEBB-DBDDED9A9365}" sibTransId="{CF316429-18A5-4A21-80C5-C743377709F0}"/>
+    <dgm:cxn modelId="{B09F1186-B847-44F4-A008-63E4DDF51473}" type="presOf" srcId="{30C67D2A-AF42-4755-A30D-37AA25F225C4}" destId="{131EC883-A543-459C-A4ED-243F765DAB9E}" srcOrd="0" destOrd="0" presId="urn:microsoft.com/office/officeart/2009/3/layout/HorizontalOrganizationChart"/>
+    <dgm:cxn modelId="{A917AD8E-27C3-4AEA-903E-95FD79480CFE}" type="presOf" srcId="{F7097BFA-9BBA-4B54-B479-17BCB8FA6463}" destId="{D68225B9-3F99-4DA4-B07A-384D3FE28F63}" srcOrd="0" destOrd="0" presId="urn:microsoft.com/office/officeart/2009/3/layout/HorizontalOrganizationChart"/>
+    <dgm:cxn modelId="{FEA583B0-9B91-4297-9407-E5814AD85384}" type="presOf" srcId="{F6D970B7-89A8-4323-B40E-827D95103C70}" destId="{2763255F-0BD4-4E1C-98E0-6D4D222EBBCE}" srcOrd="0" destOrd="0" presId="urn:microsoft.com/office/officeart/2009/3/layout/HorizontalOrganizationChart"/>
     <dgm:cxn modelId="{AA9EAAB3-3898-480D-8521-E3839531F6E1}" type="presOf" srcId="{604FD5BE-9F15-491F-8B97-B2E20FCBF798}" destId="{156A05F7-5EF7-4332-8CA6-70D352DA5B7D}" srcOrd="1" destOrd="0" presId="urn:microsoft.com/office/officeart/2009/3/layout/HorizontalOrganizationChart"/>
     <dgm:cxn modelId="{0136B9CA-66F9-494D-9958-C3C6564D238D}" type="presOf" srcId="{629779F5-5991-4CEE-8331-867787B06D04}" destId="{6C989D02-BEC5-4FBF-8D46-51B288F9AC71}" srcOrd="1" destOrd="0" presId="urn:microsoft.com/office/officeart/2009/3/layout/HorizontalOrganizationChart"/>
+    <dgm:cxn modelId="{C3923CCC-77A8-4223-91E9-7A331AD501A5}" srcId="{A768C853-21B8-400C-8991-0650BA278A1D}" destId="{30C67D2A-AF42-4755-A30D-37AA25F225C4}" srcOrd="0" destOrd="0" parTransId="{07B19707-1B28-4929-8FCD-1FFF7AA5773E}" sibTransId="{781BEC80-35D0-43B8-8934-751AEC48A3E2}"/>
     <dgm:cxn modelId="{F17E9EDF-E8D8-4E93-8B98-861966722149}" type="presOf" srcId="{A768C853-21B8-400C-8991-0650BA278A1D}" destId="{54740917-F8A2-4F16-B0FC-AF50B42CCBC0}" srcOrd="0" destOrd="0" presId="urn:microsoft.com/office/officeart/2009/3/layout/HorizontalOrganizationChart"/>
-    <dgm:cxn modelId="{D739BEE7-6E0C-474E-8698-65F88D30184F}" type="presOf" srcId="{E39A4C13-A6FC-4EA3-ACC8-25D43B9AA34B}" destId="{323AD881-19AE-4835-9324-C241FB13FD1D}" srcOrd="1" destOrd="0" presId="urn:microsoft.com/office/officeart/2009/3/layout/HorizontalOrganizationChart"/>
+    <dgm:cxn modelId="{862F22E4-3579-4C21-8DC2-6E82ADD8ABDB}" type="presOf" srcId="{3E13CED3-BB23-4724-99E5-FB9654B64085}" destId="{2E59B674-54FB-49F7-A2E0-9B77D6216653}" srcOrd="1" destOrd="0" presId="urn:microsoft.com/office/officeart/2009/3/layout/HorizontalOrganizationChart"/>
+    <dgm:cxn modelId="{DAC8C1F3-7292-4B90-ADE8-B2BAA6C868A8}" type="presOf" srcId="{07B19707-1B28-4929-8FCD-1FFF7AA5773E}" destId="{54BCEC0A-5F84-4F7F-8660-5B67A8FFE110}" srcOrd="0" destOrd="0" presId="urn:microsoft.com/office/officeart/2009/3/layout/HorizontalOrganizationChart"/>
+    <dgm:cxn modelId="{6C5355F6-2B2B-4164-94F3-95BB5102E098}" type="presOf" srcId="{3E13CED3-BB23-4724-99E5-FB9654B64085}" destId="{0C811EC5-A258-4658-BC55-9714EE710458}" srcOrd="0" destOrd="0" presId="urn:microsoft.com/office/officeart/2009/3/layout/HorizontalOrganizationChart"/>
+    <dgm:cxn modelId="{BBFCB4F9-9BE0-45BD-BDDB-359643E15B08}" type="presOf" srcId="{69AD2F08-ED15-4514-AFE5-C86746139DF7}" destId="{20E84821-898A-43E5-885F-6E4D5BF557EF}" srcOrd="0" destOrd="0" presId="urn:microsoft.com/office/officeart/2009/3/layout/HorizontalOrganizationChart"/>
+    <dgm:cxn modelId="{ABAB5FFE-EC33-43D6-96FA-98436CAF3B0F}" srcId="{A768C853-21B8-400C-8991-0650BA278A1D}" destId="{3E13CED3-BB23-4724-99E5-FB9654B64085}" srcOrd="1" destOrd="0" parTransId="{F7097BFA-9BBA-4B54-B479-17BCB8FA6463}" sibTransId="{387A157D-7CF2-47BF-95F9-A70ACEFF2735}"/>
     <dgm:cxn modelId="{BC16D1E2-CE97-412C-BB18-8281428C86A5}" type="presParOf" srcId="{B0FC1AA3-162F-4AED-9946-653D28AF5C14}" destId="{13AC7328-98E2-47AE-9C70-9B458360A8DE}" srcOrd="0" destOrd="0" presId="urn:microsoft.com/office/officeart/2009/3/layout/HorizontalOrganizationChart"/>
     <dgm:cxn modelId="{7CC68186-1209-4B15-9C53-D50A47AD06BC}" type="presParOf" srcId="{13AC7328-98E2-47AE-9C70-9B458360A8DE}" destId="{55DC576C-FAD2-4661-92D1-5D6AC12A7A48}" srcOrd="0" destOrd="0" presId="urn:microsoft.com/office/officeart/2009/3/layout/HorizontalOrganizationChart"/>
     <dgm:cxn modelId="{C8522792-9DE5-416A-9581-5E92531C76E3}" type="presParOf" srcId="{55DC576C-FAD2-4661-92D1-5D6AC12A7A48}" destId="{54740917-F8A2-4F16-B0FC-AF50B42CCBC0}" srcOrd="0" destOrd="0" presId="urn:microsoft.com/office/officeart/2009/3/layout/HorizontalOrganizationChart"/>
     <dgm:cxn modelId="{3848062A-E094-432F-A92E-C5001034B224}" type="presParOf" srcId="{55DC576C-FAD2-4661-92D1-5D6AC12A7A48}" destId="{022BFB8E-1A28-44CD-9AAD-D24E57562E43}" srcOrd="1" destOrd="0" presId="urn:microsoft.com/office/officeart/2009/3/layout/HorizontalOrganizationChart"/>
     <dgm:cxn modelId="{5E643908-C999-4294-B286-320E523F9D4B}" type="presParOf" srcId="{13AC7328-98E2-47AE-9C70-9B458360A8DE}" destId="{D4EC6848-4242-428B-A776-01D311710E91}" srcOrd="1" destOrd="0" presId="urn:microsoft.com/office/officeart/2009/3/layout/HorizontalOrganizationChart"/>
-    <dgm:cxn modelId="{9633E2AD-708F-4BF3-ADB2-15FAA7A87AC7}" type="presParOf" srcId="{D4EC6848-4242-428B-A776-01D311710E91}" destId="{EBBE1E3B-F9B0-44F5-A0A8-4117FC445DE2}" srcOrd="0" destOrd="0" presId="urn:microsoft.com/office/officeart/2009/3/layout/HorizontalOrganizationChart"/>
-    <dgm:cxn modelId="{78C0DD63-DACA-4289-9557-EB71FFCB1237}" type="presParOf" srcId="{D4EC6848-4242-428B-A776-01D311710E91}" destId="{8FA0DE5F-FF7B-4D55-AD0B-E76AF573D018}" srcOrd="1" destOrd="0" presId="urn:microsoft.com/office/officeart/2009/3/layout/HorizontalOrganizationChart"/>
-    <dgm:cxn modelId="{8527D6F9-7DA9-4C3A-BBBB-452FDD505B9B}" type="presParOf" srcId="{8FA0DE5F-FF7B-4D55-AD0B-E76AF573D018}" destId="{1CB002A8-708E-492D-91A4-61587F5C03CA}" srcOrd="0" destOrd="0" presId="urn:microsoft.com/office/officeart/2009/3/layout/HorizontalOrganizationChart"/>
-    <dgm:cxn modelId="{32998854-6B57-4DF1-BF2B-AC9D0A2B0B44}" type="presParOf" srcId="{1CB002A8-708E-492D-91A4-61587F5C03CA}" destId="{DEE1F79C-2055-47D0-A0EC-02D2E44C2B8E}" srcOrd="0" destOrd="0" presId="urn:microsoft.com/office/officeart/2009/3/layout/HorizontalOrganizationChart"/>
-    <dgm:cxn modelId="{E6AAD305-09ED-4A28-8EEF-2B539BB5EE5D}" type="presParOf" srcId="{1CB002A8-708E-492D-91A4-61587F5C03CA}" destId="{323AD881-19AE-4835-9324-C241FB13FD1D}" srcOrd="1" destOrd="0" presId="urn:microsoft.com/office/officeart/2009/3/layout/HorizontalOrganizationChart"/>
-    <dgm:cxn modelId="{A6EC9872-ADD4-4DB6-8E96-27FC09952E8B}" type="presParOf" srcId="{8FA0DE5F-FF7B-4D55-AD0B-E76AF573D018}" destId="{5D3F7202-55E5-4A7B-93BE-C6723769E538}" srcOrd="1" destOrd="0" presId="urn:microsoft.com/office/officeart/2009/3/layout/HorizontalOrganizationChart"/>
-    <dgm:cxn modelId="{846154EB-A307-4EB1-88C2-911C43A5E313}" type="presParOf" srcId="{8FA0DE5F-FF7B-4D55-AD0B-E76AF573D018}" destId="{21FC7A63-DF82-48EA-A75C-C3D7980BD840}" srcOrd="2" destOrd="0" presId="urn:microsoft.com/office/officeart/2009/3/layout/HorizontalOrganizationChart"/>
-    <dgm:cxn modelId="{82572DB9-D988-415A-94BC-E03FDFF1FC20}" type="presParOf" srcId="{D4EC6848-4242-428B-A776-01D311710E91}" destId="{20E84821-898A-43E5-885F-6E4D5BF557EF}" srcOrd="2" destOrd="0" presId="urn:microsoft.com/office/officeart/2009/3/layout/HorizontalOrganizationChart"/>
-    <dgm:cxn modelId="{1A328E87-E475-4A75-8BC2-77591E9B4C01}" type="presParOf" srcId="{D4EC6848-4242-428B-A776-01D311710E91}" destId="{B6334A19-82A4-42AE-A74C-AC37D776C904}" srcOrd="3" destOrd="0" presId="urn:microsoft.com/office/officeart/2009/3/layout/HorizontalOrganizationChart"/>
-    <dgm:cxn modelId="{26FDAFB1-9C0A-46ED-833F-C5BCD7E6E761}" type="presParOf" srcId="{B6334A19-82A4-42AE-A74C-AC37D776C904}" destId="{2052B658-2C00-47E4-BA4D-C858CC8880E1}" srcOrd="0" destOrd="0" presId="urn:microsoft.com/office/officeart/2009/3/layout/HorizontalOrganizationChart"/>
-    <dgm:cxn modelId="{E672B45C-8BF4-43AA-9789-A10B075E6E8A}" type="presParOf" srcId="{2052B658-2C00-47E4-BA4D-C858CC8880E1}" destId="{2763255F-0BD4-4E1C-98E0-6D4D222EBBCE}" srcOrd="0" destOrd="0" presId="urn:microsoft.com/office/officeart/2009/3/layout/HorizontalOrganizationChart"/>
-    <dgm:cxn modelId="{7B73FBE6-3579-48EC-927B-7A4E1324CD76}" type="presParOf" srcId="{2052B658-2C00-47E4-BA4D-C858CC8880E1}" destId="{FCA885E4-A298-45C6-8E56-1624240BFD6F}" srcOrd="1" destOrd="0" presId="urn:microsoft.com/office/officeart/2009/3/layout/HorizontalOrganizationChart"/>
-    <dgm:cxn modelId="{B6B988A3-6009-4951-A003-D7641F1B8526}" type="presParOf" srcId="{B6334A19-82A4-42AE-A74C-AC37D776C904}" destId="{2DCC8B0A-A5C9-435F-A347-ABD9B7B60724}" srcOrd="1" destOrd="0" presId="urn:microsoft.com/office/officeart/2009/3/layout/HorizontalOrganizationChart"/>
-    <dgm:cxn modelId="{25DFFD4A-48E9-483D-ABD7-661C24E2AC1D}" type="presParOf" srcId="{B6334A19-82A4-42AE-A74C-AC37D776C904}" destId="{98B083D3-A613-49DF-BBE5-1D4A9470EDA9}" srcOrd="2" destOrd="0" presId="urn:microsoft.com/office/officeart/2009/3/layout/HorizontalOrganizationChart"/>
+    <dgm:cxn modelId="{0D2DDBEF-850D-4A43-B9C2-ADF953ABEBE6}" type="presParOf" srcId="{D4EC6848-4242-428B-A776-01D311710E91}" destId="{54BCEC0A-5F84-4F7F-8660-5B67A8FFE110}" srcOrd="0" destOrd="0" presId="urn:microsoft.com/office/officeart/2009/3/layout/HorizontalOrganizationChart"/>
+    <dgm:cxn modelId="{82B4BAE5-CB90-424D-B48A-51CD6B956D38}" type="presParOf" srcId="{D4EC6848-4242-428B-A776-01D311710E91}" destId="{F5CDA664-2A8E-4EF8-8FB5-73D311142289}" srcOrd="1" destOrd="0" presId="urn:microsoft.com/office/officeart/2009/3/layout/HorizontalOrganizationChart"/>
+    <dgm:cxn modelId="{2471A8C8-ABF3-4244-89C9-D46D9207D9B4}" type="presParOf" srcId="{F5CDA664-2A8E-4EF8-8FB5-73D311142289}" destId="{09E1E638-AB33-473C-B96F-6BEAAC7F84F7}" srcOrd="0" destOrd="0" presId="urn:microsoft.com/office/officeart/2009/3/layout/HorizontalOrganizationChart"/>
+    <dgm:cxn modelId="{18F20D27-3855-46AC-9496-A44BE39B94DD}" type="presParOf" srcId="{09E1E638-AB33-473C-B96F-6BEAAC7F84F7}" destId="{131EC883-A543-459C-A4ED-243F765DAB9E}" srcOrd="0" destOrd="0" presId="urn:microsoft.com/office/officeart/2009/3/layout/HorizontalOrganizationChart"/>
+    <dgm:cxn modelId="{03C901BD-A3A3-4DED-8CC6-B756AD22A9CA}" type="presParOf" srcId="{09E1E638-AB33-473C-B96F-6BEAAC7F84F7}" destId="{E59A8A91-6703-4CFA-B0A9-709CF36DAC15}" srcOrd="1" destOrd="0" presId="urn:microsoft.com/office/officeart/2009/3/layout/HorizontalOrganizationChart"/>
+    <dgm:cxn modelId="{8B76B597-4A82-4C26-B993-57B15CC5A7D3}" type="presParOf" srcId="{F5CDA664-2A8E-4EF8-8FB5-73D311142289}" destId="{1A3E6599-2548-4642-906A-CF6DC9523C55}" srcOrd="1" destOrd="0" presId="urn:microsoft.com/office/officeart/2009/3/layout/HorizontalOrganizationChart"/>
+    <dgm:cxn modelId="{FB21640F-535F-4AF5-A461-F0BD3DFC3AA3}" type="presParOf" srcId="{1A3E6599-2548-4642-906A-CF6DC9523C55}" destId="{EBBE1E3B-F9B0-44F5-A0A8-4117FC445DE2}" srcOrd="0" destOrd="0" presId="urn:microsoft.com/office/officeart/2009/3/layout/HorizontalOrganizationChart"/>
+    <dgm:cxn modelId="{305EE85E-0BF0-47AB-9E80-67AB5C19B827}" type="presParOf" srcId="{1A3E6599-2548-4642-906A-CF6DC9523C55}" destId="{8FA0DE5F-FF7B-4D55-AD0B-E76AF573D018}" srcOrd="1" destOrd="0" presId="urn:microsoft.com/office/officeart/2009/3/layout/HorizontalOrganizationChart"/>
+    <dgm:cxn modelId="{E4DC2056-DF41-4D58-98B0-FF4ED98CA999}" type="presParOf" srcId="{8FA0DE5F-FF7B-4D55-AD0B-E76AF573D018}" destId="{1CB002A8-708E-492D-91A4-61587F5C03CA}" srcOrd="0" destOrd="0" presId="urn:microsoft.com/office/officeart/2009/3/layout/HorizontalOrganizationChart"/>
+    <dgm:cxn modelId="{EDB87CB1-C676-4865-9D2A-01915DBAFD13}" type="presParOf" srcId="{1CB002A8-708E-492D-91A4-61587F5C03CA}" destId="{DEE1F79C-2055-47D0-A0EC-02D2E44C2B8E}" srcOrd="0" destOrd="0" presId="urn:microsoft.com/office/officeart/2009/3/layout/HorizontalOrganizationChart"/>
+    <dgm:cxn modelId="{295A86AF-5E61-412C-ABBF-BD55490811A2}" type="presParOf" srcId="{1CB002A8-708E-492D-91A4-61587F5C03CA}" destId="{323AD881-19AE-4835-9324-C241FB13FD1D}" srcOrd="1" destOrd="0" presId="urn:microsoft.com/office/officeart/2009/3/layout/HorizontalOrganizationChart"/>
+    <dgm:cxn modelId="{667E2D72-FBC9-4B96-A598-B5615513888C}" type="presParOf" srcId="{8FA0DE5F-FF7B-4D55-AD0B-E76AF573D018}" destId="{5D3F7202-55E5-4A7B-93BE-C6723769E538}" srcOrd="1" destOrd="0" presId="urn:microsoft.com/office/officeart/2009/3/layout/HorizontalOrganizationChart"/>
+    <dgm:cxn modelId="{F0C732D6-F848-4FD1-8762-C34905B0A2B7}" type="presParOf" srcId="{8FA0DE5F-FF7B-4D55-AD0B-E76AF573D018}" destId="{21FC7A63-DF82-48EA-A75C-C3D7980BD840}" srcOrd="2" destOrd="0" presId="urn:microsoft.com/office/officeart/2009/3/layout/HorizontalOrganizationChart"/>
+    <dgm:cxn modelId="{A6CD2604-0D69-4027-8C81-001BB213E872}" type="presParOf" srcId="{F5CDA664-2A8E-4EF8-8FB5-73D311142289}" destId="{915A99AD-0ED1-4F28-858C-ABBCE49DC6E9}" srcOrd="2" destOrd="0" presId="urn:microsoft.com/office/officeart/2009/3/layout/HorizontalOrganizationChart"/>
+    <dgm:cxn modelId="{25FB41BA-D6A1-4D82-B9CC-8F15EF07C2BB}" type="presParOf" srcId="{D4EC6848-4242-428B-A776-01D311710E91}" destId="{D68225B9-3F99-4DA4-B07A-384D3FE28F63}" srcOrd="2" destOrd="0" presId="urn:microsoft.com/office/officeart/2009/3/layout/HorizontalOrganizationChart"/>
+    <dgm:cxn modelId="{4C21DBDA-7D84-488A-BB4D-4EDEC00DCF26}" type="presParOf" srcId="{D4EC6848-4242-428B-A776-01D311710E91}" destId="{5E548ED9-0B66-41AB-964A-C40BD95BC53C}" srcOrd="3" destOrd="0" presId="urn:microsoft.com/office/officeart/2009/3/layout/HorizontalOrganizationChart"/>
+    <dgm:cxn modelId="{213A4B56-C669-4B3F-B5C7-1A74C8290FCF}" type="presParOf" srcId="{5E548ED9-0B66-41AB-964A-C40BD95BC53C}" destId="{D9B95C35-E9F4-453D-BE7D-CB3B9BEA5019}" srcOrd="0" destOrd="0" presId="urn:microsoft.com/office/officeart/2009/3/layout/HorizontalOrganizationChart"/>
+    <dgm:cxn modelId="{28784D6D-35EC-4312-AC28-4621E172F5EF}" type="presParOf" srcId="{D9B95C35-E9F4-453D-BE7D-CB3B9BEA5019}" destId="{0C811EC5-A258-4658-BC55-9714EE710458}" srcOrd="0" destOrd="0" presId="urn:microsoft.com/office/officeart/2009/3/layout/HorizontalOrganizationChart"/>
+    <dgm:cxn modelId="{E81E1B28-F992-4273-BBEE-9E474F6334D9}" type="presParOf" srcId="{D9B95C35-E9F4-453D-BE7D-CB3B9BEA5019}" destId="{2E59B674-54FB-49F7-A2E0-9B77D6216653}" srcOrd="1" destOrd="0" presId="urn:microsoft.com/office/officeart/2009/3/layout/HorizontalOrganizationChart"/>
+    <dgm:cxn modelId="{7F6AAA09-5DC1-4961-8CEA-F542DFE4B115}" type="presParOf" srcId="{5E548ED9-0B66-41AB-964A-C40BD95BC53C}" destId="{F9828230-7460-4188-8DD8-9F50090716E9}" srcOrd="1" destOrd="0" presId="urn:microsoft.com/office/officeart/2009/3/layout/HorizontalOrganizationChart"/>
+    <dgm:cxn modelId="{2B9174F2-2C5C-4EF1-8C0C-E864153DC708}" type="presParOf" srcId="{F9828230-7460-4188-8DD8-9F50090716E9}" destId="{20E84821-898A-43E5-885F-6E4D5BF557EF}" srcOrd="0" destOrd="0" presId="urn:microsoft.com/office/officeart/2009/3/layout/HorizontalOrganizationChart"/>
+    <dgm:cxn modelId="{5EBD1B51-B5DC-4A62-937C-8E60204878A8}" type="presParOf" srcId="{F9828230-7460-4188-8DD8-9F50090716E9}" destId="{B6334A19-82A4-42AE-A74C-AC37D776C904}" srcOrd="1" destOrd="0" presId="urn:microsoft.com/office/officeart/2009/3/layout/HorizontalOrganizationChart"/>
+    <dgm:cxn modelId="{581E0825-2D4D-4B24-8609-CA2C88998277}" type="presParOf" srcId="{B6334A19-82A4-42AE-A74C-AC37D776C904}" destId="{2052B658-2C00-47E4-BA4D-C858CC8880E1}" srcOrd="0" destOrd="0" presId="urn:microsoft.com/office/officeart/2009/3/layout/HorizontalOrganizationChart"/>
+    <dgm:cxn modelId="{7727B0FB-CC36-48A7-9BCD-647441DCCEF6}" type="presParOf" srcId="{2052B658-2C00-47E4-BA4D-C858CC8880E1}" destId="{2763255F-0BD4-4E1C-98E0-6D4D222EBBCE}" srcOrd="0" destOrd="0" presId="urn:microsoft.com/office/officeart/2009/3/layout/HorizontalOrganizationChart"/>
+    <dgm:cxn modelId="{1328BAD1-BE2F-41C3-82EF-6984FCDE84B2}" type="presParOf" srcId="{2052B658-2C00-47E4-BA4D-C858CC8880E1}" destId="{FCA885E4-A298-45C6-8E56-1624240BFD6F}" srcOrd="1" destOrd="0" presId="urn:microsoft.com/office/officeart/2009/3/layout/HorizontalOrganizationChart"/>
+    <dgm:cxn modelId="{24F578DF-E524-49DF-96B2-5943D1D2BE11}" type="presParOf" srcId="{B6334A19-82A4-42AE-A74C-AC37D776C904}" destId="{2DCC8B0A-A5C9-435F-A347-ABD9B7B60724}" srcOrd="1" destOrd="0" presId="urn:microsoft.com/office/officeart/2009/3/layout/HorizontalOrganizationChart"/>
+    <dgm:cxn modelId="{A0D26B32-B420-40D3-A8DD-9F5F76116DC1}" type="presParOf" srcId="{B6334A19-82A4-42AE-A74C-AC37D776C904}" destId="{98B083D3-A613-49DF-BBE5-1D4A9470EDA9}" srcOrd="2" destOrd="0" presId="urn:microsoft.com/office/officeart/2009/3/layout/HorizontalOrganizationChart"/>
+    <dgm:cxn modelId="{625805CB-946F-4242-9E05-2B0A7E46B751}" type="presParOf" srcId="{5E548ED9-0B66-41AB-964A-C40BD95BC53C}" destId="{6590810D-3894-4C37-8FDC-B1C1A5D42103}" srcOrd="2" destOrd="0" presId="urn:microsoft.com/office/officeart/2009/3/layout/HorizontalOrganizationChart"/>
     <dgm:cxn modelId="{EA0A030E-A594-4C8F-B79C-C998DCC14712}" type="presParOf" srcId="{D4EC6848-4242-428B-A776-01D311710E91}" destId="{9B4785D1-A25E-41D0-A01A-B4B61E91C329}" srcOrd="4" destOrd="0" presId="urn:microsoft.com/office/officeart/2009/3/layout/HorizontalOrganizationChart"/>
     <dgm:cxn modelId="{CE2818E8-DBE5-4075-B2EE-E7C058436885}" type="presParOf" srcId="{D4EC6848-4242-428B-A776-01D311710E91}" destId="{90575340-CF17-443C-9E8C-5EB8F0246A8E}" srcOrd="5" destOrd="0" presId="urn:microsoft.com/office/officeart/2009/3/layout/HorizontalOrganizationChart"/>
     <dgm:cxn modelId="{8EAD36DD-CA40-45C8-A553-FA61A249F6EE}" type="presParOf" srcId="{90575340-CF17-443C-9E8C-5EB8F0246A8E}" destId="{A6502DBB-8043-462E-9BC9-B1F5EDC954C7}" srcOrd="0" destOrd="0" presId="urn:microsoft.com/office/officeart/2009/3/layout/HorizontalOrganizationChart"/>
@@ -6740,6 +6878,62 @@
       </dsp:nvSpPr>
       <dsp:spPr>
         <a:xfrm>
+          <a:off x="3440215" y="2611967"/>
+          <a:ext cx="312555" cy="91440"/>
+        </a:xfrm>
+        <a:custGeom>
+          <a:avLst/>
+          <a:gdLst/>
+          <a:ahLst/>
+          <a:cxnLst/>
+          <a:rect l="0" t="0" r="0" b="0"/>
+          <a:pathLst>
+            <a:path>
+              <a:moveTo>
+                <a:pt x="0" y="45720"/>
+              </a:moveTo>
+              <a:lnTo>
+                <a:pt x="312555" y="45720"/>
+              </a:lnTo>
+            </a:path>
+          </a:pathLst>
+        </a:custGeom>
+        <a:noFill/>
+        <a:ln w="12700" cap="flat" cmpd="sng" algn="ctr">
+          <a:solidFill>
+            <a:schemeClr val="accent1">
+              <a:shade val="80000"/>
+              <a:hueOff val="0"/>
+              <a:satOff val="0"/>
+              <a:lumOff val="0"/>
+              <a:alphaOff val="0"/>
+            </a:schemeClr>
+          </a:solidFill>
+          <a:prstDash val="solid"/>
+          <a:miter lim="800000"/>
+        </a:ln>
+        <a:effectLst/>
+      </dsp:spPr>
+      <dsp:style>
+        <a:lnRef idx="2">
+          <a:scrgbClr r="0" g="0" b="0"/>
+        </a:lnRef>
+        <a:fillRef idx="0">
+          <a:scrgbClr r="0" g="0" b="0"/>
+        </a:fillRef>
+        <a:effectRef idx="0">
+          <a:scrgbClr r="0" g="0" b="0"/>
+        </a:effectRef>
+        <a:fontRef idx="minor"/>
+      </dsp:style>
+    </dsp:sp>
+    <dsp:sp modelId="{D68225B9-3F99-4DA4-B07A-384D3FE28F63}">
+      <dsp:nvSpPr>
+        <dsp:cNvPr id="0" name=""/>
+        <dsp:cNvSpPr/>
+      </dsp:nvSpPr>
+      <dsp:spPr>
+        <a:xfrm>
           <a:off x="1564884" y="2611967"/>
           <a:ext cx="312555" cy="91440"/>
         </a:xfrm>
@@ -6790,6 +6984,62 @@
       </dsp:style>
     </dsp:sp>
     <dsp:sp modelId="{EBBE1E3B-F9B0-44F5-A0A8-4117FC445DE2}">
+      <dsp:nvSpPr>
+        <dsp:cNvPr id="0" name=""/>
+        <dsp:cNvSpPr/>
+      </dsp:nvSpPr>
+      <dsp:spPr>
+        <a:xfrm>
+          <a:off x="3440215" y="1939973"/>
+          <a:ext cx="312555" cy="91440"/>
+        </a:xfrm>
+        <a:custGeom>
+          <a:avLst/>
+          <a:gdLst/>
+          <a:ahLst/>
+          <a:cxnLst/>
+          <a:rect l="0" t="0" r="0" b="0"/>
+          <a:pathLst>
+            <a:path>
+              <a:moveTo>
+                <a:pt x="0" y="45720"/>
+              </a:moveTo>
+              <a:lnTo>
+                <a:pt x="312555" y="45720"/>
+              </a:lnTo>
+            </a:path>
+          </a:pathLst>
+        </a:custGeom>
+        <a:noFill/>
+        <a:ln w="12700" cap="flat" cmpd="sng" algn="ctr">
+          <a:solidFill>
+            <a:schemeClr val="accent1">
+              <a:shade val="80000"/>
+              <a:hueOff val="0"/>
+              <a:satOff val="0"/>
+              <a:lumOff val="0"/>
+              <a:alphaOff val="0"/>
+            </a:schemeClr>
+          </a:solidFill>
+          <a:prstDash val="solid"/>
+          <a:miter lim="800000"/>
+        </a:ln>
+        <a:effectLst/>
+      </dsp:spPr>
+      <dsp:style>
+        <a:lnRef idx="2">
+          <a:scrgbClr r="0" g="0" b="0"/>
+        </a:lnRef>
+        <a:fillRef idx="0">
+          <a:scrgbClr r="0" g="0" b="0"/>
+        </a:fillRef>
+        <a:effectRef idx="0">
+          <a:scrgbClr r="0" g="0" b="0"/>
+        </a:effectRef>
+        <a:fontRef idx="minor"/>
+      </dsp:style>
+    </dsp:sp>
+    <dsp:sp modelId="{54BCEC0A-5F84-4F7F-8660-5B67A8FFE110}">
       <dsp:nvSpPr>
         <dsp:cNvPr id="0" name=""/>
         <dsp:cNvSpPr/>
@@ -6947,6 +7197,84 @@
         <a:ext cx="1562775" cy="476646"/>
       </dsp:txXfrm>
     </dsp:sp>
+    <dsp:sp modelId="{131EC883-A543-459C-A4ED-243F765DAB9E}">
+      <dsp:nvSpPr>
+        <dsp:cNvPr id="0" name=""/>
+        <dsp:cNvSpPr/>
+      </dsp:nvSpPr>
+      <dsp:spPr>
+        <a:xfrm>
+          <a:off x="1877439" y="1747370"/>
+          <a:ext cx="1562775" cy="476646"/>
+        </a:xfrm>
+        <a:prstGeom prst="rect">
+          <a:avLst/>
+        </a:prstGeom>
+        <a:solidFill>
+          <a:schemeClr val="accent1">
+            <a:hueOff val="0"/>
+            <a:satOff val="0"/>
+            <a:lumOff val="0"/>
+            <a:alphaOff val="0"/>
+          </a:schemeClr>
+        </a:solidFill>
+        <a:ln w="12700" cap="flat" cmpd="sng" algn="ctr">
+          <a:solidFill>
+            <a:schemeClr val="lt1">
+              <a:hueOff val="0"/>
+              <a:satOff val="0"/>
+              <a:lumOff val="0"/>
+              <a:alphaOff val="0"/>
+            </a:schemeClr>
+          </a:solidFill>
+          <a:prstDash val="solid"/>
+          <a:miter lim="800000"/>
+        </a:ln>
+        <a:effectLst/>
+      </dsp:spPr>
+      <dsp:style>
+        <a:lnRef idx="2">
+          <a:scrgbClr r="0" g="0" b="0"/>
+        </a:lnRef>
+        <a:fillRef idx="1">
+          <a:scrgbClr r="0" g="0" b="0"/>
+        </a:fillRef>
+        <a:effectRef idx="0">
+          <a:scrgbClr r="0" g="0" b="0"/>
+        </a:effectRef>
+        <a:fontRef idx="minor">
+          <a:schemeClr val="lt1"/>
+        </a:fontRef>
+      </dsp:style>
+      <dsp:txBody>
+        <a:bodyPr spcFirstLastPara="0" vert="horz" wrap="square" lIns="8255" tIns="8255" rIns="8255" bIns="8255" numCol="1" spcCol="1270" anchor="ctr" anchorCtr="0">
+          <a:noAutofit/>
+        </a:bodyPr>
+        <a:lstStyle/>
+        <a:p>
+          <a:pPr marL="0" lvl="0" indent="0" algn="ctr" defTabSz="577850">
+            <a:lnSpc>
+              <a:spcPct val="90000"/>
+            </a:lnSpc>
+            <a:spcBef>
+              <a:spcPct val="0"/>
+            </a:spcBef>
+            <a:spcAft>
+              <a:spcPct val="35000"/>
+            </a:spcAft>
+            <a:buNone/>
+          </a:pPr>
+          <a:r>
+            <a:rPr lang="en-US" sz="1300" kern="1200" dirty="0"/>
+            <a:t>Target Server</a:t>
+          </a:r>
+        </a:p>
+      </dsp:txBody>
+      <dsp:txXfrm>
+        <a:off x="1877439" y="1747370"/>
+        <a:ext cx="1562775" cy="476646"/>
+      </dsp:txXfrm>
+    </dsp:sp>
     <dsp:sp modelId="{DEE1F79C-2055-47D0-A0EC-02D2E44C2B8E}">
       <dsp:nvSpPr>
         <dsp:cNvPr id="0" name=""/>
@@ -6954,7 +7282,7 @@
       </dsp:nvSpPr>
       <dsp:spPr>
         <a:xfrm>
-          <a:off x="1877439" y="1747370"/>
+          <a:off x="3752770" y="1747370"/>
           <a:ext cx="1562775" cy="476646"/>
         </a:xfrm>
         <a:prstGeom prst="rect">
@@ -7039,7 +7367,85 @@
         </a:p>
       </dsp:txBody>
       <dsp:txXfrm>
-        <a:off x="1877439" y="1747370"/>
+        <a:off x="3752770" y="1747370"/>
+        <a:ext cx="1562775" cy="476646"/>
+      </dsp:txXfrm>
+    </dsp:sp>
+    <dsp:sp modelId="{0C811EC5-A258-4658-BC55-9714EE710458}">
+      <dsp:nvSpPr>
+        <dsp:cNvPr id="0" name=""/>
+        <dsp:cNvSpPr/>
+      </dsp:nvSpPr>
+      <dsp:spPr>
+        <a:xfrm>
+          <a:off x="1877439" y="2419363"/>
+          <a:ext cx="1562775" cy="476646"/>
+        </a:xfrm>
+        <a:prstGeom prst="rect">
+          <a:avLst/>
+        </a:prstGeom>
+        <a:solidFill>
+          <a:schemeClr val="accent1">
+            <a:hueOff val="0"/>
+            <a:satOff val="0"/>
+            <a:lumOff val="0"/>
+            <a:alphaOff val="0"/>
+          </a:schemeClr>
+        </a:solidFill>
+        <a:ln w="12700" cap="flat" cmpd="sng" algn="ctr">
+          <a:solidFill>
+            <a:schemeClr val="lt1">
+              <a:hueOff val="0"/>
+              <a:satOff val="0"/>
+              <a:lumOff val="0"/>
+              <a:alphaOff val="0"/>
+            </a:schemeClr>
+          </a:solidFill>
+          <a:prstDash val="solid"/>
+          <a:miter lim="800000"/>
+        </a:ln>
+        <a:effectLst/>
+      </dsp:spPr>
+      <dsp:style>
+        <a:lnRef idx="2">
+          <a:scrgbClr r="0" g="0" b="0"/>
+        </a:lnRef>
+        <a:fillRef idx="1">
+          <a:scrgbClr r="0" g="0" b="0"/>
+        </a:fillRef>
+        <a:effectRef idx="0">
+          <a:scrgbClr r="0" g="0" b="0"/>
+        </a:effectRef>
+        <a:fontRef idx="minor">
+          <a:schemeClr val="lt1"/>
+        </a:fontRef>
+      </dsp:style>
+      <dsp:txBody>
+        <a:bodyPr spcFirstLastPara="0" vert="horz" wrap="square" lIns="8255" tIns="8255" rIns="8255" bIns="8255" numCol="1" spcCol="1270" anchor="ctr" anchorCtr="0">
+          <a:noAutofit/>
+        </a:bodyPr>
+        <a:lstStyle/>
+        <a:p>
+          <a:pPr marL="0" lvl="0" indent="0" algn="ctr" defTabSz="577850">
+            <a:lnSpc>
+              <a:spcPct val="90000"/>
+            </a:lnSpc>
+            <a:spcBef>
+              <a:spcPct val="0"/>
+            </a:spcBef>
+            <a:spcAft>
+              <a:spcPct val="35000"/>
+            </a:spcAft>
+            <a:buNone/>
+          </a:pPr>
+          <a:r>
+            <a:rPr lang="en-US" sz="1300" kern="1200" dirty="0"/>
+            <a:t>Source Server</a:t>
+          </a:r>
+        </a:p>
+      </dsp:txBody>
+      <dsp:txXfrm>
+        <a:off x="1877439" y="2419363"/>
         <a:ext cx="1562775" cy="476646"/>
       </dsp:txXfrm>
     </dsp:sp>
@@ -7050,7 +7456,7 @@
       </dsp:nvSpPr>
       <dsp:spPr>
         <a:xfrm>
-          <a:off x="1877439" y="2419363"/>
+          <a:off x="3752770" y="2419363"/>
           <a:ext cx="1562775" cy="476646"/>
         </a:xfrm>
         <a:prstGeom prst="rect">
@@ -7135,7 +7541,7 @@
         </a:p>
       </dsp:txBody>
       <dsp:txXfrm>
-        <a:off x="1877439" y="2419363"/>
+        <a:off x="3752770" y="2419363"/>
         <a:ext cx="1562775" cy="476646"/>
       </dsp:txXfrm>
     </dsp:sp>
@@ -14173,7 +14579,7 @@
           <a:p>
             <a:fld id="{57070384-08F7-42DB-936D-68C9BA0A1AA9}" type="datetimeFigureOut">
               <a:rPr lang="en-US" smtClean="0"/>
-              <a:t>10/14/2019</a:t>
+              <a:t>10/21/2019</a:t>
             </a:fld>
             <a:endParaRPr lang="en-US"/>
           </a:p>
@@ -14755,7 +15161,7 @@
           <a:p>
             <a:fld id="{93C6802F-8BB5-44AC-B46B-1ABC078DC682}" type="datetimeFigureOut">
               <a:rPr lang="en-US" smtClean="0"/>
-              <a:t>10/14/2019</a:t>
+              <a:t>10/21/2019</a:t>
             </a:fld>
             <a:endParaRPr lang="en-US"/>
           </a:p>
@@ -14953,7 +15359,7 @@
           <a:p>
             <a:fld id="{93C6802F-8BB5-44AC-B46B-1ABC078DC682}" type="datetimeFigureOut">
               <a:rPr lang="en-US" smtClean="0"/>
-              <a:t>10/14/2019</a:t>
+              <a:t>10/21/2019</a:t>
             </a:fld>
             <a:endParaRPr lang="en-US"/>
           </a:p>
@@ -15161,7 +15567,7 @@
           <a:p>
             <a:fld id="{93C6802F-8BB5-44AC-B46B-1ABC078DC682}" type="datetimeFigureOut">
               <a:rPr lang="en-US" smtClean="0"/>
-              <a:t>10/14/2019</a:t>
+              <a:t>10/21/2019</a:t>
             </a:fld>
             <a:endParaRPr lang="en-US"/>
           </a:p>
@@ -15359,7 +15765,7 @@
           <a:p>
             <a:fld id="{93C6802F-8BB5-44AC-B46B-1ABC078DC682}" type="datetimeFigureOut">
               <a:rPr lang="en-US" smtClean="0"/>
-              <a:t>10/14/2019</a:t>
+              <a:t>10/21/2019</a:t>
             </a:fld>
             <a:endParaRPr lang="en-US"/>
           </a:p>
@@ -15634,7 +16040,7 @@
           <a:p>
             <a:fld id="{93C6802F-8BB5-44AC-B46B-1ABC078DC682}" type="datetimeFigureOut">
               <a:rPr lang="en-US" smtClean="0"/>
-              <a:t>10/14/2019</a:t>
+              <a:t>10/21/2019</a:t>
             </a:fld>
             <a:endParaRPr lang="en-US"/>
           </a:p>
@@ -15899,7 +16305,7 @@
           <a:p>
             <a:fld id="{93C6802F-8BB5-44AC-B46B-1ABC078DC682}" type="datetimeFigureOut">
               <a:rPr lang="en-US" smtClean="0"/>
-              <a:t>10/14/2019</a:t>
+              <a:t>10/21/2019</a:t>
             </a:fld>
             <a:endParaRPr lang="en-US"/>
           </a:p>
@@ -16311,7 +16717,7 @@
           <a:p>
             <a:fld id="{93C6802F-8BB5-44AC-B46B-1ABC078DC682}" type="datetimeFigureOut">
               <a:rPr lang="en-US" smtClean="0"/>
-              <a:t>10/14/2019</a:t>
+              <a:t>10/21/2019</a:t>
             </a:fld>
             <a:endParaRPr lang="en-US"/>
           </a:p>
@@ -16452,7 +16858,7 @@
           <a:p>
             <a:fld id="{93C6802F-8BB5-44AC-B46B-1ABC078DC682}" type="datetimeFigureOut">
               <a:rPr lang="en-US" smtClean="0"/>
-              <a:t>10/14/2019</a:t>
+              <a:t>10/21/2019</a:t>
             </a:fld>
             <a:endParaRPr lang="en-US"/>
           </a:p>
@@ -16565,7 +16971,7 @@
           <a:p>
             <a:fld id="{93C6802F-8BB5-44AC-B46B-1ABC078DC682}" type="datetimeFigureOut">
               <a:rPr lang="en-US" smtClean="0"/>
-              <a:t>10/14/2019</a:t>
+              <a:t>10/21/2019</a:t>
             </a:fld>
             <a:endParaRPr lang="en-US"/>
           </a:p>
@@ -16876,7 +17282,7 @@
           <a:p>
             <a:fld id="{93C6802F-8BB5-44AC-B46B-1ABC078DC682}" type="datetimeFigureOut">
               <a:rPr lang="en-US" smtClean="0"/>
-              <a:t>10/14/2019</a:t>
+              <a:t>10/21/2019</a:t>
             </a:fld>
             <a:endParaRPr lang="en-US"/>
           </a:p>
@@ -17164,7 +17570,7 @@
           <a:p>
             <a:fld id="{93C6802F-8BB5-44AC-B46B-1ABC078DC682}" type="datetimeFigureOut">
               <a:rPr lang="en-US" smtClean="0"/>
-              <a:t>10/14/2019</a:t>
+              <a:t>10/21/2019</a:t>
             </a:fld>
             <a:endParaRPr lang="en-US"/>
           </a:p>
@@ -17405,7 +17811,7 @@
           <a:p>
             <a:fld id="{93C6802F-8BB5-44AC-B46B-1ABC078DC682}" type="datetimeFigureOut">
               <a:rPr lang="en-US" smtClean="0"/>
-              <a:t>10/14/2019</a:t>
+              <a:t>10/21/2019</a:t>
             </a:fld>
             <a:endParaRPr lang="en-US"/>
           </a:p>
@@ -17900,12 +18306,31 @@
         </p:nvSpPr>
         <p:spPr/>
         <p:txBody>
-          <a:bodyPr/>
+          <a:bodyPr>
+            <a:normAutofit lnSpcReduction="10000"/>
+          </a:bodyPr>
           <a:lstStyle/>
           <a:p>
             <a:r>
               <a:rPr lang="en-US"/>
               <a:t>Marc Jellinek</a:t>
+            </a:r>
+          </a:p>
+          <a:p>
+            <a:endParaRPr lang="en-US" dirty="0"/>
+          </a:p>
+          <a:p>
+            <a:pPr algn="r"/>
+            <a:r>
+              <a:rPr lang="en-US" dirty="0"/>
+              <a:t>All source files can be found at </a:t>
+            </a:r>
+          </a:p>
+          <a:p>
+            <a:pPr algn="r"/>
+            <a:r>
+              <a:rPr lang="en-US" dirty="0"/>
+              <a:t>https://github.com/marc-jellinek/AzureDataFactoryDemo_SqlSpSink.git</a:t>
             </a:r>
           </a:p>
         </p:txBody>
@@ -24910,7 +25335,7 @@
         <p:spPr/>
         <p:txBody>
           <a:bodyPr>
-            <a:normAutofit lnSpcReduction="10000"/>
+            <a:normAutofit fontScale="92500" lnSpcReduction="10000"/>
           </a:bodyPr>
           <a:lstStyle/>
           <a:p>
@@ -24931,6 +25356,13 @@
             </a:r>
           </a:p>
           <a:p>
+            <a:pPr lvl="1"/>
+            <a:r>
+              <a:rPr lang="en-US" dirty="0"/>
+              <a:t>PowerShell extension</a:t>
+            </a:r>
+          </a:p>
+          <a:p>
             <a:r>
               <a:rPr lang="en-US" dirty="0"/>
               <a:t>Azure Data Studio</a:t>
@@ -24950,7 +25382,7 @@
           </a:p>
           <a:p>
             <a:r>
-              <a:rPr lang="en-US"/>
+              <a:rPr lang="en-US" dirty="0"/>
               <a:t>PowerShell Az Module</a:t>
             </a:r>
           </a:p>
@@ -27905,7 +28337,7 @@
           <p:nvPr>
             <p:extLst>
               <p:ext uri="{D42A27DB-BD31-4B8C-83A1-F6EECF244321}">
-                <p14:modId xmlns:p14="http://schemas.microsoft.com/office/powerpoint/2010/main" val="2846888300"/>
+                <p14:modId xmlns:p14="http://schemas.microsoft.com/office/powerpoint/2010/main" val="2854021538"/>
               </p:ext>
             </p:extLst>
           </p:nvPr>
